--- a/lecture/Lecture 19 October 25/latex source/4_choose_k.pptx
+++ b/lecture/Lecture 19 October 25/latex source/4_choose_k.pptx
@@ -7,7 +7,11 @@
   <p:sldIdLst>
     <p:sldId id="256" r:id="rId2"/>
     <p:sldId id="257" r:id="rId3"/>
-    <p:sldId id="258" r:id="rId4"/>
+    <p:sldId id="260" r:id="rId4"/>
+    <p:sldId id="261" r:id="rId5"/>
+    <p:sldId id="262" r:id="rId6"/>
+    <p:sldId id="263" r:id="rId7"/>
+    <p:sldId id="264" r:id="rId8"/>
   </p:sldIdLst>
   <p:sldSz cx="12192000" cy="6858000"/>
   <p:notesSz cx="6858000" cy="9144000"/>
@@ -261,7 +265,7 @@
           <a:p>
             <a:fld id="{B5FE053B-A603-FB42-9E64-C40B1B97E415}" type="datetimeFigureOut">
               <a:rPr lang="en-US" smtClean="0"/>
-              <a:t>10/25/18</a:t>
+              <a:t>10/29/18</a:t>
             </a:fld>
             <a:endParaRPr lang="en-US"/>
           </a:p>
@@ -459,7 +463,7 @@
           <a:p>
             <a:fld id="{B5FE053B-A603-FB42-9E64-C40B1B97E415}" type="datetimeFigureOut">
               <a:rPr lang="en-US" smtClean="0"/>
-              <a:t>10/25/18</a:t>
+              <a:t>10/29/18</a:t>
             </a:fld>
             <a:endParaRPr lang="en-US"/>
           </a:p>
@@ -667,7 +671,7 @@
           <a:p>
             <a:fld id="{B5FE053B-A603-FB42-9E64-C40B1B97E415}" type="datetimeFigureOut">
               <a:rPr lang="en-US" smtClean="0"/>
-              <a:t>10/25/18</a:t>
+              <a:t>10/29/18</a:t>
             </a:fld>
             <a:endParaRPr lang="en-US"/>
           </a:p>
@@ -865,7 +869,7 @@
           <a:p>
             <a:fld id="{B5FE053B-A603-FB42-9E64-C40B1B97E415}" type="datetimeFigureOut">
               <a:rPr lang="en-US" smtClean="0"/>
-              <a:t>10/25/18</a:t>
+              <a:t>10/29/18</a:t>
             </a:fld>
             <a:endParaRPr lang="en-US"/>
           </a:p>
@@ -1140,7 +1144,7 @@
           <a:p>
             <a:fld id="{B5FE053B-A603-FB42-9E64-C40B1B97E415}" type="datetimeFigureOut">
               <a:rPr lang="en-US" smtClean="0"/>
-              <a:t>10/25/18</a:t>
+              <a:t>10/29/18</a:t>
             </a:fld>
             <a:endParaRPr lang="en-US"/>
           </a:p>
@@ -1405,7 +1409,7 @@
           <a:p>
             <a:fld id="{B5FE053B-A603-FB42-9E64-C40B1B97E415}" type="datetimeFigureOut">
               <a:rPr lang="en-US" smtClean="0"/>
-              <a:t>10/25/18</a:t>
+              <a:t>10/29/18</a:t>
             </a:fld>
             <a:endParaRPr lang="en-US"/>
           </a:p>
@@ -1817,7 +1821,7 @@
           <a:p>
             <a:fld id="{B5FE053B-A603-FB42-9E64-C40B1B97E415}" type="datetimeFigureOut">
               <a:rPr lang="en-US" smtClean="0"/>
-              <a:t>10/25/18</a:t>
+              <a:t>10/29/18</a:t>
             </a:fld>
             <a:endParaRPr lang="en-US"/>
           </a:p>
@@ -1958,7 +1962,7 @@
           <a:p>
             <a:fld id="{B5FE053B-A603-FB42-9E64-C40B1B97E415}" type="datetimeFigureOut">
               <a:rPr lang="en-US" smtClean="0"/>
-              <a:t>10/25/18</a:t>
+              <a:t>10/29/18</a:t>
             </a:fld>
             <a:endParaRPr lang="en-US"/>
           </a:p>
@@ -2071,7 +2075,7 @@
           <a:p>
             <a:fld id="{B5FE053B-A603-FB42-9E64-C40B1B97E415}" type="datetimeFigureOut">
               <a:rPr lang="en-US" smtClean="0"/>
-              <a:t>10/25/18</a:t>
+              <a:t>10/29/18</a:t>
             </a:fld>
             <a:endParaRPr lang="en-US"/>
           </a:p>
@@ -2382,7 +2386,7 @@
           <a:p>
             <a:fld id="{B5FE053B-A603-FB42-9E64-C40B1B97E415}" type="datetimeFigureOut">
               <a:rPr lang="en-US" smtClean="0"/>
-              <a:t>10/25/18</a:t>
+              <a:t>10/29/18</a:t>
             </a:fld>
             <a:endParaRPr lang="en-US"/>
           </a:p>
@@ -2670,7 +2674,7 @@
           <a:p>
             <a:fld id="{B5FE053B-A603-FB42-9E64-C40B1B97E415}" type="datetimeFigureOut">
               <a:rPr lang="en-US" smtClean="0"/>
-              <a:t>10/25/18</a:t>
+              <a:t>10/29/18</a:t>
             </a:fld>
             <a:endParaRPr lang="en-US"/>
           </a:p>
@@ -2911,7 +2915,7 @@
           <a:p>
             <a:fld id="{B5FE053B-A603-FB42-9E64-C40B1B97E415}" type="datetimeFigureOut">
               <a:rPr lang="en-US" smtClean="0"/>
-              <a:t>10/25/18</a:t>
+              <a:t>10/29/18</a:t>
             </a:fld>
             <a:endParaRPr lang="en-US"/>
           </a:p>
@@ -3410,56 +3414,6 @@
       </p:grpSpPr>
       <p:sp>
         <p:nvSpPr>
-          <p:cNvPr id="2" name="Title 1">
-            <a:extLst>
-              <a:ext uri="{FF2B5EF4-FFF2-40B4-BE49-F238E27FC236}">
-                <a16:creationId xmlns:a16="http://schemas.microsoft.com/office/drawing/2014/main" id="{4136F9B8-C313-5640-B0DE-EAE968C681DF}"/>
-              </a:ext>
-            </a:extLst>
-          </p:cNvPr>
-          <p:cNvSpPr>
-            <a:spLocks noGrp="1"/>
-          </p:cNvSpPr>
-          <p:nvPr>
-            <p:ph type="title"/>
-          </p:nvPr>
-        </p:nvSpPr>
-        <p:spPr/>
-        <p:txBody>
-          <a:bodyPr/>
-          <a:lstStyle/>
-          <a:p>
-            <a:endParaRPr lang="en-US"/>
-          </a:p>
-        </p:txBody>
-      </p:sp>
-      <p:sp>
-        <p:nvSpPr>
-          <p:cNvPr id="3" name="Content Placeholder 2">
-            <a:extLst>
-              <a:ext uri="{FF2B5EF4-FFF2-40B4-BE49-F238E27FC236}">
-                <a16:creationId xmlns:a16="http://schemas.microsoft.com/office/drawing/2014/main" id="{8A73C481-AD60-944A-9B5C-DE0F75F9D3DB}"/>
-              </a:ext>
-            </a:extLst>
-          </p:cNvPr>
-          <p:cNvSpPr>
-            <a:spLocks noGrp="1"/>
-          </p:cNvSpPr>
-          <p:nvPr>
-            <p:ph idx="1"/>
-          </p:nvPr>
-        </p:nvSpPr>
-        <p:spPr/>
-        <p:txBody>
-          <a:bodyPr/>
-          <a:lstStyle/>
-          <a:p>
-            <a:endParaRPr lang="en-US" dirty="0"/>
-          </a:p>
-        </p:txBody>
-      </p:sp>
-      <p:sp>
-        <p:nvSpPr>
           <p:cNvPr id="4" name="Oval 3">
             <a:extLst>
               <a:ext uri="{FF2B5EF4-FFF2-40B4-BE49-F238E27FC236}">
@@ -4216,7 +4170,7 @@
         </p:blipFill>
         <p:spPr>
           <a:xfrm>
-            <a:off x="1453639" y="5795188"/>
+            <a:off x="1453639" y="6187073"/>
             <a:ext cx="4621465" cy="562070"/>
           </a:xfrm>
           <a:prstGeom prst="rect">
@@ -4246,7 +4200,7 @@
         </p:blipFill>
         <p:spPr>
           <a:xfrm>
-            <a:off x="1518953" y="5153953"/>
+            <a:off x="1518953" y="5545838"/>
             <a:ext cx="4621465" cy="589974"/>
           </a:xfrm>
           <a:prstGeom prst="rect">
@@ -4254,6 +4208,531 @@
           </a:prstGeom>
         </p:spPr>
       </p:pic>
+      <p:sp>
+        <p:nvSpPr>
+          <p:cNvPr id="9" name="TextBox 8">
+            <a:extLst>
+              <a:ext uri="{FF2B5EF4-FFF2-40B4-BE49-F238E27FC236}">
+                <a16:creationId xmlns:a16="http://schemas.microsoft.com/office/drawing/2014/main" id="{59FEDA23-1151-DD41-8F63-338A1AD216AB}"/>
+              </a:ext>
+            </a:extLst>
+          </p:cNvPr>
+          <p:cNvSpPr txBox="1"/>
+          <p:nvPr/>
+        </p:nvSpPr>
+        <p:spPr>
+          <a:xfrm>
+            <a:off x="2746314" y="1463042"/>
+            <a:ext cx="301686" cy="369332"/>
+          </a:xfrm>
+          <a:prstGeom prst="rect">
+            <a:avLst/>
+          </a:prstGeom>
+          <a:noFill/>
+        </p:spPr>
+        <p:txBody>
+          <a:bodyPr wrap="none" rtlCol="0">
+            <a:spAutoFit/>
+          </a:bodyPr>
+          <a:lstStyle/>
+          <a:p>
+            <a:r>
+              <a:rPr lang="en-US" dirty="0"/>
+              <a:t>1</a:t>
+            </a:r>
+          </a:p>
+        </p:txBody>
+      </p:sp>
+      <p:sp>
+        <p:nvSpPr>
+          <p:cNvPr id="24" name="TextBox 23">
+            <a:extLst>
+              <a:ext uri="{FF2B5EF4-FFF2-40B4-BE49-F238E27FC236}">
+                <a16:creationId xmlns:a16="http://schemas.microsoft.com/office/drawing/2014/main" id="{C4195872-0505-C54C-900D-89AFBF3DD554}"/>
+              </a:ext>
+            </a:extLst>
+          </p:cNvPr>
+          <p:cNvSpPr txBox="1"/>
+          <p:nvPr/>
+        </p:nvSpPr>
+        <p:spPr>
+          <a:xfrm>
+            <a:off x="2746314" y="2313769"/>
+            <a:ext cx="301686" cy="369332"/>
+          </a:xfrm>
+          <a:prstGeom prst="rect">
+            <a:avLst/>
+          </a:prstGeom>
+          <a:noFill/>
+        </p:spPr>
+        <p:txBody>
+          <a:bodyPr wrap="none" rtlCol="0">
+            <a:spAutoFit/>
+          </a:bodyPr>
+          <a:lstStyle/>
+          <a:p>
+            <a:r>
+              <a:rPr lang="en-US" dirty="0"/>
+              <a:t>2</a:t>
+            </a:r>
+          </a:p>
+        </p:txBody>
+      </p:sp>
+      <p:sp>
+        <p:nvSpPr>
+          <p:cNvPr id="26" name="TextBox 25">
+            <a:extLst>
+              <a:ext uri="{FF2B5EF4-FFF2-40B4-BE49-F238E27FC236}">
+                <a16:creationId xmlns:a16="http://schemas.microsoft.com/office/drawing/2014/main" id="{92F6E003-5497-B543-B873-3637C7C0C055}"/>
+              </a:ext>
+            </a:extLst>
+          </p:cNvPr>
+          <p:cNvSpPr txBox="1"/>
+          <p:nvPr/>
+        </p:nvSpPr>
+        <p:spPr>
+          <a:xfrm>
+            <a:off x="2746314" y="3290487"/>
+            <a:ext cx="301686" cy="369332"/>
+          </a:xfrm>
+          <a:prstGeom prst="rect">
+            <a:avLst/>
+          </a:prstGeom>
+          <a:noFill/>
+        </p:spPr>
+        <p:txBody>
+          <a:bodyPr wrap="none" rtlCol="0">
+            <a:spAutoFit/>
+          </a:bodyPr>
+          <a:lstStyle/>
+          <a:p>
+            <a:r>
+              <a:rPr lang="en-US" dirty="0"/>
+              <a:t>3</a:t>
+            </a:r>
+          </a:p>
+        </p:txBody>
+      </p:sp>
+      <p:sp>
+        <p:nvSpPr>
+          <p:cNvPr id="27" name="TextBox 26">
+            <a:extLst>
+              <a:ext uri="{FF2B5EF4-FFF2-40B4-BE49-F238E27FC236}">
+                <a16:creationId xmlns:a16="http://schemas.microsoft.com/office/drawing/2014/main" id="{E357C6B6-372C-0A4E-9C68-0864D7E82EEC}"/>
+              </a:ext>
+            </a:extLst>
+          </p:cNvPr>
+          <p:cNvSpPr txBox="1"/>
+          <p:nvPr/>
+        </p:nvSpPr>
+        <p:spPr>
+          <a:xfrm>
+            <a:off x="2746314" y="4242551"/>
+            <a:ext cx="301686" cy="369332"/>
+          </a:xfrm>
+          <a:prstGeom prst="rect">
+            <a:avLst/>
+          </a:prstGeom>
+          <a:noFill/>
+        </p:spPr>
+        <p:txBody>
+          <a:bodyPr wrap="none" rtlCol="0">
+            <a:spAutoFit/>
+          </a:bodyPr>
+          <a:lstStyle/>
+          <a:p>
+            <a:r>
+              <a:rPr lang="en-US" dirty="0"/>
+              <a:t>4</a:t>
+            </a:r>
+          </a:p>
+        </p:txBody>
+      </p:sp>
+      <p:sp>
+        <p:nvSpPr>
+          <p:cNvPr id="28" name="TextBox 27">
+            <a:extLst>
+              <a:ext uri="{FF2B5EF4-FFF2-40B4-BE49-F238E27FC236}">
+                <a16:creationId xmlns:a16="http://schemas.microsoft.com/office/drawing/2014/main" id="{9613BE0E-3289-024E-A2F8-86E6BE75A3CD}"/>
+              </a:ext>
+            </a:extLst>
+          </p:cNvPr>
+          <p:cNvSpPr txBox="1"/>
+          <p:nvPr/>
+        </p:nvSpPr>
+        <p:spPr>
+          <a:xfrm>
+            <a:off x="3506758" y="604463"/>
+            <a:ext cx="529312" cy="369332"/>
+          </a:xfrm>
+          <a:prstGeom prst="rect">
+            <a:avLst/>
+          </a:prstGeom>
+          <a:noFill/>
+        </p:spPr>
+        <p:txBody>
+          <a:bodyPr wrap="none" rtlCol="0">
+            <a:spAutoFit/>
+          </a:bodyPr>
+          <a:lstStyle/>
+          <a:p>
+            <a:r>
+              <a:rPr lang="en-US" dirty="0"/>
+              <a:t>1, 2</a:t>
+            </a:r>
+          </a:p>
+        </p:txBody>
+      </p:sp>
+      <p:sp>
+        <p:nvSpPr>
+          <p:cNvPr id="29" name="TextBox 28">
+            <a:extLst>
+              <a:ext uri="{FF2B5EF4-FFF2-40B4-BE49-F238E27FC236}">
+                <a16:creationId xmlns:a16="http://schemas.microsoft.com/office/drawing/2014/main" id="{E96E6EB9-7BEE-5B43-8725-0B76D020A159}"/>
+              </a:ext>
+            </a:extLst>
+          </p:cNvPr>
+          <p:cNvSpPr txBox="1"/>
+          <p:nvPr/>
+        </p:nvSpPr>
+        <p:spPr>
+          <a:xfrm>
+            <a:off x="3506758" y="1511168"/>
+            <a:ext cx="529312" cy="369332"/>
+          </a:xfrm>
+          <a:prstGeom prst="rect">
+            <a:avLst/>
+          </a:prstGeom>
+          <a:noFill/>
+        </p:spPr>
+        <p:txBody>
+          <a:bodyPr wrap="none" rtlCol="0">
+            <a:spAutoFit/>
+          </a:bodyPr>
+          <a:lstStyle/>
+          <a:p>
+            <a:r>
+              <a:rPr lang="en-US" dirty="0"/>
+              <a:t>1, 3</a:t>
+            </a:r>
+          </a:p>
+        </p:txBody>
+      </p:sp>
+      <p:sp>
+        <p:nvSpPr>
+          <p:cNvPr id="30" name="TextBox 29">
+            <a:extLst>
+              <a:ext uri="{FF2B5EF4-FFF2-40B4-BE49-F238E27FC236}">
+                <a16:creationId xmlns:a16="http://schemas.microsoft.com/office/drawing/2014/main" id="{5977D927-2A88-0143-9B7F-B08CB8523CD9}"/>
+              </a:ext>
+            </a:extLst>
+          </p:cNvPr>
+          <p:cNvSpPr txBox="1"/>
+          <p:nvPr/>
+        </p:nvSpPr>
+        <p:spPr>
+          <a:xfrm>
+            <a:off x="3506758" y="2398667"/>
+            <a:ext cx="529312" cy="369332"/>
+          </a:xfrm>
+          <a:prstGeom prst="rect">
+            <a:avLst/>
+          </a:prstGeom>
+          <a:noFill/>
+        </p:spPr>
+        <p:txBody>
+          <a:bodyPr wrap="none" rtlCol="0">
+            <a:spAutoFit/>
+          </a:bodyPr>
+          <a:lstStyle/>
+          <a:p>
+            <a:r>
+              <a:rPr lang="en-US" dirty="0"/>
+              <a:t>1, 4</a:t>
+            </a:r>
+          </a:p>
+        </p:txBody>
+      </p:sp>
+      <p:sp>
+        <p:nvSpPr>
+          <p:cNvPr id="31" name="TextBox 30">
+            <a:extLst>
+              <a:ext uri="{FF2B5EF4-FFF2-40B4-BE49-F238E27FC236}">
+                <a16:creationId xmlns:a16="http://schemas.microsoft.com/office/drawing/2014/main" id="{DF98A959-92D0-964C-B6DF-56EE633A894C}"/>
+              </a:ext>
+            </a:extLst>
+          </p:cNvPr>
+          <p:cNvSpPr txBox="1"/>
+          <p:nvPr/>
+        </p:nvSpPr>
+        <p:spPr>
+          <a:xfrm>
+            <a:off x="3506758" y="3255962"/>
+            <a:ext cx="529312" cy="369332"/>
+          </a:xfrm>
+          <a:prstGeom prst="rect">
+            <a:avLst/>
+          </a:prstGeom>
+          <a:noFill/>
+        </p:spPr>
+        <p:txBody>
+          <a:bodyPr wrap="none" rtlCol="0">
+            <a:spAutoFit/>
+          </a:bodyPr>
+          <a:lstStyle/>
+          <a:p>
+            <a:r>
+              <a:rPr lang="en-US" dirty="0"/>
+              <a:t>2, 3</a:t>
+            </a:r>
+          </a:p>
+        </p:txBody>
+      </p:sp>
+      <p:sp>
+        <p:nvSpPr>
+          <p:cNvPr id="32" name="TextBox 31">
+            <a:extLst>
+              <a:ext uri="{FF2B5EF4-FFF2-40B4-BE49-F238E27FC236}">
+                <a16:creationId xmlns:a16="http://schemas.microsoft.com/office/drawing/2014/main" id="{9CDE1B08-CEED-A14D-8350-59E8CE2E240B}"/>
+              </a:ext>
+            </a:extLst>
+          </p:cNvPr>
+          <p:cNvSpPr txBox="1"/>
+          <p:nvPr/>
+        </p:nvSpPr>
+        <p:spPr>
+          <a:xfrm>
+            <a:off x="3506758" y="4226162"/>
+            <a:ext cx="529312" cy="369332"/>
+          </a:xfrm>
+          <a:prstGeom prst="rect">
+            <a:avLst/>
+          </a:prstGeom>
+          <a:noFill/>
+        </p:spPr>
+        <p:txBody>
+          <a:bodyPr wrap="none" rtlCol="0">
+            <a:spAutoFit/>
+          </a:bodyPr>
+          <a:lstStyle/>
+          <a:p>
+            <a:r>
+              <a:rPr lang="en-US" dirty="0"/>
+              <a:t>2, 4</a:t>
+            </a:r>
+          </a:p>
+        </p:txBody>
+      </p:sp>
+      <p:sp>
+        <p:nvSpPr>
+          <p:cNvPr id="33" name="TextBox 32">
+            <a:extLst>
+              <a:ext uri="{FF2B5EF4-FFF2-40B4-BE49-F238E27FC236}">
+                <a16:creationId xmlns:a16="http://schemas.microsoft.com/office/drawing/2014/main" id="{86D14C35-A95B-C24E-81EB-10A79CA6A80F}"/>
+              </a:ext>
+            </a:extLst>
+          </p:cNvPr>
+          <p:cNvSpPr txBox="1"/>
+          <p:nvPr/>
+        </p:nvSpPr>
+        <p:spPr>
+          <a:xfrm>
+            <a:off x="3506758" y="5103849"/>
+            <a:ext cx="529312" cy="369332"/>
+          </a:xfrm>
+          <a:prstGeom prst="rect">
+            <a:avLst/>
+          </a:prstGeom>
+          <a:noFill/>
+        </p:spPr>
+        <p:txBody>
+          <a:bodyPr wrap="none" rtlCol="0">
+            <a:spAutoFit/>
+          </a:bodyPr>
+          <a:lstStyle/>
+          <a:p>
+            <a:r>
+              <a:rPr lang="en-US" dirty="0"/>
+              <a:t>3, 4</a:t>
+            </a:r>
+          </a:p>
+        </p:txBody>
+      </p:sp>
+      <p:sp>
+        <p:nvSpPr>
+          <p:cNvPr id="35" name="TextBox 34">
+            <a:extLst>
+              <a:ext uri="{FF2B5EF4-FFF2-40B4-BE49-F238E27FC236}">
+                <a16:creationId xmlns:a16="http://schemas.microsoft.com/office/drawing/2014/main" id="{E05DFA98-E357-3140-BB70-052F475B81CE}"/>
+              </a:ext>
+            </a:extLst>
+          </p:cNvPr>
+          <p:cNvSpPr txBox="1"/>
+          <p:nvPr/>
+        </p:nvSpPr>
+        <p:spPr>
+          <a:xfrm>
+            <a:off x="4358144" y="1511168"/>
+            <a:ext cx="756938" cy="369332"/>
+          </a:xfrm>
+          <a:prstGeom prst="rect">
+            <a:avLst/>
+          </a:prstGeom>
+          <a:noFill/>
+        </p:spPr>
+        <p:txBody>
+          <a:bodyPr wrap="none" rtlCol="0">
+            <a:spAutoFit/>
+          </a:bodyPr>
+          <a:lstStyle/>
+          <a:p>
+            <a:r>
+              <a:rPr lang="en-US" dirty="0"/>
+              <a:t>1, 2, 3</a:t>
+            </a:r>
+          </a:p>
+        </p:txBody>
+      </p:sp>
+      <p:sp>
+        <p:nvSpPr>
+          <p:cNvPr id="36" name="TextBox 35">
+            <a:extLst>
+              <a:ext uri="{FF2B5EF4-FFF2-40B4-BE49-F238E27FC236}">
+                <a16:creationId xmlns:a16="http://schemas.microsoft.com/office/drawing/2014/main" id="{47DB59F9-3441-8846-BC39-8282CFE586F9}"/>
+              </a:ext>
+            </a:extLst>
+          </p:cNvPr>
+          <p:cNvSpPr txBox="1"/>
+          <p:nvPr/>
+        </p:nvSpPr>
+        <p:spPr>
+          <a:xfrm>
+            <a:off x="4358144" y="2386776"/>
+            <a:ext cx="756938" cy="369332"/>
+          </a:xfrm>
+          <a:prstGeom prst="rect">
+            <a:avLst/>
+          </a:prstGeom>
+          <a:noFill/>
+        </p:spPr>
+        <p:txBody>
+          <a:bodyPr wrap="none" rtlCol="0">
+            <a:spAutoFit/>
+          </a:bodyPr>
+          <a:lstStyle/>
+          <a:p>
+            <a:r>
+              <a:rPr lang="en-US" dirty="0"/>
+              <a:t>1, 2, 4</a:t>
+            </a:r>
+          </a:p>
+        </p:txBody>
+      </p:sp>
+      <p:sp>
+        <p:nvSpPr>
+          <p:cNvPr id="37" name="TextBox 36">
+            <a:extLst>
+              <a:ext uri="{FF2B5EF4-FFF2-40B4-BE49-F238E27FC236}">
+                <a16:creationId xmlns:a16="http://schemas.microsoft.com/office/drawing/2014/main" id="{BB0B1B24-8517-F04A-825F-86A2E6ADCED7}"/>
+              </a:ext>
+            </a:extLst>
+          </p:cNvPr>
+          <p:cNvSpPr txBox="1"/>
+          <p:nvPr/>
+        </p:nvSpPr>
+        <p:spPr>
+          <a:xfrm>
+            <a:off x="4358144" y="3295305"/>
+            <a:ext cx="756938" cy="369332"/>
+          </a:xfrm>
+          <a:prstGeom prst="rect">
+            <a:avLst/>
+          </a:prstGeom>
+          <a:noFill/>
+        </p:spPr>
+        <p:txBody>
+          <a:bodyPr wrap="none" rtlCol="0">
+            <a:spAutoFit/>
+          </a:bodyPr>
+          <a:lstStyle/>
+          <a:p>
+            <a:r>
+              <a:rPr lang="en-US" dirty="0"/>
+              <a:t>1, 3, 4</a:t>
+            </a:r>
+          </a:p>
+        </p:txBody>
+      </p:sp>
+      <p:sp>
+        <p:nvSpPr>
+          <p:cNvPr id="38" name="TextBox 37">
+            <a:extLst>
+              <a:ext uri="{FF2B5EF4-FFF2-40B4-BE49-F238E27FC236}">
+                <a16:creationId xmlns:a16="http://schemas.microsoft.com/office/drawing/2014/main" id="{5220E8DE-4E34-EC4D-B630-0AC4ECC5B4F3}"/>
+              </a:ext>
+            </a:extLst>
+          </p:cNvPr>
+          <p:cNvSpPr txBox="1"/>
+          <p:nvPr/>
+        </p:nvSpPr>
+        <p:spPr>
+          <a:xfrm>
+            <a:off x="4338674" y="4247509"/>
+            <a:ext cx="756938" cy="369332"/>
+          </a:xfrm>
+          <a:prstGeom prst="rect">
+            <a:avLst/>
+          </a:prstGeom>
+          <a:noFill/>
+        </p:spPr>
+        <p:txBody>
+          <a:bodyPr wrap="none" rtlCol="0">
+            <a:spAutoFit/>
+          </a:bodyPr>
+          <a:lstStyle/>
+          <a:p>
+            <a:r>
+              <a:rPr lang="en-US" dirty="0"/>
+              <a:t>2, 3, 4</a:t>
+            </a:r>
+          </a:p>
+        </p:txBody>
+      </p:sp>
+      <p:sp>
+        <p:nvSpPr>
+          <p:cNvPr id="39" name="TextBox 38">
+            <a:extLst>
+              <a:ext uri="{FF2B5EF4-FFF2-40B4-BE49-F238E27FC236}">
+                <a16:creationId xmlns:a16="http://schemas.microsoft.com/office/drawing/2014/main" id="{84789C5B-1021-8F45-9A04-778C2615A6B6}"/>
+              </a:ext>
+            </a:extLst>
+          </p:cNvPr>
+          <p:cNvSpPr txBox="1"/>
+          <p:nvPr/>
+        </p:nvSpPr>
+        <p:spPr>
+          <a:xfrm>
+            <a:off x="5115082" y="3027822"/>
+            <a:ext cx="984565" cy="369332"/>
+          </a:xfrm>
+          <a:prstGeom prst="rect">
+            <a:avLst/>
+          </a:prstGeom>
+          <a:noFill/>
+        </p:spPr>
+        <p:txBody>
+          <a:bodyPr wrap="none" rtlCol="0">
+            <a:spAutoFit/>
+          </a:bodyPr>
+          <a:lstStyle/>
+          <a:p>
+            <a:r>
+              <a:rPr lang="en-US" dirty="0"/>
+              <a:t>1, 2, 3, 4</a:t>
+            </a:r>
+          </a:p>
+        </p:txBody>
+      </p:sp>
     </p:spTree>
     <p:extLst>
       <p:ext uri="{BB962C8B-B14F-4D97-AF65-F5344CB8AC3E}">
@@ -4286,56 +4765,6 @@
       </p:grpSpPr>
       <p:sp>
         <p:nvSpPr>
-          <p:cNvPr id="2" name="Title 1">
-            <a:extLst>
-              <a:ext uri="{FF2B5EF4-FFF2-40B4-BE49-F238E27FC236}">
-                <a16:creationId xmlns:a16="http://schemas.microsoft.com/office/drawing/2014/main" id="{4136F9B8-C313-5640-B0DE-EAE968C681DF}"/>
-              </a:ext>
-            </a:extLst>
-          </p:cNvPr>
-          <p:cNvSpPr>
-            <a:spLocks noGrp="1"/>
-          </p:cNvSpPr>
-          <p:nvPr>
-            <p:ph type="title"/>
-          </p:nvPr>
-        </p:nvSpPr>
-        <p:spPr/>
-        <p:txBody>
-          <a:bodyPr/>
-          <a:lstStyle/>
-          <a:p>
-            <a:endParaRPr lang="en-US"/>
-          </a:p>
-        </p:txBody>
-      </p:sp>
-      <p:sp>
-        <p:nvSpPr>
-          <p:cNvPr id="3" name="Content Placeholder 2">
-            <a:extLst>
-              <a:ext uri="{FF2B5EF4-FFF2-40B4-BE49-F238E27FC236}">
-                <a16:creationId xmlns:a16="http://schemas.microsoft.com/office/drawing/2014/main" id="{8A73C481-AD60-944A-9B5C-DE0F75F9D3DB}"/>
-              </a:ext>
-            </a:extLst>
-          </p:cNvPr>
-          <p:cNvSpPr>
-            <a:spLocks noGrp="1"/>
-          </p:cNvSpPr>
-          <p:nvPr>
-            <p:ph idx="1"/>
-          </p:nvPr>
-        </p:nvSpPr>
-        <p:spPr/>
-        <p:txBody>
-          <a:bodyPr/>
-          <a:lstStyle/>
-          <a:p>
-            <a:endParaRPr lang="en-US" dirty="0"/>
-          </a:p>
-        </p:txBody>
-      </p:sp>
-      <p:sp>
-        <p:nvSpPr>
           <p:cNvPr id="4" name="Oval 3">
             <a:extLst>
               <a:ext uri="{FF2B5EF4-FFF2-40B4-BE49-F238E27FC236}">
@@ -4355,7 +4784,7 @@
             <a:avLst/>
           </a:prstGeom>
           <a:solidFill>
-            <a:srgbClr val="FF0000"/>
+            <a:schemeClr val="accent2"/>
           </a:solidFill>
         </p:spPr>
         <p:style>
@@ -4495,9 +4924,6 @@
           <a:prstGeom prst="ellipse">
             <a:avLst/>
           </a:prstGeom>
-          <a:solidFill>
-            <a:srgbClr val="FF0000"/>
-          </a:solidFill>
         </p:spPr>
         <p:style>
           <a:lnRef idx="2">
@@ -4728,9 +5154,6 @@
           <a:prstGeom prst="ellipse">
             <a:avLst/>
           </a:prstGeom>
-          <a:solidFill>
-            <a:srgbClr val="FF0000"/>
-          </a:solidFill>
         </p:spPr>
         <p:style>
           <a:lnRef idx="2">
@@ -4823,9 +5246,6 @@
           <a:prstGeom prst="ellipse">
             <a:avLst/>
           </a:prstGeom>
-          <a:solidFill>
-            <a:schemeClr val="accent1"/>
-          </a:solidFill>
         </p:spPr>
         <p:style>
           <a:lnRef idx="2">
@@ -4964,9 +5384,6 @@
           <a:prstGeom prst="ellipse">
             <a:avLst/>
           </a:prstGeom>
-          <a:solidFill>
-            <a:schemeClr val="accent1"/>
-          </a:solidFill>
         </p:spPr>
         <p:style>
           <a:lnRef idx="2">
@@ -5013,9 +5430,6 @@
           <a:prstGeom prst="ellipse">
             <a:avLst/>
           </a:prstGeom>
-          <a:solidFill>
-            <a:srgbClr val="FF0000"/>
-          </a:solidFill>
         </p:spPr>
         <p:style>
           <a:lnRef idx="2">
@@ -5062,9 +5476,6 @@
           <a:prstGeom prst="ellipse">
             <a:avLst/>
           </a:prstGeom>
-          <a:solidFill>
-            <a:srgbClr val="FF0000"/>
-          </a:solidFill>
         </p:spPr>
         <p:style>
           <a:lnRef idx="2">
@@ -5091,12 +5502,3381 @@
           </a:p>
         </p:txBody>
       </p:sp>
+      <p:pic>
+        <p:nvPicPr>
+          <p:cNvPr id="25" name="Picture 24">
+            <a:extLst>
+              <a:ext uri="{FF2B5EF4-FFF2-40B4-BE49-F238E27FC236}">
+                <a16:creationId xmlns:a16="http://schemas.microsoft.com/office/drawing/2014/main" id="{F6548FD8-4F84-EF4B-BCF8-6DA0B36BC1AC}"/>
+              </a:ext>
+            </a:extLst>
+          </p:cNvPr>
+          <p:cNvPicPr>
+            <a:picLocks noChangeAspect="1"/>
+          </p:cNvPicPr>
+          <p:nvPr/>
+        </p:nvPicPr>
+        <p:blipFill>
+          <a:blip r:embed="rId2"/>
+          <a:stretch>
+            <a:fillRect/>
+          </a:stretch>
+        </p:blipFill>
+        <p:spPr>
+          <a:xfrm>
+            <a:off x="1453639" y="6187073"/>
+            <a:ext cx="4621465" cy="562070"/>
+          </a:xfrm>
+          <a:prstGeom prst="rect">
+            <a:avLst/>
+          </a:prstGeom>
+        </p:spPr>
+      </p:pic>
+      <p:pic>
+        <p:nvPicPr>
+          <p:cNvPr id="8" name="Picture 7">
+            <a:extLst>
+              <a:ext uri="{FF2B5EF4-FFF2-40B4-BE49-F238E27FC236}">
+                <a16:creationId xmlns:a16="http://schemas.microsoft.com/office/drawing/2014/main" id="{83E161FB-B983-1040-A321-AFA77867B522}"/>
+              </a:ext>
+            </a:extLst>
+          </p:cNvPr>
+          <p:cNvPicPr>
+            <a:picLocks noChangeAspect="1"/>
+          </p:cNvPicPr>
+          <p:nvPr/>
+        </p:nvPicPr>
+        <p:blipFill>
+          <a:blip r:embed="rId3"/>
+          <a:stretch>
+            <a:fillRect/>
+          </a:stretch>
+        </p:blipFill>
+        <p:spPr>
+          <a:xfrm>
+            <a:off x="1518953" y="5545838"/>
+            <a:ext cx="4621465" cy="589974"/>
+          </a:xfrm>
+          <a:prstGeom prst="rect">
+            <a:avLst/>
+          </a:prstGeom>
+        </p:spPr>
+      </p:pic>
+      <p:sp>
+        <p:nvSpPr>
+          <p:cNvPr id="9" name="TextBox 8">
+            <a:extLst>
+              <a:ext uri="{FF2B5EF4-FFF2-40B4-BE49-F238E27FC236}">
+                <a16:creationId xmlns:a16="http://schemas.microsoft.com/office/drawing/2014/main" id="{59FEDA23-1151-DD41-8F63-338A1AD216AB}"/>
+              </a:ext>
+            </a:extLst>
+          </p:cNvPr>
+          <p:cNvSpPr txBox="1"/>
+          <p:nvPr/>
+        </p:nvSpPr>
+        <p:spPr>
+          <a:xfrm>
+            <a:off x="2746314" y="1463042"/>
+            <a:ext cx="301686" cy="369332"/>
+          </a:xfrm>
+          <a:prstGeom prst="rect">
+            <a:avLst/>
+          </a:prstGeom>
+          <a:noFill/>
+        </p:spPr>
+        <p:txBody>
+          <a:bodyPr wrap="none" rtlCol="0">
+            <a:spAutoFit/>
+          </a:bodyPr>
+          <a:lstStyle/>
+          <a:p>
+            <a:r>
+              <a:rPr lang="en-US" dirty="0"/>
+              <a:t>1</a:t>
+            </a:r>
+          </a:p>
+        </p:txBody>
+      </p:sp>
+      <p:sp>
+        <p:nvSpPr>
+          <p:cNvPr id="24" name="TextBox 23">
+            <a:extLst>
+              <a:ext uri="{FF2B5EF4-FFF2-40B4-BE49-F238E27FC236}">
+                <a16:creationId xmlns:a16="http://schemas.microsoft.com/office/drawing/2014/main" id="{C4195872-0505-C54C-900D-89AFBF3DD554}"/>
+              </a:ext>
+            </a:extLst>
+          </p:cNvPr>
+          <p:cNvSpPr txBox="1"/>
+          <p:nvPr/>
+        </p:nvSpPr>
+        <p:spPr>
+          <a:xfrm>
+            <a:off x="2746314" y="2313769"/>
+            <a:ext cx="301686" cy="369332"/>
+          </a:xfrm>
+          <a:prstGeom prst="rect">
+            <a:avLst/>
+          </a:prstGeom>
+          <a:noFill/>
+        </p:spPr>
+        <p:txBody>
+          <a:bodyPr wrap="none" rtlCol="0">
+            <a:spAutoFit/>
+          </a:bodyPr>
+          <a:lstStyle/>
+          <a:p>
+            <a:r>
+              <a:rPr lang="en-US" dirty="0"/>
+              <a:t>2</a:t>
+            </a:r>
+          </a:p>
+        </p:txBody>
+      </p:sp>
+      <p:sp>
+        <p:nvSpPr>
+          <p:cNvPr id="26" name="TextBox 25">
+            <a:extLst>
+              <a:ext uri="{FF2B5EF4-FFF2-40B4-BE49-F238E27FC236}">
+                <a16:creationId xmlns:a16="http://schemas.microsoft.com/office/drawing/2014/main" id="{92F6E003-5497-B543-B873-3637C7C0C055}"/>
+              </a:ext>
+            </a:extLst>
+          </p:cNvPr>
+          <p:cNvSpPr txBox="1"/>
+          <p:nvPr/>
+        </p:nvSpPr>
+        <p:spPr>
+          <a:xfrm>
+            <a:off x="2746314" y="3290487"/>
+            <a:ext cx="301686" cy="369332"/>
+          </a:xfrm>
+          <a:prstGeom prst="rect">
+            <a:avLst/>
+          </a:prstGeom>
+          <a:noFill/>
+        </p:spPr>
+        <p:txBody>
+          <a:bodyPr wrap="none" rtlCol="0">
+            <a:spAutoFit/>
+          </a:bodyPr>
+          <a:lstStyle/>
+          <a:p>
+            <a:r>
+              <a:rPr lang="en-US" dirty="0"/>
+              <a:t>3</a:t>
+            </a:r>
+          </a:p>
+        </p:txBody>
+      </p:sp>
+      <p:sp>
+        <p:nvSpPr>
+          <p:cNvPr id="27" name="TextBox 26">
+            <a:extLst>
+              <a:ext uri="{FF2B5EF4-FFF2-40B4-BE49-F238E27FC236}">
+                <a16:creationId xmlns:a16="http://schemas.microsoft.com/office/drawing/2014/main" id="{E357C6B6-372C-0A4E-9C68-0864D7E82EEC}"/>
+              </a:ext>
+            </a:extLst>
+          </p:cNvPr>
+          <p:cNvSpPr txBox="1"/>
+          <p:nvPr/>
+        </p:nvSpPr>
+        <p:spPr>
+          <a:xfrm>
+            <a:off x="2746314" y="4242551"/>
+            <a:ext cx="301686" cy="369332"/>
+          </a:xfrm>
+          <a:prstGeom prst="rect">
+            <a:avLst/>
+          </a:prstGeom>
+          <a:noFill/>
+        </p:spPr>
+        <p:txBody>
+          <a:bodyPr wrap="none" rtlCol="0">
+            <a:spAutoFit/>
+          </a:bodyPr>
+          <a:lstStyle/>
+          <a:p>
+            <a:r>
+              <a:rPr lang="en-US" dirty="0"/>
+              <a:t>4</a:t>
+            </a:r>
+          </a:p>
+        </p:txBody>
+      </p:sp>
+      <p:sp>
+        <p:nvSpPr>
+          <p:cNvPr id="28" name="TextBox 27">
+            <a:extLst>
+              <a:ext uri="{FF2B5EF4-FFF2-40B4-BE49-F238E27FC236}">
+                <a16:creationId xmlns:a16="http://schemas.microsoft.com/office/drawing/2014/main" id="{9613BE0E-3289-024E-A2F8-86E6BE75A3CD}"/>
+              </a:ext>
+            </a:extLst>
+          </p:cNvPr>
+          <p:cNvSpPr txBox="1"/>
+          <p:nvPr/>
+        </p:nvSpPr>
+        <p:spPr>
+          <a:xfrm>
+            <a:off x="3506758" y="604463"/>
+            <a:ext cx="529312" cy="369332"/>
+          </a:xfrm>
+          <a:prstGeom prst="rect">
+            <a:avLst/>
+          </a:prstGeom>
+          <a:noFill/>
+        </p:spPr>
+        <p:txBody>
+          <a:bodyPr wrap="none" rtlCol="0">
+            <a:spAutoFit/>
+          </a:bodyPr>
+          <a:lstStyle/>
+          <a:p>
+            <a:r>
+              <a:rPr lang="en-US" dirty="0"/>
+              <a:t>1, 2</a:t>
+            </a:r>
+          </a:p>
+        </p:txBody>
+      </p:sp>
+      <p:sp>
+        <p:nvSpPr>
+          <p:cNvPr id="29" name="TextBox 28">
+            <a:extLst>
+              <a:ext uri="{FF2B5EF4-FFF2-40B4-BE49-F238E27FC236}">
+                <a16:creationId xmlns:a16="http://schemas.microsoft.com/office/drawing/2014/main" id="{E96E6EB9-7BEE-5B43-8725-0B76D020A159}"/>
+              </a:ext>
+            </a:extLst>
+          </p:cNvPr>
+          <p:cNvSpPr txBox="1"/>
+          <p:nvPr/>
+        </p:nvSpPr>
+        <p:spPr>
+          <a:xfrm>
+            <a:off x="3506758" y="1511168"/>
+            <a:ext cx="529312" cy="369332"/>
+          </a:xfrm>
+          <a:prstGeom prst="rect">
+            <a:avLst/>
+          </a:prstGeom>
+          <a:noFill/>
+        </p:spPr>
+        <p:txBody>
+          <a:bodyPr wrap="none" rtlCol="0">
+            <a:spAutoFit/>
+          </a:bodyPr>
+          <a:lstStyle/>
+          <a:p>
+            <a:r>
+              <a:rPr lang="en-US" dirty="0"/>
+              <a:t>1, 3</a:t>
+            </a:r>
+          </a:p>
+        </p:txBody>
+      </p:sp>
+      <p:sp>
+        <p:nvSpPr>
+          <p:cNvPr id="30" name="TextBox 29">
+            <a:extLst>
+              <a:ext uri="{FF2B5EF4-FFF2-40B4-BE49-F238E27FC236}">
+                <a16:creationId xmlns:a16="http://schemas.microsoft.com/office/drawing/2014/main" id="{5977D927-2A88-0143-9B7F-B08CB8523CD9}"/>
+              </a:ext>
+            </a:extLst>
+          </p:cNvPr>
+          <p:cNvSpPr txBox="1"/>
+          <p:nvPr/>
+        </p:nvSpPr>
+        <p:spPr>
+          <a:xfrm>
+            <a:off x="3506758" y="2398667"/>
+            <a:ext cx="529312" cy="369332"/>
+          </a:xfrm>
+          <a:prstGeom prst="rect">
+            <a:avLst/>
+          </a:prstGeom>
+          <a:noFill/>
+        </p:spPr>
+        <p:txBody>
+          <a:bodyPr wrap="none" rtlCol="0">
+            <a:spAutoFit/>
+          </a:bodyPr>
+          <a:lstStyle/>
+          <a:p>
+            <a:r>
+              <a:rPr lang="en-US" dirty="0"/>
+              <a:t>1, 4</a:t>
+            </a:r>
+          </a:p>
+        </p:txBody>
+      </p:sp>
+      <p:sp>
+        <p:nvSpPr>
+          <p:cNvPr id="31" name="TextBox 30">
+            <a:extLst>
+              <a:ext uri="{FF2B5EF4-FFF2-40B4-BE49-F238E27FC236}">
+                <a16:creationId xmlns:a16="http://schemas.microsoft.com/office/drawing/2014/main" id="{DF98A959-92D0-964C-B6DF-56EE633A894C}"/>
+              </a:ext>
+            </a:extLst>
+          </p:cNvPr>
+          <p:cNvSpPr txBox="1"/>
+          <p:nvPr/>
+        </p:nvSpPr>
+        <p:spPr>
+          <a:xfrm>
+            <a:off x="3506758" y="3255962"/>
+            <a:ext cx="529312" cy="369332"/>
+          </a:xfrm>
+          <a:prstGeom prst="rect">
+            <a:avLst/>
+          </a:prstGeom>
+          <a:noFill/>
+        </p:spPr>
+        <p:txBody>
+          <a:bodyPr wrap="none" rtlCol="0">
+            <a:spAutoFit/>
+          </a:bodyPr>
+          <a:lstStyle/>
+          <a:p>
+            <a:r>
+              <a:rPr lang="en-US" dirty="0"/>
+              <a:t>2, 3</a:t>
+            </a:r>
+          </a:p>
+        </p:txBody>
+      </p:sp>
+      <p:sp>
+        <p:nvSpPr>
+          <p:cNvPr id="32" name="TextBox 31">
+            <a:extLst>
+              <a:ext uri="{FF2B5EF4-FFF2-40B4-BE49-F238E27FC236}">
+                <a16:creationId xmlns:a16="http://schemas.microsoft.com/office/drawing/2014/main" id="{9CDE1B08-CEED-A14D-8350-59E8CE2E240B}"/>
+              </a:ext>
+            </a:extLst>
+          </p:cNvPr>
+          <p:cNvSpPr txBox="1"/>
+          <p:nvPr/>
+        </p:nvSpPr>
+        <p:spPr>
+          <a:xfrm>
+            <a:off x="3506758" y="4226162"/>
+            <a:ext cx="529312" cy="369332"/>
+          </a:xfrm>
+          <a:prstGeom prst="rect">
+            <a:avLst/>
+          </a:prstGeom>
+          <a:noFill/>
+        </p:spPr>
+        <p:txBody>
+          <a:bodyPr wrap="none" rtlCol="0">
+            <a:spAutoFit/>
+          </a:bodyPr>
+          <a:lstStyle/>
+          <a:p>
+            <a:r>
+              <a:rPr lang="en-US" dirty="0"/>
+              <a:t>2, 4</a:t>
+            </a:r>
+          </a:p>
+        </p:txBody>
+      </p:sp>
+      <p:sp>
+        <p:nvSpPr>
+          <p:cNvPr id="33" name="TextBox 32">
+            <a:extLst>
+              <a:ext uri="{FF2B5EF4-FFF2-40B4-BE49-F238E27FC236}">
+                <a16:creationId xmlns:a16="http://schemas.microsoft.com/office/drawing/2014/main" id="{86D14C35-A95B-C24E-81EB-10A79CA6A80F}"/>
+              </a:ext>
+            </a:extLst>
+          </p:cNvPr>
+          <p:cNvSpPr txBox="1"/>
+          <p:nvPr/>
+        </p:nvSpPr>
+        <p:spPr>
+          <a:xfrm>
+            <a:off x="3506758" y="5103849"/>
+            <a:ext cx="529312" cy="369332"/>
+          </a:xfrm>
+          <a:prstGeom prst="rect">
+            <a:avLst/>
+          </a:prstGeom>
+          <a:noFill/>
+        </p:spPr>
+        <p:txBody>
+          <a:bodyPr wrap="none" rtlCol="0">
+            <a:spAutoFit/>
+          </a:bodyPr>
+          <a:lstStyle/>
+          <a:p>
+            <a:r>
+              <a:rPr lang="en-US" dirty="0"/>
+              <a:t>3, 4</a:t>
+            </a:r>
+          </a:p>
+        </p:txBody>
+      </p:sp>
+      <p:sp>
+        <p:nvSpPr>
+          <p:cNvPr id="35" name="TextBox 34">
+            <a:extLst>
+              <a:ext uri="{FF2B5EF4-FFF2-40B4-BE49-F238E27FC236}">
+                <a16:creationId xmlns:a16="http://schemas.microsoft.com/office/drawing/2014/main" id="{E05DFA98-E357-3140-BB70-052F475B81CE}"/>
+              </a:ext>
+            </a:extLst>
+          </p:cNvPr>
+          <p:cNvSpPr txBox="1"/>
+          <p:nvPr/>
+        </p:nvSpPr>
+        <p:spPr>
+          <a:xfrm>
+            <a:off x="4358144" y="1511168"/>
+            <a:ext cx="756938" cy="369332"/>
+          </a:xfrm>
+          <a:prstGeom prst="rect">
+            <a:avLst/>
+          </a:prstGeom>
+          <a:noFill/>
+        </p:spPr>
+        <p:txBody>
+          <a:bodyPr wrap="none" rtlCol="0">
+            <a:spAutoFit/>
+          </a:bodyPr>
+          <a:lstStyle/>
+          <a:p>
+            <a:r>
+              <a:rPr lang="en-US" dirty="0"/>
+              <a:t>1, 2, 3</a:t>
+            </a:r>
+          </a:p>
+        </p:txBody>
+      </p:sp>
+      <p:sp>
+        <p:nvSpPr>
+          <p:cNvPr id="36" name="TextBox 35">
+            <a:extLst>
+              <a:ext uri="{FF2B5EF4-FFF2-40B4-BE49-F238E27FC236}">
+                <a16:creationId xmlns:a16="http://schemas.microsoft.com/office/drawing/2014/main" id="{47DB59F9-3441-8846-BC39-8282CFE586F9}"/>
+              </a:ext>
+            </a:extLst>
+          </p:cNvPr>
+          <p:cNvSpPr txBox="1"/>
+          <p:nvPr/>
+        </p:nvSpPr>
+        <p:spPr>
+          <a:xfrm>
+            <a:off x="4358144" y="2386776"/>
+            <a:ext cx="756938" cy="369332"/>
+          </a:xfrm>
+          <a:prstGeom prst="rect">
+            <a:avLst/>
+          </a:prstGeom>
+          <a:noFill/>
+        </p:spPr>
+        <p:txBody>
+          <a:bodyPr wrap="none" rtlCol="0">
+            <a:spAutoFit/>
+          </a:bodyPr>
+          <a:lstStyle/>
+          <a:p>
+            <a:r>
+              <a:rPr lang="en-US" dirty="0"/>
+              <a:t>1, 2, 4</a:t>
+            </a:r>
+          </a:p>
+        </p:txBody>
+      </p:sp>
+      <p:sp>
+        <p:nvSpPr>
+          <p:cNvPr id="37" name="TextBox 36">
+            <a:extLst>
+              <a:ext uri="{FF2B5EF4-FFF2-40B4-BE49-F238E27FC236}">
+                <a16:creationId xmlns:a16="http://schemas.microsoft.com/office/drawing/2014/main" id="{BB0B1B24-8517-F04A-825F-86A2E6ADCED7}"/>
+              </a:ext>
+            </a:extLst>
+          </p:cNvPr>
+          <p:cNvSpPr txBox="1"/>
+          <p:nvPr/>
+        </p:nvSpPr>
+        <p:spPr>
+          <a:xfrm>
+            <a:off x="4358144" y="3295305"/>
+            <a:ext cx="756938" cy="369332"/>
+          </a:xfrm>
+          <a:prstGeom prst="rect">
+            <a:avLst/>
+          </a:prstGeom>
+          <a:noFill/>
+        </p:spPr>
+        <p:txBody>
+          <a:bodyPr wrap="none" rtlCol="0">
+            <a:spAutoFit/>
+          </a:bodyPr>
+          <a:lstStyle/>
+          <a:p>
+            <a:r>
+              <a:rPr lang="en-US" dirty="0"/>
+              <a:t>1, 3, 4</a:t>
+            </a:r>
+          </a:p>
+        </p:txBody>
+      </p:sp>
+      <p:sp>
+        <p:nvSpPr>
+          <p:cNvPr id="38" name="TextBox 37">
+            <a:extLst>
+              <a:ext uri="{FF2B5EF4-FFF2-40B4-BE49-F238E27FC236}">
+                <a16:creationId xmlns:a16="http://schemas.microsoft.com/office/drawing/2014/main" id="{5220E8DE-4E34-EC4D-B630-0AC4ECC5B4F3}"/>
+              </a:ext>
+            </a:extLst>
+          </p:cNvPr>
+          <p:cNvSpPr txBox="1"/>
+          <p:nvPr/>
+        </p:nvSpPr>
+        <p:spPr>
+          <a:xfrm>
+            <a:off x="4338674" y="4247509"/>
+            <a:ext cx="756938" cy="369332"/>
+          </a:xfrm>
+          <a:prstGeom prst="rect">
+            <a:avLst/>
+          </a:prstGeom>
+          <a:noFill/>
+        </p:spPr>
+        <p:txBody>
+          <a:bodyPr wrap="none" rtlCol="0">
+            <a:spAutoFit/>
+          </a:bodyPr>
+          <a:lstStyle/>
+          <a:p>
+            <a:r>
+              <a:rPr lang="en-US" dirty="0"/>
+              <a:t>2, 3, 4</a:t>
+            </a:r>
+          </a:p>
+        </p:txBody>
+      </p:sp>
+      <p:sp>
+        <p:nvSpPr>
+          <p:cNvPr id="39" name="TextBox 38">
+            <a:extLst>
+              <a:ext uri="{FF2B5EF4-FFF2-40B4-BE49-F238E27FC236}">
+                <a16:creationId xmlns:a16="http://schemas.microsoft.com/office/drawing/2014/main" id="{84789C5B-1021-8F45-9A04-778C2615A6B6}"/>
+              </a:ext>
+            </a:extLst>
+          </p:cNvPr>
+          <p:cNvSpPr txBox="1"/>
+          <p:nvPr/>
+        </p:nvSpPr>
+        <p:spPr>
+          <a:xfrm>
+            <a:off x="5115082" y="3027822"/>
+            <a:ext cx="984565" cy="369332"/>
+          </a:xfrm>
+          <a:prstGeom prst="rect">
+            <a:avLst/>
+          </a:prstGeom>
+          <a:noFill/>
+        </p:spPr>
+        <p:txBody>
+          <a:bodyPr wrap="none" rtlCol="0">
+            <a:spAutoFit/>
+          </a:bodyPr>
+          <a:lstStyle/>
+          <a:p>
+            <a:r>
+              <a:rPr lang="en-US" dirty="0"/>
+              <a:t>1, 2, 3, 4</a:t>
+            </a:r>
+          </a:p>
+        </p:txBody>
+      </p:sp>
+    </p:spTree>
+    <p:extLst>
+      <p:ext uri="{BB962C8B-B14F-4D97-AF65-F5344CB8AC3E}">
+        <p14:creationId xmlns:p14="http://schemas.microsoft.com/office/powerpoint/2010/main" val="2650599905"/>
+      </p:ext>
+    </p:extLst>
+  </p:cSld>
+  <p:clrMapOvr>
+    <a:masterClrMapping/>
+  </p:clrMapOvr>
+</p:sld>
+</file>
+
+<file path=ppt/slides/slide4.xml><?xml version="1.0" encoding="utf-8"?>
+<p:sld xmlns:a="http://schemas.openxmlformats.org/drawingml/2006/main" xmlns:r="http://schemas.openxmlformats.org/officeDocument/2006/relationships" xmlns:p="http://schemas.openxmlformats.org/presentationml/2006/main">
+  <p:cSld>
+    <p:spTree>
+      <p:nvGrpSpPr>
+        <p:cNvPr id="1" name=""/>
+        <p:cNvGrpSpPr/>
+        <p:nvPr/>
+      </p:nvGrpSpPr>
+      <p:grpSpPr>
+        <a:xfrm>
+          <a:off x="0" y="0"/>
+          <a:ext cx="0" cy="0"/>
+          <a:chOff x="0" y="0"/>
+          <a:chExt cx="0" cy="0"/>
+        </a:xfrm>
+      </p:grpSpPr>
+      <p:sp>
+        <p:nvSpPr>
+          <p:cNvPr id="4" name="Oval 3">
+            <a:extLst>
+              <a:ext uri="{FF2B5EF4-FFF2-40B4-BE49-F238E27FC236}">
+                <a16:creationId xmlns:a16="http://schemas.microsoft.com/office/drawing/2014/main" id="{9F2E6200-F5CF-6E42-B2D1-421514B39192}"/>
+              </a:ext>
+            </a:extLst>
+          </p:cNvPr>
+          <p:cNvSpPr/>
+          <p:nvPr/>
+        </p:nvSpPr>
+        <p:spPr>
+          <a:xfrm>
+            <a:off x="1901371" y="2644210"/>
+            <a:ext cx="188686" cy="188685"/>
+          </a:xfrm>
+          <a:prstGeom prst="ellipse">
+            <a:avLst/>
+          </a:prstGeom>
+          <a:solidFill>
+            <a:schemeClr val="accent2"/>
+          </a:solidFill>
+        </p:spPr>
+        <p:style>
+          <a:lnRef idx="2">
+            <a:schemeClr val="accent1">
+              <a:shade val="50000"/>
+            </a:schemeClr>
+          </a:lnRef>
+          <a:fillRef idx="1">
+            <a:schemeClr val="accent1"/>
+          </a:fillRef>
+          <a:effectRef idx="0">
+            <a:schemeClr val="accent1"/>
+          </a:effectRef>
+          <a:fontRef idx="minor">
+            <a:schemeClr val="lt1"/>
+          </a:fontRef>
+        </p:style>
+        <p:txBody>
+          <a:bodyPr rtlCol="0" anchor="ctr"/>
+          <a:lstStyle/>
+          <a:p>
+            <a:pPr algn="ctr"/>
+            <a:endParaRPr lang="en-US"/>
+          </a:p>
+        </p:txBody>
+      </p:sp>
+      <p:sp>
+        <p:nvSpPr>
+          <p:cNvPr id="5" name="Oval 4">
+            <a:extLst>
+              <a:ext uri="{FF2B5EF4-FFF2-40B4-BE49-F238E27FC236}">
+                <a16:creationId xmlns:a16="http://schemas.microsoft.com/office/drawing/2014/main" id="{4D48FAF7-A436-3944-9E8C-8C2F4128E2F8}"/>
+              </a:ext>
+            </a:extLst>
+          </p:cNvPr>
+          <p:cNvSpPr/>
+          <p:nvPr/>
+        </p:nvSpPr>
+        <p:spPr>
+          <a:xfrm>
+            <a:off x="2808514" y="3960361"/>
+            <a:ext cx="188686" cy="188685"/>
+          </a:xfrm>
+          <a:prstGeom prst="ellipse">
+            <a:avLst/>
+          </a:prstGeom>
+        </p:spPr>
+        <p:style>
+          <a:lnRef idx="2">
+            <a:schemeClr val="accent1">
+              <a:shade val="50000"/>
+            </a:schemeClr>
+          </a:lnRef>
+          <a:fillRef idx="1">
+            <a:schemeClr val="accent1"/>
+          </a:fillRef>
+          <a:effectRef idx="0">
+            <a:schemeClr val="accent1"/>
+          </a:effectRef>
+          <a:fontRef idx="minor">
+            <a:schemeClr val="lt1"/>
+          </a:fontRef>
+        </p:style>
+        <p:txBody>
+          <a:bodyPr rtlCol="0" anchor="ctr"/>
+          <a:lstStyle/>
+          <a:p>
+            <a:pPr algn="ctr"/>
+            <a:endParaRPr lang="en-US"/>
+          </a:p>
+        </p:txBody>
+      </p:sp>
+      <p:sp>
+        <p:nvSpPr>
+          <p:cNvPr id="6" name="Oval 5">
+            <a:extLst>
+              <a:ext uri="{FF2B5EF4-FFF2-40B4-BE49-F238E27FC236}">
+                <a16:creationId xmlns:a16="http://schemas.microsoft.com/office/drawing/2014/main" id="{0543B7DE-038E-6E40-AD92-197F055AD6A9}"/>
+              </a:ext>
+            </a:extLst>
+          </p:cNvPr>
+          <p:cNvSpPr/>
+          <p:nvPr/>
+        </p:nvSpPr>
+        <p:spPr>
+          <a:xfrm>
+            <a:off x="2808514" y="3050981"/>
+            <a:ext cx="188686" cy="188685"/>
+          </a:xfrm>
+          <a:prstGeom prst="ellipse">
+            <a:avLst/>
+          </a:prstGeom>
+        </p:spPr>
+        <p:style>
+          <a:lnRef idx="2">
+            <a:schemeClr val="accent1">
+              <a:shade val="50000"/>
+            </a:schemeClr>
+          </a:lnRef>
+          <a:fillRef idx="1">
+            <a:schemeClr val="accent1"/>
+          </a:fillRef>
+          <a:effectRef idx="0">
+            <a:schemeClr val="accent1"/>
+          </a:effectRef>
+          <a:fontRef idx="minor">
+            <a:schemeClr val="lt1"/>
+          </a:fontRef>
+        </p:style>
+        <p:txBody>
+          <a:bodyPr rtlCol="0" anchor="ctr"/>
+          <a:lstStyle/>
+          <a:p>
+            <a:pPr algn="ctr"/>
+            <a:endParaRPr lang="en-US"/>
+          </a:p>
+        </p:txBody>
+      </p:sp>
+      <p:sp>
+        <p:nvSpPr>
+          <p:cNvPr id="7" name="Oval 6">
+            <a:extLst>
+              <a:ext uri="{FF2B5EF4-FFF2-40B4-BE49-F238E27FC236}">
+                <a16:creationId xmlns:a16="http://schemas.microsoft.com/office/drawing/2014/main" id="{2C76E0C7-DA47-454B-8A10-2E82455F627E}"/>
+              </a:ext>
+            </a:extLst>
+          </p:cNvPr>
+          <p:cNvSpPr/>
+          <p:nvPr/>
+        </p:nvSpPr>
+        <p:spPr>
+          <a:xfrm>
+            <a:off x="2808514" y="2129323"/>
+            <a:ext cx="188686" cy="188685"/>
+          </a:xfrm>
+          <a:prstGeom prst="ellipse">
+            <a:avLst/>
+          </a:prstGeom>
+          <a:solidFill>
+            <a:schemeClr val="accent2"/>
+          </a:solidFill>
+        </p:spPr>
+        <p:style>
+          <a:lnRef idx="2">
+            <a:schemeClr val="accent1">
+              <a:shade val="50000"/>
+            </a:schemeClr>
+          </a:lnRef>
+          <a:fillRef idx="1">
+            <a:schemeClr val="accent1"/>
+          </a:fillRef>
+          <a:effectRef idx="0">
+            <a:schemeClr val="accent1"/>
+          </a:effectRef>
+          <a:fontRef idx="minor">
+            <a:schemeClr val="lt1"/>
+          </a:fontRef>
+        </p:style>
+        <p:txBody>
+          <a:bodyPr rtlCol="0" anchor="ctr"/>
+          <a:lstStyle/>
+          <a:p>
+            <a:pPr algn="ctr"/>
+            <a:endParaRPr lang="en-US"/>
+          </a:p>
+        </p:txBody>
+      </p:sp>
+      <p:sp>
+        <p:nvSpPr>
+          <p:cNvPr id="10" name="Oval 9">
+            <a:extLst>
+              <a:ext uri="{FF2B5EF4-FFF2-40B4-BE49-F238E27FC236}">
+                <a16:creationId xmlns:a16="http://schemas.microsoft.com/office/drawing/2014/main" id="{C2759916-CB85-1C43-B3A1-F0072DA044AE}"/>
+              </a:ext>
+            </a:extLst>
+          </p:cNvPr>
+          <p:cNvSpPr/>
+          <p:nvPr/>
+        </p:nvSpPr>
+        <p:spPr>
+          <a:xfrm>
+            <a:off x="3715657" y="4864897"/>
+            <a:ext cx="188686" cy="188685"/>
+          </a:xfrm>
+          <a:prstGeom prst="ellipse">
+            <a:avLst/>
+          </a:prstGeom>
+          <a:noFill/>
+        </p:spPr>
+        <p:style>
+          <a:lnRef idx="2">
+            <a:schemeClr val="accent1">
+              <a:shade val="50000"/>
+            </a:schemeClr>
+          </a:lnRef>
+          <a:fillRef idx="1">
+            <a:schemeClr val="accent1"/>
+          </a:fillRef>
+          <a:effectRef idx="0">
+            <a:schemeClr val="accent1"/>
+          </a:effectRef>
+          <a:fontRef idx="minor">
+            <a:schemeClr val="lt1"/>
+          </a:fontRef>
+        </p:style>
+        <p:txBody>
+          <a:bodyPr rtlCol="0" anchor="ctr"/>
+          <a:lstStyle/>
+          <a:p>
+            <a:pPr algn="ctr"/>
+            <a:endParaRPr lang="en-US"/>
+          </a:p>
+        </p:txBody>
+      </p:sp>
+      <p:sp>
+        <p:nvSpPr>
+          <p:cNvPr id="11" name="Oval 10">
+            <a:extLst>
+              <a:ext uri="{FF2B5EF4-FFF2-40B4-BE49-F238E27FC236}">
+                <a16:creationId xmlns:a16="http://schemas.microsoft.com/office/drawing/2014/main" id="{CBFF0B1F-1B25-6041-B968-1B305C713F63}"/>
+              </a:ext>
+            </a:extLst>
+          </p:cNvPr>
+          <p:cNvSpPr/>
+          <p:nvPr/>
+        </p:nvSpPr>
+        <p:spPr>
+          <a:xfrm>
+            <a:off x="3715657" y="3943240"/>
+            <a:ext cx="188686" cy="188685"/>
+          </a:xfrm>
+          <a:prstGeom prst="ellipse">
+            <a:avLst/>
+          </a:prstGeom>
+          <a:solidFill>
+            <a:schemeClr val="accent1"/>
+          </a:solidFill>
+        </p:spPr>
+        <p:style>
+          <a:lnRef idx="2">
+            <a:schemeClr val="accent1">
+              <a:shade val="50000"/>
+            </a:schemeClr>
+          </a:lnRef>
+          <a:fillRef idx="1">
+            <a:schemeClr val="accent1"/>
+          </a:fillRef>
+          <a:effectRef idx="0">
+            <a:schemeClr val="accent1"/>
+          </a:effectRef>
+          <a:fontRef idx="minor">
+            <a:schemeClr val="lt1"/>
+          </a:fontRef>
+        </p:style>
+        <p:txBody>
+          <a:bodyPr rtlCol="0" anchor="ctr"/>
+          <a:lstStyle/>
+          <a:p>
+            <a:pPr algn="ctr"/>
+            <a:endParaRPr lang="en-US"/>
+          </a:p>
+        </p:txBody>
+      </p:sp>
+      <p:sp>
+        <p:nvSpPr>
+          <p:cNvPr id="12" name="Oval 11">
+            <a:extLst>
+              <a:ext uri="{FF2B5EF4-FFF2-40B4-BE49-F238E27FC236}">
+                <a16:creationId xmlns:a16="http://schemas.microsoft.com/office/drawing/2014/main" id="{8B620498-F09B-2045-A4DA-07A5D28CF8BD}"/>
+              </a:ext>
+            </a:extLst>
+          </p:cNvPr>
+          <p:cNvSpPr/>
+          <p:nvPr/>
+        </p:nvSpPr>
+        <p:spPr>
+          <a:xfrm>
+            <a:off x="3715657" y="3021583"/>
+            <a:ext cx="188686" cy="188685"/>
+          </a:xfrm>
+          <a:prstGeom prst="ellipse">
+            <a:avLst/>
+          </a:prstGeom>
+          <a:solidFill>
+            <a:schemeClr val="accent1"/>
+          </a:solidFill>
+        </p:spPr>
+        <p:style>
+          <a:lnRef idx="2">
+            <a:schemeClr val="accent1">
+              <a:shade val="50000"/>
+            </a:schemeClr>
+          </a:lnRef>
+          <a:fillRef idx="1">
+            <a:schemeClr val="accent1"/>
+          </a:fillRef>
+          <a:effectRef idx="0">
+            <a:schemeClr val="accent1"/>
+          </a:effectRef>
+          <a:fontRef idx="minor">
+            <a:schemeClr val="lt1"/>
+          </a:fontRef>
+        </p:style>
+        <p:txBody>
+          <a:bodyPr rtlCol="0" anchor="ctr"/>
+          <a:lstStyle/>
+          <a:p>
+            <a:pPr algn="ctr"/>
+            <a:endParaRPr lang="en-US"/>
+          </a:p>
+        </p:txBody>
+      </p:sp>
+      <p:sp>
+        <p:nvSpPr>
+          <p:cNvPr id="15" name="Oval 14">
+            <a:extLst>
+              <a:ext uri="{FF2B5EF4-FFF2-40B4-BE49-F238E27FC236}">
+                <a16:creationId xmlns:a16="http://schemas.microsoft.com/office/drawing/2014/main" id="{B0FE5E1A-DD30-3D45-AF8A-309F12D0E00B}"/>
+              </a:ext>
+            </a:extLst>
+          </p:cNvPr>
+          <p:cNvSpPr/>
+          <p:nvPr/>
+        </p:nvSpPr>
+        <p:spPr>
+          <a:xfrm>
+            <a:off x="2808514" y="1237064"/>
+            <a:ext cx="188686" cy="188685"/>
+          </a:xfrm>
+          <a:prstGeom prst="ellipse">
+            <a:avLst/>
+          </a:prstGeom>
+          <a:solidFill>
+            <a:schemeClr val="accent1"/>
+          </a:solidFill>
+        </p:spPr>
+        <p:style>
+          <a:lnRef idx="2">
+            <a:schemeClr val="accent1">
+              <a:shade val="50000"/>
+            </a:schemeClr>
+          </a:lnRef>
+          <a:fillRef idx="1">
+            <a:schemeClr val="accent1"/>
+          </a:fillRef>
+          <a:effectRef idx="0">
+            <a:schemeClr val="accent1"/>
+          </a:effectRef>
+          <a:fontRef idx="minor">
+            <a:schemeClr val="lt1"/>
+          </a:fontRef>
+        </p:style>
+        <p:txBody>
+          <a:bodyPr rtlCol="0" anchor="ctr"/>
+          <a:lstStyle/>
+          <a:p>
+            <a:pPr algn="ctr"/>
+            <a:endParaRPr lang="en-US"/>
+          </a:p>
+        </p:txBody>
+      </p:sp>
+      <p:sp>
+        <p:nvSpPr>
+          <p:cNvPr id="16" name="Oval 15">
+            <a:extLst>
+              <a:ext uri="{FF2B5EF4-FFF2-40B4-BE49-F238E27FC236}">
+                <a16:creationId xmlns:a16="http://schemas.microsoft.com/office/drawing/2014/main" id="{5A053BF6-4E4D-5B4E-88BB-38ECA8DB51D3}"/>
+              </a:ext>
+            </a:extLst>
+          </p:cNvPr>
+          <p:cNvSpPr/>
+          <p:nvPr/>
+        </p:nvSpPr>
+        <p:spPr>
+          <a:xfrm>
+            <a:off x="3715657" y="2158721"/>
+            <a:ext cx="188686" cy="188685"/>
+          </a:xfrm>
+          <a:prstGeom prst="ellipse">
+            <a:avLst/>
+          </a:prstGeom>
+          <a:noFill/>
+        </p:spPr>
+        <p:style>
+          <a:lnRef idx="2">
+            <a:schemeClr val="accent1">
+              <a:shade val="50000"/>
+            </a:schemeClr>
+          </a:lnRef>
+          <a:fillRef idx="1">
+            <a:schemeClr val="accent1"/>
+          </a:fillRef>
+          <a:effectRef idx="0">
+            <a:schemeClr val="accent1"/>
+          </a:effectRef>
+          <a:fontRef idx="minor">
+            <a:schemeClr val="lt1"/>
+          </a:fontRef>
+        </p:style>
+        <p:txBody>
+          <a:bodyPr rtlCol="0" anchor="ctr"/>
+          <a:lstStyle/>
+          <a:p>
+            <a:pPr algn="ctr"/>
+            <a:endParaRPr lang="en-US"/>
+          </a:p>
+        </p:txBody>
+      </p:sp>
+      <p:sp>
+        <p:nvSpPr>
+          <p:cNvPr id="17" name="Oval 16">
+            <a:extLst>
+              <a:ext uri="{FF2B5EF4-FFF2-40B4-BE49-F238E27FC236}">
+                <a16:creationId xmlns:a16="http://schemas.microsoft.com/office/drawing/2014/main" id="{456F1AD3-B265-164B-A0AA-55089F7D54A8}"/>
+              </a:ext>
+            </a:extLst>
+          </p:cNvPr>
+          <p:cNvSpPr/>
+          <p:nvPr/>
+        </p:nvSpPr>
+        <p:spPr>
+          <a:xfrm>
+            <a:off x="3715657" y="1237064"/>
+            <a:ext cx="188686" cy="188685"/>
+          </a:xfrm>
+          <a:prstGeom prst="ellipse">
+            <a:avLst/>
+          </a:prstGeom>
+          <a:noFill/>
+        </p:spPr>
+        <p:style>
+          <a:lnRef idx="2">
+            <a:schemeClr val="accent1">
+              <a:shade val="50000"/>
+            </a:schemeClr>
+          </a:lnRef>
+          <a:fillRef idx="1">
+            <a:schemeClr val="accent1"/>
+          </a:fillRef>
+          <a:effectRef idx="0">
+            <a:schemeClr val="accent1"/>
+          </a:effectRef>
+          <a:fontRef idx="minor">
+            <a:schemeClr val="lt1"/>
+          </a:fontRef>
+        </p:style>
+        <p:txBody>
+          <a:bodyPr rtlCol="0" anchor="ctr"/>
+          <a:lstStyle/>
+          <a:p>
+            <a:pPr algn="ctr"/>
+            <a:endParaRPr lang="en-US"/>
+          </a:p>
+        </p:txBody>
+      </p:sp>
+      <p:sp>
+        <p:nvSpPr>
+          <p:cNvPr id="18" name="Oval 17">
+            <a:extLst>
+              <a:ext uri="{FF2B5EF4-FFF2-40B4-BE49-F238E27FC236}">
+                <a16:creationId xmlns:a16="http://schemas.microsoft.com/office/drawing/2014/main" id="{99F162CE-0B20-A946-A1FC-EA3ADD8F14EA}"/>
+              </a:ext>
+            </a:extLst>
+          </p:cNvPr>
+          <p:cNvSpPr/>
+          <p:nvPr/>
+        </p:nvSpPr>
+        <p:spPr>
+          <a:xfrm>
+            <a:off x="3715657" y="315407"/>
+            <a:ext cx="188686" cy="188685"/>
+          </a:xfrm>
+          <a:prstGeom prst="ellipse">
+            <a:avLst/>
+          </a:prstGeom>
+        </p:spPr>
+        <p:style>
+          <a:lnRef idx="2">
+            <a:schemeClr val="accent1">
+              <a:shade val="50000"/>
+            </a:schemeClr>
+          </a:lnRef>
+          <a:fillRef idx="1">
+            <a:schemeClr val="accent1"/>
+          </a:fillRef>
+          <a:effectRef idx="0">
+            <a:schemeClr val="accent1"/>
+          </a:effectRef>
+          <a:fontRef idx="minor">
+            <a:schemeClr val="lt1"/>
+          </a:fontRef>
+        </p:style>
+        <p:txBody>
+          <a:bodyPr rtlCol="0" anchor="ctr"/>
+          <a:lstStyle/>
+          <a:p>
+            <a:pPr algn="ctr"/>
+            <a:endParaRPr lang="en-US"/>
+          </a:p>
+        </p:txBody>
+      </p:sp>
+      <p:sp>
+        <p:nvSpPr>
+          <p:cNvPr id="19" name="Oval 18">
+            <a:extLst>
+              <a:ext uri="{FF2B5EF4-FFF2-40B4-BE49-F238E27FC236}">
+                <a16:creationId xmlns:a16="http://schemas.microsoft.com/office/drawing/2014/main" id="{DA4CD70C-9F04-F044-9E07-203EB38F280A}"/>
+              </a:ext>
+            </a:extLst>
+          </p:cNvPr>
+          <p:cNvSpPr/>
+          <p:nvPr/>
+        </p:nvSpPr>
+        <p:spPr>
+          <a:xfrm>
+            <a:off x="4622800" y="3960361"/>
+            <a:ext cx="188686" cy="188685"/>
+          </a:xfrm>
+          <a:prstGeom prst="ellipse">
+            <a:avLst/>
+          </a:prstGeom>
+        </p:spPr>
+        <p:style>
+          <a:lnRef idx="2">
+            <a:schemeClr val="accent1">
+              <a:shade val="50000"/>
+            </a:schemeClr>
+          </a:lnRef>
+          <a:fillRef idx="1">
+            <a:schemeClr val="accent1"/>
+          </a:fillRef>
+          <a:effectRef idx="0">
+            <a:schemeClr val="accent1"/>
+          </a:effectRef>
+          <a:fontRef idx="minor">
+            <a:schemeClr val="lt1"/>
+          </a:fontRef>
+        </p:style>
+        <p:txBody>
+          <a:bodyPr rtlCol="0" anchor="ctr"/>
+          <a:lstStyle/>
+          <a:p>
+            <a:pPr algn="ctr"/>
+            <a:endParaRPr lang="en-US"/>
+          </a:p>
+        </p:txBody>
+      </p:sp>
+      <p:sp>
+        <p:nvSpPr>
+          <p:cNvPr id="20" name="Oval 19">
+            <a:extLst>
+              <a:ext uri="{FF2B5EF4-FFF2-40B4-BE49-F238E27FC236}">
+                <a16:creationId xmlns:a16="http://schemas.microsoft.com/office/drawing/2014/main" id="{8F11403C-24E9-BD48-819A-10BF080BB39D}"/>
+              </a:ext>
+            </a:extLst>
+          </p:cNvPr>
+          <p:cNvSpPr/>
+          <p:nvPr/>
+        </p:nvSpPr>
+        <p:spPr>
+          <a:xfrm>
+            <a:off x="4622800" y="3050981"/>
+            <a:ext cx="188686" cy="188685"/>
+          </a:xfrm>
+          <a:prstGeom prst="ellipse">
+            <a:avLst/>
+          </a:prstGeom>
+        </p:spPr>
+        <p:style>
+          <a:lnRef idx="2">
+            <a:schemeClr val="accent1">
+              <a:shade val="50000"/>
+            </a:schemeClr>
+          </a:lnRef>
+          <a:fillRef idx="1">
+            <a:schemeClr val="accent1"/>
+          </a:fillRef>
+          <a:effectRef idx="0">
+            <a:schemeClr val="accent1"/>
+          </a:effectRef>
+          <a:fontRef idx="minor">
+            <a:schemeClr val="lt1"/>
+          </a:fontRef>
+        </p:style>
+        <p:txBody>
+          <a:bodyPr rtlCol="0" anchor="ctr"/>
+          <a:lstStyle/>
+          <a:p>
+            <a:pPr algn="ctr"/>
+            <a:endParaRPr lang="en-US"/>
+          </a:p>
+        </p:txBody>
+      </p:sp>
+      <p:sp>
+        <p:nvSpPr>
+          <p:cNvPr id="21" name="Oval 20">
+            <a:extLst>
+              <a:ext uri="{FF2B5EF4-FFF2-40B4-BE49-F238E27FC236}">
+                <a16:creationId xmlns:a16="http://schemas.microsoft.com/office/drawing/2014/main" id="{7BB41E08-3843-C643-8C2B-81782FBB7228}"/>
+              </a:ext>
+            </a:extLst>
+          </p:cNvPr>
+          <p:cNvSpPr/>
+          <p:nvPr/>
+        </p:nvSpPr>
+        <p:spPr>
+          <a:xfrm>
+            <a:off x="4622800" y="2129323"/>
+            <a:ext cx="188686" cy="188685"/>
+          </a:xfrm>
+          <a:prstGeom prst="ellipse">
+            <a:avLst/>
+          </a:prstGeom>
+        </p:spPr>
+        <p:style>
+          <a:lnRef idx="2">
+            <a:schemeClr val="accent1">
+              <a:shade val="50000"/>
+            </a:schemeClr>
+          </a:lnRef>
+          <a:fillRef idx="1">
+            <a:schemeClr val="accent1"/>
+          </a:fillRef>
+          <a:effectRef idx="0">
+            <a:schemeClr val="accent1"/>
+          </a:effectRef>
+          <a:fontRef idx="minor">
+            <a:schemeClr val="lt1"/>
+          </a:fontRef>
+        </p:style>
+        <p:txBody>
+          <a:bodyPr rtlCol="0" anchor="ctr"/>
+          <a:lstStyle/>
+          <a:p>
+            <a:pPr algn="ctr"/>
+            <a:endParaRPr lang="en-US"/>
+          </a:p>
+        </p:txBody>
+      </p:sp>
+      <p:sp>
+        <p:nvSpPr>
+          <p:cNvPr id="22" name="Oval 21">
+            <a:extLst>
+              <a:ext uri="{FF2B5EF4-FFF2-40B4-BE49-F238E27FC236}">
+                <a16:creationId xmlns:a16="http://schemas.microsoft.com/office/drawing/2014/main" id="{E8ACE6D9-6F3D-E641-A735-004324B00C3D}"/>
+              </a:ext>
+            </a:extLst>
+          </p:cNvPr>
+          <p:cNvSpPr/>
+          <p:nvPr/>
+        </p:nvSpPr>
+        <p:spPr>
+          <a:xfrm>
+            <a:off x="4622800" y="1237064"/>
+            <a:ext cx="188686" cy="188685"/>
+          </a:xfrm>
+          <a:prstGeom prst="ellipse">
+            <a:avLst/>
+          </a:prstGeom>
+        </p:spPr>
+        <p:style>
+          <a:lnRef idx="2">
+            <a:schemeClr val="accent1">
+              <a:shade val="50000"/>
+            </a:schemeClr>
+          </a:lnRef>
+          <a:fillRef idx="1">
+            <a:schemeClr val="accent1"/>
+          </a:fillRef>
+          <a:effectRef idx="0">
+            <a:schemeClr val="accent1"/>
+          </a:effectRef>
+          <a:fontRef idx="minor">
+            <a:schemeClr val="lt1"/>
+          </a:fontRef>
+        </p:style>
+        <p:txBody>
+          <a:bodyPr rtlCol="0" anchor="ctr"/>
+          <a:lstStyle/>
+          <a:p>
+            <a:pPr algn="ctr"/>
+            <a:endParaRPr lang="en-US"/>
+          </a:p>
+        </p:txBody>
+      </p:sp>
+      <p:sp>
+        <p:nvSpPr>
+          <p:cNvPr id="23" name="Oval 22">
+            <a:extLst>
+              <a:ext uri="{FF2B5EF4-FFF2-40B4-BE49-F238E27FC236}">
+                <a16:creationId xmlns:a16="http://schemas.microsoft.com/office/drawing/2014/main" id="{465E04CE-D285-064F-B173-DC265840801F}"/>
+              </a:ext>
+            </a:extLst>
+          </p:cNvPr>
+          <p:cNvSpPr/>
+          <p:nvPr/>
+        </p:nvSpPr>
+        <p:spPr>
+          <a:xfrm>
+            <a:off x="5421086" y="2683101"/>
+            <a:ext cx="188686" cy="188685"/>
+          </a:xfrm>
+          <a:prstGeom prst="ellipse">
+            <a:avLst/>
+          </a:prstGeom>
+        </p:spPr>
+        <p:style>
+          <a:lnRef idx="2">
+            <a:schemeClr val="accent1">
+              <a:shade val="50000"/>
+            </a:schemeClr>
+          </a:lnRef>
+          <a:fillRef idx="1">
+            <a:schemeClr val="accent1"/>
+          </a:fillRef>
+          <a:effectRef idx="0">
+            <a:schemeClr val="accent1"/>
+          </a:effectRef>
+          <a:fontRef idx="minor">
+            <a:schemeClr val="lt1"/>
+          </a:fontRef>
+        </p:style>
+        <p:txBody>
+          <a:bodyPr rtlCol="0" anchor="ctr"/>
+          <a:lstStyle/>
+          <a:p>
+            <a:pPr algn="ctr"/>
+            <a:endParaRPr lang="en-US"/>
+          </a:p>
+        </p:txBody>
+      </p:sp>
+      <p:pic>
+        <p:nvPicPr>
+          <p:cNvPr id="25" name="Picture 24">
+            <a:extLst>
+              <a:ext uri="{FF2B5EF4-FFF2-40B4-BE49-F238E27FC236}">
+                <a16:creationId xmlns:a16="http://schemas.microsoft.com/office/drawing/2014/main" id="{F6548FD8-4F84-EF4B-BCF8-6DA0B36BC1AC}"/>
+              </a:ext>
+            </a:extLst>
+          </p:cNvPr>
+          <p:cNvPicPr>
+            <a:picLocks noChangeAspect="1"/>
+          </p:cNvPicPr>
+          <p:nvPr/>
+        </p:nvPicPr>
+        <p:blipFill>
+          <a:blip r:embed="rId2"/>
+          <a:stretch>
+            <a:fillRect/>
+          </a:stretch>
+        </p:blipFill>
+        <p:spPr>
+          <a:xfrm>
+            <a:off x="1453639" y="6187073"/>
+            <a:ext cx="4621465" cy="562070"/>
+          </a:xfrm>
+          <a:prstGeom prst="rect">
+            <a:avLst/>
+          </a:prstGeom>
+        </p:spPr>
+      </p:pic>
+      <p:pic>
+        <p:nvPicPr>
+          <p:cNvPr id="8" name="Picture 7">
+            <a:extLst>
+              <a:ext uri="{FF2B5EF4-FFF2-40B4-BE49-F238E27FC236}">
+                <a16:creationId xmlns:a16="http://schemas.microsoft.com/office/drawing/2014/main" id="{83E161FB-B983-1040-A321-AFA77867B522}"/>
+              </a:ext>
+            </a:extLst>
+          </p:cNvPr>
+          <p:cNvPicPr>
+            <a:picLocks noChangeAspect="1"/>
+          </p:cNvPicPr>
+          <p:nvPr/>
+        </p:nvPicPr>
+        <p:blipFill>
+          <a:blip r:embed="rId3"/>
+          <a:stretch>
+            <a:fillRect/>
+          </a:stretch>
+        </p:blipFill>
+        <p:spPr>
+          <a:xfrm>
+            <a:off x="1518953" y="5545838"/>
+            <a:ext cx="4621465" cy="589974"/>
+          </a:xfrm>
+          <a:prstGeom prst="rect">
+            <a:avLst/>
+          </a:prstGeom>
+        </p:spPr>
+      </p:pic>
+      <p:sp>
+        <p:nvSpPr>
+          <p:cNvPr id="9" name="TextBox 8">
+            <a:extLst>
+              <a:ext uri="{FF2B5EF4-FFF2-40B4-BE49-F238E27FC236}">
+                <a16:creationId xmlns:a16="http://schemas.microsoft.com/office/drawing/2014/main" id="{59FEDA23-1151-DD41-8F63-338A1AD216AB}"/>
+              </a:ext>
+            </a:extLst>
+          </p:cNvPr>
+          <p:cNvSpPr txBox="1"/>
+          <p:nvPr/>
+        </p:nvSpPr>
+        <p:spPr>
+          <a:xfrm>
+            <a:off x="2746314" y="1463042"/>
+            <a:ext cx="301686" cy="369332"/>
+          </a:xfrm>
+          <a:prstGeom prst="rect">
+            <a:avLst/>
+          </a:prstGeom>
+          <a:noFill/>
+        </p:spPr>
+        <p:txBody>
+          <a:bodyPr wrap="none" rtlCol="0">
+            <a:spAutoFit/>
+          </a:bodyPr>
+          <a:lstStyle/>
+          <a:p>
+            <a:r>
+              <a:rPr lang="en-US" dirty="0"/>
+              <a:t>1</a:t>
+            </a:r>
+          </a:p>
+        </p:txBody>
+      </p:sp>
+      <p:sp>
+        <p:nvSpPr>
+          <p:cNvPr id="24" name="TextBox 23">
+            <a:extLst>
+              <a:ext uri="{FF2B5EF4-FFF2-40B4-BE49-F238E27FC236}">
+                <a16:creationId xmlns:a16="http://schemas.microsoft.com/office/drawing/2014/main" id="{C4195872-0505-C54C-900D-89AFBF3DD554}"/>
+              </a:ext>
+            </a:extLst>
+          </p:cNvPr>
+          <p:cNvSpPr txBox="1"/>
+          <p:nvPr/>
+        </p:nvSpPr>
+        <p:spPr>
+          <a:xfrm>
+            <a:off x="2746314" y="2313769"/>
+            <a:ext cx="301686" cy="369332"/>
+          </a:xfrm>
+          <a:prstGeom prst="rect">
+            <a:avLst/>
+          </a:prstGeom>
+          <a:noFill/>
+        </p:spPr>
+        <p:txBody>
+          <a:bodyPr wrap="none" rtlCol="0">
+            <a:spAutoFit/>
+          </a:bodyPr>
+          <a:lstStyle/>
+          <a:p>
+            <a:r>
+              <a:rPr lang="en-US" dirty="0"/>
+              <a:t>2</a:t>
+            </a:r>
+          </a:p>
+        </p:txBody>
+      </p:sp>
+      <p:sp>
+        <p:nvSpPr>
+          <p:cNvPr id="26" name="TextBox 25">
+            <a:extLst>
+              <a:ext uri="{FF2B5EF4-FFF2-40B4-BE49-F238E27FC236}">
+                <a16:creationId xmlns:a16="http://schemas.microsoft.com/office/drawing/2014/main" id="{92F6E003-5497-B543-B873-3637C7C0C055}"/>
+              </a:ext>
+            </a:extLst>
+          </p:cNvPr>
+          <p:cNvSpPr txBox="1"/>
+          <p:nvPr/>
+        </p:nvSpPr>
+        <p:spPr>
+          <a:xfrm>
+            <a:off x="2746314" y="3290487"/>
+            <a:ext cx="301686" cy="369332"/>
+          </a:xfrm>
+          <a:prstGeom prst="rect">
+            <a:avLst/>
+          </a:prstGeom>
+          <a:noFill/>
+        </p:spPr>
+        <p:txBody>
+          <a:bodyPr wrap="none" rtlCol="0">
+            <a:spAutoFit/>
+          </a:bodyPr>
+          <a:lstStyle/>
+          <a:p>
+            <a:r>
+              <a:rPr lang="en-US" dirty="0"/>
+              <a:t>3</a:t>
+            </a:r>
+          </a:p>
+        </p:txBody>
+      </p:sp>
+      <p:sp>
+        <p:nvSpPr>
+          <p:cNvPr id="27" name="TextBox 26">
+            <a:extLst>
+              <a:ext uri="{FF2B5EF4-FFF2-40B4-BE49-F238E27FC236}">
+                <a16:creationId xmlns:a16="http://schemas.microsoft.com/office/drawing/2014/main" id="{E357C6B6-372C-0A4E-9C68-0864D7E82EEC}"/>
+              </a:ext>
+            </a:extLst>
+          </p:cNvPr>
+          <p:cNvSpPr txBox="1"/>
+          <p:nvPr/>
+        </p:nvSpPr>
+        <p:spPr>
+          <a:xfrm>
+            <a:off x="2746314" y="4242551"/>
+            <a:ext cx="301686" cy="369332"/>
+          </a:xfrm>
+          <a:prstGeom prst="rect">
+            <a:avLst/>
+          </a:prstGeom>
+          <a:noFill/>
+        </p:spPr>
+        <p:txBody>
+          <a:bodyPr wrap="none" rtlCol="0">
+            <a:spAutoFit/>
+          </a:bodyPr>
+          <a:lstStyle/>
+          <a:p>
+            <a:r>
+              <a:rPr lang="en-US" dirty="0"/>
+              <a:t>4</a:t>
+            </a:r>
+          </a:p>
+        </p:txBody>
+      </p:sp>
+      <p:sp>
+        <p:nvSpPr>
+          <p:cNvPr id="28" name="TextBox 27">
+            <a:extLst>
+              <a:ext uri="{FF2B5EF4-FFF2-40B4-BE49-F238E27FC236}">
+                <a16:creationId xmlns:a16="http://schemas.microsoft.com/office/drawing/2014/main" id="{9613BE0E-3289-024E-A2F8-86E6BE75A3CD}"/>
+              </a:ext>
+            </a:extLst>
+          </p:cNvPr>
+          <p:cNvSpPr txBox="1"/>
+          <p:nvPr/>
+        </p:nvSpPr>
+        <p:spPr>
+          <a:xfrm>
+            <a:off x="3506758" y="604463"/>
+            <a:ext cx="529312" cy="369332"/>
+          </a:xfrm>
+          <a:prstGeom prst="rect">
+            <a:avLst/>
+          </a:prstGeom>
+          <a:noFill/>
+        </p:spPr>
+        <p:txBody>
+          <a:bodyPr wrap="none" rtlCol="0">
+            <a:spAutoFit/>
+          </a:bodyPr>
+          <a:lstStyle/>
+          <a:p>
+            <a:r>
+              <a:rPr lang="en-US" dirty="0"/>
+              <a:t>1, 2</a:t>
+            </a:r>
+          </a:p>
+        </p:txBody>
+      </p:sp>
+      <p:sp>
+        <p:nvSpPr>
+          <p:cNvPr id="29" name="TextBox 28">
+            <a:extLst>
+              <a:ext uri="{FF2B5EF4-FFF2-40B4-BE49-F238E27FC236}">
+                <a16:creationId xmlns:a16="http://schemas.microsoft.com/office/drawing/2014/main" id="{E96E6EB9-7BEE-5B43-8725-0B76D020A159}"/>
+              </a:ext>
+            </a:extLst>
+          </p:cNvPr>
+          <p:cNvSpPr txBox="1"/>
+          <p:nvPr/>
+        </p:nvSpPr>
+        <p:spPr>
+          <a:xfrm>
+            <a:off x="3506758" y="1511168"/>
+            <a:ext cx="529312" cy="369332"/>
+          </a:xfrm>
+          <a:prstGeom prst="rect">
+            <a:avLst/>
+          </a:prstGeom>
+          <a:noFill/>
+        </p:spPr>
+        <p:txBody>
+          <a:bodyPr wrap="none" rtlCol="0">
+            <a:spAutoFit/>
+          </a:bodyPr>
+          <a:lstStyle/>
+          <a:p>
+            <a:r>
+              <a:rPr lang="en-US" dirty="0"/>
+              <a:t>1, 3</a:t>
+            </a:r>
+          </a:p>
+        </p:txBody>
+      </p:sp>
+      <p:sp>
+        <p:nvSpPr>
+          <p:cNvPr id="30" name="TextBox 29">
+            <a:extLst>
+              <a:ext uri="{FF2B5EF4-FFF2-40B4-BE49-F238E27FC236}">
+                <a16:creationId xmlns:a16="http://schemas.microsoft.com/office/drawing/2014/main" id="{5977D927-2A88-0143-9B7F-B08CB8523CD9}"/>
+              </a:ext>
+            </a:extLst>
+          </p:cNvPr>
+          <p:cNvSpPr txBox="1"/>
+          <p:nvPr/>
+        </p:nvSpPr>
+        <p:spPr>
+          <a:xfrm>
+            <a:off x="3506758" y="2398667"/>
+            <a:ext cx="529312" cy="369332"/>
+          </a:xfrm>
+          <a:prstGeom prst="rect">
+            <a:avLst/>
+          </a:prstGeom>
+          <a:noFill/>
+        </p:spPr>
+        <p:txBody>
+          <a:bodyPr wrap="none" rtlCol="0">
+            <a:spAutoFit/>
+          </a:bodyPr>
+          <a:lstStyle/>
+          <a:p>
+            <a:r>
+              <a:rPr lang="en-US" dirty="0"/>
+              <a:t>1, 4</a:t>
+            </a:r>
+          </a:p>
+        </p:txBody>
+      </p:sp>
+      <p:sp>
+        <p:nvSpPr>
+          <p:cNvPr id="31" name="TextBox 30">
+            <a:extLst>
+              <a:ext uri="{FF2B5EF4-FFF2-40B4-BE49-F238E27FC236}">
+                <a16:creationId xmlns:a16="http://schemas.microsoft.com/office/drawing/2014/main" id="{DF98A959-92D0-964C-B6DF-56EE633A894C}"/>
+              </a:ext>
+            </a:extLst>
+          </p:cNvPr>
+          <p:cNvSpPr txBox="1"/>
+          <p:nvPr/>
+        </p:nvSpPr>
+        <p:spPr>
+          <a:xfrm>
+            <a:off x="3506758" y="3255962"/>
+            <a:ext cx="529312" cy="369332"/>
+          </a:xfrm>
+          <a:prstGeom prst="rect">
+            <a:avLst/>
+          </a:prstGeom>
+          <a:noFill/>
+        </p:spPr>
+        <p:txBody>
+          <a:bodyPr wrap="none" rtlCol="0">
+            <a:spAutoFit/>
+          </a:bodyPr>
+          <a:lstStyle/>
+          <a:p>
+            <a:r>
+              <a:rPr lang="en-US" dirty="0"/>
+              <a:t>2, 3</a:t>
+            </a:r>
+          </a:p>
+        </p:txBody>
+      </p:sp>
+      <p:sp>
+        <p:nvSpPr>
+          <p:cNvPr id="32" name="TextBox 31">
+            <a:extLst>
+              <a:ext uri="{FF2B5EF4-FFF2-40B4-BE49-F238E27FC236}">
+                <a16:creationId xmlns:a16="http://schemas.microsoft.com/office/drawing/2014/main" id="{9CDE1B08-CEED-A14D-8350-59E8CE2E240B}"/>
+              </a:ext>
+            </a:extLst>
+          </p:cNvPr>
+          <p:cNvSpPr txBox="1"/>
+          <p:nvPr/>
+        </p:nvSpPr>
+        <p:spPr>
+          <a:xfrm>
+            <a:off x="3506758" y="4226162"/>
+            <a:ext cx="529312" cy="369332"/>
+          </a:xfrm>
+          <a:prstGeom prst="rect">
+            <a:avLst/>
+          </a:prstGeom>
+          <a:noFill/>
+        </p:spPr>
+        <p:txBody>
+          <a:bodyPr wrap="none" rtlCol="0">
+            <a:spAutoFit/>
+          </a:bodyPr>
+          <a:lstStyle/>
+          <a:p>
+            <a:r>
+              <a:rPr lang="en-US" dirty="0"/>
+              <a:t>2, 4</a:t>
+            </a:r>
+          </a:p>
+        </p:txBody>
+      </p:sp>
+      <p:sp>
+        <p:nvSpPr>
+          <p:cNvPr id="33" name="TextBox 32">
+            <a:extLst>
+              <a:ext uri="{FF2B5EF4-FFF2-40B4-BE49-F238E27FC236}">
+                <a16:creationId xmlns:a16="http://schemas.microsoft.com/office/drawing/2014/main" id="{86D14C35-A95B-C24E-81EB-10A79CA6A80F}"/>
+              </a:ext>
+            </a:extLst>
+          </p:cNvPr>
+          <p:cNvSpPr txBox="1"/>
+          <p:nvPr/>
+        </p:nvSpPr>
+        <p:spPr>
+          <a:xfrm>
+            <a:off x="3506758" y="5103849"/>
+            <a:ext cx="529312" cy="369332"/>
+          </a:xfrm>
+          <a:prstGeom prst="rect">
+            <a:avLst/>
+          </a:prstGeom>
+          <a:noFill/>
+        </p:spPr>
+        <p:txBody>
+          <a:bodyPr wrap="none" rtlCol="0">
+            <a:spAutoFit/>
+          </a:bodyPr>
+          <a:lstStyle/>
+          <a:p>
+            <a:r>
+              <a:rPr lang="en-US" dirty="0"/>
+              <a:t>3, 4</a:t>
+            </a:r>
+          </a:p>
+        </p:txBody>
+      </p:sp>
+      <p:sp>
+        <p:nvSpPr>
+          <p:cNvPr id="35" name="TextBox 34">
+            <a:extLst>
+              <a:ext uri="{FF2B5EF4-FFF2-40B4-BE49-F238E27FC236}">
+                <a16:creationId xmlns:a16="http://schemas.microsoft.com/office/drawing/2014/main" id="{E05DFA98-E357-3140-BB70-052F475B81CE}"/>
+              </a:ext>
+            </a:extLst>
+          </p:cNvPr>
+          <p:cNvSpPr txBox="1"/>
+          <p:nvPr/>
+        </p:nvSpPr>
+        <p:spPr>
+          <a:xfrm>
+            <a:off x="4358144" y="1511168"/>
+            <a:ext cx="756938" cy="369332"/>
+          </a:xfrm>
+          <a:prstGeom prst="rect">
+            <a:avLst/>
+          </a:prstGeom>
+          <a:noFill/>
+        </p:spPr>
+        <p:txBody>
+          <a:bodyPr wrap="none" rtlCol="0">
+            <a:spAutoFit/>
+          </a:bodyPr>
+          <a:lstStyle/>
+          <a:p>
+            <a:r>
+              <a:rPr lang="en-US" dirty="0"/>
+              <a:t>1, 2, 3</a:t>
+            </a:r>
+          </a:p>
+        </p:txBody>
+      </p:sp>
+      <p:sp>
+        <p:nvSpPr>
+          <p:cNvPr id="36" name="TextBox 35">
+            <a:extLst>
+              <a:ext uri="{FF2B5EF4-FFF2-40B4-BE49-F238E27FC236}">
+                <a16:creationId xmlns:a16="http://schemas.microsoft.com/office/drawing/2014/main" id="{47DB59F9-3441-8846-BC39-8282CFE586F9}"/>
+              </a:ext>
+            </a:extLst>
+          </p:cNvPr>
+          <p:cNvSpPr txBox="1"/>
+          <p:nvPr/>
+        </p:nvSpPr>
+        <p:spPr>
+          <a:xfrm>
+            <a:off x="4358144" y="2386776"/>
+            <a:ext cx="756938" cy="369332"/>
+          </a:xfrm>
+          <a:prstGeom prst="rect">
+            <a:avLst/>
+          </a:prstGeom>
+          <a:noFill/>
+        </p:spPr>
+        <p:txBody>
+          <a:bodyPr wrap="none" rtlCol="0">
+            <a:spAutoFit/>
+          </a:bodyPr>
+          <a:lstStyle/>
+          <a:p>
+            <a:r>
+              <a:rPr lang="en-US" dirty="0"/>
+              <a:t>1, 2, 4</a:t>
+            </a:r>
+          </a:p>
+        </p:txBody>
+      </p:sp>
+      <p:sp>
+        <p:nvSpPr>
+          <p:cNvPr id="37" name="TextBox 36">
+            <a:extLst>
+              <a:ext uri="{FF2B5EF4-FFF2-40B4-BE49-F238E27FC236}">
+                <a16:creationId xmlns:a16="http://schemas.microsoft.com/office/drawing/2014/main" id="{BB0B1B24-8517-F04A-825F-86A2E6ADCED7}"/>
+              </a:ext>
+            </a:extLst>
+          </p:cNvPr>
+          <p:cNvSpPr txBox="1"/>
+          <p:nvPr/>
+        </p:nvSpPr>
+        <p:spPr>
+          <a:xfrm>
+            <a:off x="4358144" y="3295305"/>
+            <a:ext cx="756938" cy="369332"/>
+          </a:xfrm>
+          <a:prstGeom prst="rect">
+            <a:avLst/>
+          </a:prstGeom>
+          <a:noFill/>
+        </p:spPr>
+        <p:txBody>
+          <a:bodyPr wrap="none" rtlCol="0">
+            <a:spAutoFit/>
+          </a:bodyPr>
+          <a:lstStyle/>
+          <a:p>
+            <a:r>
+              <a:rPr lang="en-US" dirty="0"/>
+              <a:t>1, 3, 4</a:t>
+            </a:r>
+          </a:p>
+        </p:txBody>
+      </p:sp>
+      <p:sp>
+        <p:nvSpPr>
+          <p:cNvPr id="38" name="TextBox 37">
+            <a:extLst>
+              <a:ext uri="{FF2B5EF4-FFF2-40B4-BE49-F238E27FC236}">
+                <a16:creationId xmlns:a16="http://schemas.microsoft.com/office/drawing/2014/main" id="{5220E8DE-4E34-EC4D-B630-0AC4ECC5B4F3}"/>
+              </a:ext>
+            </a:extLst>
+          </p:cNvPr>
+          <p:cNvSpPr txBox="1"/>
+          <p:nvPr/>
+        </p:nvSpPr>
+        <p:spPr>
+          <a:xfrm>
+            <a:off x="4338674" y="4247509"/>
+            <a:ext cx="756938" cy="369332"/>
+          </a:xfrm>
+          <a:prstGeom prst="rect">
+            <a:avLst/>
+          </a:prstGeom>
+          <a:noFill/>
+        </p:spPr>
+        <p:txBody>
+          <a:bodyPr wrap="none" rtlCol="0">
+            <a:spAutoFit/>
+          </a:bodyPr>
+          <a:lstStyle/>
+          <a:p>
+            <a:r>
+              <a:rPr lang="en-US" dirty="0"/>
+              <a:t>2, 3, 4</a:t>
+            </a:r>
+          </a:p>
+        </p:txBody>
+      </p:sp>
+      <p:sp>
+        <p:nvSpPr>
+          <p:cNvPr id="39" name="TextBox 38">
+            <a:extLst>
+              <a:ext uri="{FF2B5EF4-FFF2-40B4-BE49-F238E27FC236}">
+                <a16:creationId xmlns:a16="http://schemas.microsoft.com/office/drawing/2014/main" id="{84789C5B-1021-8F45-9A04-778C2615A6B6}"/>
+              </a:ext>
+            </a:extLst>
+          </p:cNvPr>
+          <p:cNvSpPr txBox="1"/>
+          <p:nvPr/>
+        </p:nvSpPr>
+        <p:spPr>
+          <a:xfrm>
+            <a:off x="5115082" y="3027822"/>
+            <a:ext cx="984565" cy="369332"/>
+          </a:xfrm>
+          <a:prstGeom prst="rect">
+            <a:avLst/>
+          </a:prstGeom>
+          <a:noFill/>
+        </p:spPr>
+        <p:txBody>
+          <a:bodyPr wrap="none" rtlCol="0">
+            <a:spAutoFit/>
+          </a:bodyPr>
+          <a:lstStyle/>
+          <a:p>
+            <a:r>
+              <a:rPr lang="en-US" dirty="0"/>
+              <a:t>1, 2, 3, 4</a:t>
+            </a:r>
+          </a:p>
+        </p:txBody>
+      </p:sp>
       <p:cxnSp>
         <p:nvCxnSpPr>
-          <p:cNvPr id="9" name="Straight Arrow Connector 8">
-            <a:extLst>
-              <a:ext uri="{FF2B5EF4-FFF2-40B4-BE49-F238E27FC236}">
-                <a16:creationId xmlns:a16="http://schemas.microsoft.com/office/drawing/2014/main" id="{35CB766D-DDD2-A14C-9092-1A2489DABE6B}"/>
+          <p:cNvPr id="41" name="Straight Arrow Connector 40">
+            <a:extLst>
+              <a:ext uri="{FF2B5EF4-FFF2-40B4-BE49-F238E27FC236}">
+                <a16:creationId xmlns:a16="http://schemas.microsoft.com/office/drawing/2014/main" id="{28CA6E79-F629-224F-8387-4D5202721E99}"/>
+              </a:ext>
+            </a:extLst>
+          </p:cNvPr>
+          <p:cNvCxnSpPr>
+            <a:cxnSpLocks/>
+          </p:cNvCxnSpPr>
+          <p:nvPr/>
+        </p:nvCxnSpPr>
+        <p:spPr>
+          <a:xfrm flipV="1">
+            <a:off x="2090057" y="2318008"/>
+            <a:ext cx="718457" cy="326202"/>
+          </a:xfrm>
+          <a:prstGeom prst="straightConnector1">
+            <a:avLst/>
+          </a:prstGeom>
+          <a:ln>
+            <a:tailEnd type="triangle"/>
+          </a:ln>
+        </p:spPr>
+        <p:style>
+          <a:lnRef idx="1">
+            <a:schemeClr val="accent1"/>
+          </a:lnRef>
+          <a:fillRef idx="0">
+            <a:schemeClr val="accent1"/>
+          </a:fillRef>
+          <a:effectRef idx="0">
+            <a:schemeClr val="accent1"/>
+          </a:effectRef>
+          <a:fontRef idx="minor">
+            <a:schemeClr val="tx1"/>
+          </a:fontRef>
+        </p:style>
+      </p:cxnSp>
+    </p:spTree>
+    <p:extLst>
+      <p:ext uri="{BB962C8B-B14F-4D97-AF65-F5344CB8AC3E}">
+        <p14:creationId xmlns:p14="http://schemas.microsoft.com/office/powerpoint/2010/main" val="3852785819"/>
+      </p:ext>
+    </p:extLst>
+  </p:cSld>
+  <p:clrMapOvr>
+    <a:masterClrMapping/>
+  </p:clrMapOvr>
+</p:sld>
+</file>
+
+<file path=ppt/slides/slide5.xml><?xml version="1.0" encoding="utf-8"?>
+<p:sld xmlns:a="http://schemas.openxmlformats.org/drawingml/2006/main" xmlns:r="http://schemas.openxmlformats.org/officeDocument/2006/relationships" xmlns:p="http://schemas.openxmlformats.org/presentationml/2006/main">
+  <p:cSld>
+    <p:spTree>
+      <p:nvGrpSpPr>
+        <p:cNvPr id="1" name=""/>
+        <p:cNvGrpSpPr/>
+        <p:nvPr/>
+      </p:nvGrpSpPr>
+      <p:grpSpPr>
+        <a:xfrm>
+          <a:off x="0" y="0"/>
+          <a:ext cx="0" cy="0"/>
+          <a:chOff x="0" y="0"/>
+          <a:chExt cx="0" cy="0"/>
+        </a:xfrm>
+      </p:grpSpPr>
+      <p:sp>
+        <p:nvSpPr>
+          <p:cNvPr id="4" name="Oval 3">
+            <a:extLst>
+              <a:ext uri="{FF2B5EF4-FFF2-40B4-BE49-F238E27FC236}">
+                <a16:creationId xmlns:a16="http://schemas.microsoft.com/office/drawing/2014/main" id="{9F2E6200-F5CF-6E42-B2D1-421514B39192}"/>
+              </a:ext>
+            </a:extLst>
+          </p:cNvPr>
+          <p:cNvSpPr/>
+          <p:nvPr/>
+        </p:nvSpPr>
+        <p:spPr>
+          <a:xfrm>
+            <a:off x="1901371" y="2644210"/>
+            <a:ext cx="188686" cy="188685"/>
+          </a:xfrm>
+          <a:prstGeom prst="ellipse">
+            <a:avLst/>
+          </a:prstGeom>
+          <a:solidFill>
+            <a:schemeClr val="accent2"/>
+          </a:solidFill>
+        </p:spPr>
+        <p:style>
+          <a:lnRef idx="2">
+            <a:schemeClr val="accent1">
+              <a:shade val="50000"/>
+            </a:schemeClr>
+          </a:lnRef>
+          <a:fillRef idx="1">
+            <a:schemeClr val="accent1"/>
+          </a:fillRef>
+          <a:effectRef idx="0">
+            <a:schemeClr val="accent1"/>
+          </a:effectRef>
+          <a:fontRef idx="minor">
+            <a:schemeClr val="lt1"/>
+          </a:fontRef>
+        </p:style>
+        <p:txBody>
+          <a:bodyPr rtlCol="0" anchor="ctr"/>
+          <a:lstStyle/>
+          <a:p>
+            <a:pPr algn="ctr"/>
+            <a:endParaRPr lang="en-US"/>
+          </a:p>
+        </p:txBody>
+      </p:sp>
+      <p:sp>
+        <p:nvSpPr>
+          <p:cNvPr id="5" name="Oval 4">
+            <a:extLst>
+              <a:ext uri="{FF2B5EF4-FFF2-40B4-BE49-F238E27FC236}">
+                <a16:creationId xmlns:a16="http://schemas.microsoft.com/office/drawing/2014/main" id="{4D48FAF7-A436-3944-9E8C-8C2F4128E2F8}"/>
+              </a:ext>
+            </a:extLst>
+          </p:cNvPr>
+          <p:cNvSpPr/>
+          <p:nvPr/>
+        </p:nvSpPr>
+        <p:spPr>
+          <a:xfrm>
+            <a:off x="2808514" y="3960361"/>
+            <a:ext cx="188686" cy="188685"/>
+          </a:xfrm>
+          <a:prstGeom prst="ellipse">
+            <a:avLst/>
+          </a:prstGeom>
+        </p:spPr>
+        <p:style>
+          <a:lnRef idx="2">
+            <a:schemeClr val="accent1">
+              <a:shade val="50000"/>
+            </a:schemeClr>
+          </a:lnRef>
+          <a:fillRef idx="1">
+            <a:schemeClr val="accent1"/>
+          </a:fillRef>
+          <a:effectRef idx="0">
+            <a:schemeClr val="accent1"/>
+          </a:effectRef>
+          <a:fontRef idx="minor">
+            <a:schemeClr val="lt1"/>
+          </a:fontRef>
+        </p:style>
+        <p:txBody>
+          <a:bodyPr rtlCol="0" anchor="ctr"/>
+          <a:lstStyle/>
+          <a:p>
+            <a:pPr algn="ctr"/>
+            <a:endParaRPr lang="en-US"/>
+          </a:p>
+        </p:txBody>
+      </p:sp>
+      <p:sp>
+        <p:nvSpPr>
+          <p:cNvPr id="6" name="Oval 5">
+            <a:extLst>
+              <a:ext uri="{FF2B5EF4-FFF2-40B4-BE49-F238E27FC236}">
+                <a16:creationId xmlns:a16="http://schemas.microsoft.com/office/drawing/2014/main" id="{0543B7DE-038E-6E40-AD92-197F055AD6A9}"/>
+              </a:ext>
+            </a:extLst>
+          </p:cNvPr>
+          <p:cNvSpPr/>
+          <p:nvPr/>
+        </p:nvSpPr>
+        <p:spPr>
+          <a:xfrm>
+            <a:off x="2808514" y="3050981"/>
+            <a:ext cx="188686" cy="188685"/>
+          </a:xfrm>
+          <a:prstGeom prst="ellipse">
+            <a:avLst/>
+          </a:prstGeom>
+        </p:spPr>
+        <p:style>
+          <a:lnRef idx="2">
+            <a:schemeClr val="accent1">
+              <a:shade val="50000"/>
+            </a:schemeClr>
+          </a:lnRef>
+          <a:fillRef idx="1">
+            <a:schemeClr val="accent1"/>
+          </a:fillRef>
+          <a:effectRef idx="0">
+            <a:schemeClr val="accent1"/>
+          </a:effectRef>
+          <a:fontRef idx="minor">
+            <a:schemeClr val="lt1"/>
+          </a:fontRef>
+        </p:style>
+        <p:txBody>
+          <a:bodyPr rtlCol="0" anchor="ctr"/>
+          <a:lstStyle/>
+          <a:p>
+            <a:pPr algn="ctr"/>
+            <a:endParaRPr lang="en-US"/>
+          </a:p>
+        </p:txBody>
+      </p:sp>
+      <p:sp>
+        <p:nvSpPr>
+          <p:cNvPr id="7" name="Oval 6">
+            <a:extLst>
+              <a:ext uri="{FF2B5EF4-FFF2-40B4-BE49-F238E27FC236}">
+                <a16:creationId xmlns:a16="http://schemas.microsoft.com/office/drawing/2014/main" id="{2C76E0C7-DA47-454B-8A10-2E82455F627E}"/>
+              </a:ext>
+            </a:extLst>
+          </p:cNvPr>
+          <p:cNvSpPr/>
+          <p:nvPr/>
+        </p:nvSpPr>
+        <p:spPr>
+          <a:xfrm>
+            <a:off x="2808514" y="2129323"/>
+            <a:ext cx="188686" cy="188685"/>
+          </a:xfrm>
+          <a:prstGeom prst="ellipse">
+            <a:avLst/>
+          </a:prstGeom>
+          <a:solidFill>
+            <a:schemeClr val="accent2"/>
+          </a:solidFill>
+        </p:spPr>
+        <p:style>
+          <a:lnRef idx="2">
+            <a:schemeClr val="accent1">
+              <a:shade val="50000"/>
+            </a:schemeClr>
+          </a:lnRef>
+          <a:fillRef idx="1">
+            <a:schemeClr val="accent1"/>
+          </a:fillRef>
+          <a:effectRef idx="0">
+            <a:schemeClr val="accent1"/>
+          </a:effectRef>
+          <a:fontRef idx="minor">
+            <a:schemeClr val="lt1"/>
+          </a:fontRef>
+        </p:style>
+        <p:txBody>
+          <a:bodyPr rtlCol="0" anchor="ctr"/>
+          <a:lstStyle/>
+          <a:p>
+            <a:pPr algn="ctr"/>
+            <a:endParaRPr lang="en-US"/>
+          </a:p>
+        </p:txBody>
+      </p:sp>
+      <p:sp>
+        <p:nvSpPr>
+          <p:cNvPr id="10" name="Oval 9">
+            <a:extLst>
+              <a:ext uri="{FF2B5EF4-FFF2-40B4-BE49-F238E27FC236}">
+                <a16:creationId xmlns:a16="http://schemas.microsoft.com/office/drawing/2014/main" id="{C2759916-CB85-1C43-B3A1-F0072DA044AE}"/>
+              </a:ext>
+            </a:extLst>
+          </p:cNvPr>
+          <p:cNvSpPr/>
+          <p:nvPr/>
+        </p:nvSpPr>
+        <p:spPr>
+          <a:xfrm>
+            <a:off x="3715657" y="4864897"/>
+            <a:ext cx="188686" cy="188685"/>
+          </a:xfrm>
+          <a:prstGeom prst="ellipse">
+            <a:avLst/>
+          </a:prstGeom>
+          <a:noFill/>
+        </p:spPr>
+        <p:style>
+          <a:lnRef idx="2">
+            <a:schemeClr val="accent1">
+              <a:shade val="50000"/>
+            </a:schemeClr>
+          </a:lnRef>
+          <a:fillRef idx="1">
+            <a:schemeClr val="accent1"/>
+          </a:fillRef>
+          <a:effectRef idx="0">
+            <a:schemeClr val="accent1"/>
+          </a:effectRef>
+          <a:fontRef idx="minor">
+            <a:schemeClr val="lt1"/>
+          </a:fontRef>
+        </p:style>
+        <p:txBody>
+          <a:bodyPr rtlCol="0" anchor="ctr"/>
+          <a:lstStyle/>
+          <a:p>
+            <a:pPr algn="ctr"/>
+            <a:endParaRPr lang="en-US"/>
+          </a:p>
+        </p:txBody>
+      </p:sp>
+      <p:sp>
+        <p:nvSpPr>
+          <p:cNvPr id="11" name="Oval 10">
+            <a:extLst>
+              <a:ext uri="{FF2B5EF4-FFF2-40B4-BE49-F238E27FC236}">
+                <a16:creationId xmlns:a16="http://schemas.microsoft.com/office/drawing/2014/main" id="{CBFF0B1F-1B25-6041-B968-1B305C713F63}"/>
+              </a:ext>
+            </a:extLst>
+          </p:cNvPr>
+          <p:cNvSpPr/>
+          <p:nvPr/>
+        </p:nvSpPr>
+        <p:spPr>
+          <a:xfrm>
+            <a:off x="3715657" y="3943240"/>
+            <a:ext cx="188686" cy="188685"/>
+          </a:xfrm>
+          <a:prstGeom prst="ellipse">
+            <a:avLst/>
+          </a:prstGeom>
+          <a:solidFill>
+            <a:schemeClr val="accent1"/>
+          </a:solidFill>
+        </p:spPr>
+        <p:style>
+          <a:lnRef idx="2">
+            <a:schemeClr val="accent1">
+              <a:shade val="50000"/>
+            </a:schemeClr>
+          </a:lnRef>
+          <a:fillRef idx="1">
+            <a:schemeClr val="accent1"/>
+          </a:fillRef>
+          <a:effectRef idx="0">
+            <a:schemeClr val="accent1"/>
+          </a:effectRef>
+          <a:fontRef idx="minor">
+            <a:schemeClr val="lt1"/>
+          </a:fontRef>
+        </p:style>
+        <p:txBody>
+          <a:bodyPr rtlCol="0" anchor="ctr"/>
+          <a:lstStyle/>
+          <a:p>
+            <a:pPr algn="ctr"/>
+            <a:endParaRPr lang="en-US"/>
+          </a:p>
+        </p:txBody>
+      </p:sp>
+      <p:sp>
+        <p:nvSpPr>
+          <p:cNvPr id="12" name="Oval 11">
+            <a:extLst>
+              <a:ext uri="{FF2B5EF4-FFF2-40B4-BE49-F238E27FC236}">
+                <a16:creationId xmlns:a16="http://schemas.microsoft.com/office/drawing/2014/main" id="{8B620498-F09B-2045-A4DA-07A5D28CF8BD}"/>
+              </a:ext>
+            </a:extLst>
+          </p:cNvPr>
+          <p:cNvSpPr/>
+          <p:nvPr/>
+        </p:nvSpPr>
+        <p:spPr>
+          <a:xfrm>
+            <a:off x="3715657" y="3021583"/>
+            <a:ext cx="188686" cy="188685"/>
+          </a:xfrm>
+          <a:prstGeom prst="ellipse">
+            <a:avLst/>
+          </a:prstGeom>
+          <a:solidFill>
+            <a:schemeClr val="accent2"/>
+          </a:solidFill>
+        </p:spPr>
+        <p:style>
+          <a:lnRef idx="2">
+            <a:schemeClr val="accent1">
+              <a:shade val="50000"/>
+            </a:schemeClr>
+          </a:lnRef>
+          <a:fillRef idx="1">
+            <a:schemeClr val="accent1"/>
+          </a:fillRef>
+          <a:effectRef idx="0">
+            <a:schemeClr val="accent1"/>
+          </a:effectRef>
+          <a:fontRef idx="minor">
+            <a:schemeClr val="lt1"/>
+          </a:fontRef>
+        </p:style>
+        <p:txBody>
+          <a:bodyPr rtlCol="0" anchor="ctr"/>
+          <a:lstStyle/>
+          <a:p>
+            <a:pPr algn="ctr"/>
+            <a:endParaRPr lang="en-US"/>
+          </a:p>
+        </p:txBody>
+      </p:sp>
+      <p:sp>
+        <p:nvSpPr>
+          <p:cNvPr id="15" name="Oval 14">
+            <a:extLst>
+              <a:ext uri="{FF2B5EF4-FFF2-40B4-BE49-F238E27FC236}">
+                <a16:creationId xmlns:a16="http://schemas.microsoft.com/office/drawing/2014/main" id="{B0FE5E1A-DD30-3D45-AF8A-309F12D0E00B}"/>
+              </a:ext>
+            </a:extLst>
+          </p:cNvPr>
+          <p:cNvSpPr/>
+          <p:nvPr/>
+        </p:nvSpPr>
+        <p:spPr>
+          <a:xfrm>
+            <a:off x="2808514" y="1237064"/>
+            <a:ext cx="188686" cy="188685"/>
+          </a:xfrm>
+          <a:prstGeom prst="ellipse">
+            <a:avLst/>
+          </a:prstGeom>
+          <a:solidFill>
+            <a:schemeClr val="accent1"/>
+          </a:solidFill>
+        </p:spPr>
+        <p:style>
+          <a:lnRef idx="2">
+            <a:schemeClr val="accent1">
+              <a:shade val="50000"/>
+            </a:schemeClr>
+          </a:lnRef>
+          <a:fillRef idx="1">
+            <a:schemeClr val="accent1"/>
+          </a:fillRef>
+          <a:effectRef idx="0">
+            <a:schemeClr val="accent1"/>
+          </a:effectRef>
+          <a:fontRef idx="minor">
+            <a:schemeClr val="lt1"/>
+          </a:fontRef>
+        </p:style>
+        <p:txBody>
+          <a:bodyPr rtlCol="0" anchor="ctr"/>
+          <a:lstStyle/>
+          <a:p>
+            <a:pPr algn="ctr"/>
+            <a:endParaRPr lang="en-US"/>
+          </a:p>
+        </p:txBody>
+      </p:sp>
+      <p:sp>
+        <p:nvSpPr>
+          <p:cNvPr id="16" name="Oval 15">
+            <a:extLst>
+              <a:ext uri="{FF2B5EF4-FFF2-40B4-BE49-F238E27FC236}">
+                <a16:creationId xmlns:a16="http://schemas.microsoft.com/office/drawing/2014/main" id="{5A053BF6-4E4D-5B4E-88BB-38ECA8DB51D3}"/>
+              </a:ext>
+            </a:extLst>
+          </p:cNvPr>
+          <p:cNvSpPr/>
+          <p:nvPr/>
+        </p:nvSpPr>
+        <p:spPr>
+          <a:xfrm>
+            <a:off x="3715657" y="2158721"/>
+            <a:ext cx="188686" cy="188685"/>
+          </a:xfrm>
+          <a:prstGeom prst="ellipse">
+            <a:avLst/>
+          </a:prstGeom>
+          <a:noFill/>
+        </p:spPr>
+        <p:style>
+          <a:lnRef idx="2">
+            <a:schemeClr val="accent1">
+              <a:shade val="50000"/>
+            </a:schemeClr>
+          </a:lnRef>
+          <a:fillRef idx="1">
+            <a:schemeClr val="accent1"/>
+          </a:fillRef>
+          <a:effectRef idx="0">
+            <a:schemeClr val="accent1"/>
+          </a:effectRef>
+          <a:fontRef idx="minor">
+            <a:schemeClr val="lt1"/>
+          </a:fontRef>
+        </p:style>
+        <p:txBody>
+          <a:bodyPr rtlCol="0" anchor="ctr"/>
+          <a:lstStyle/>
+          <a:p>
+            <a:pPr algn="ctr"/>
+            <a:endParaRPr lang="en-US"/>
+          </a:p>
+        </p:txBody>
+      </p:sp>
+      <p:sp>
+        <p:nvSpPr>
+          <p:cNvPr id="17" name="Oval 16">
+            <a:extLst>
+              <a:ext uri="{FF2B5EF4-FFF2-40B4-BE49-F238E27FC236}">
+                <a16:creationId xmlns:a16="http://schemas.microsoft.com/office/drawing/2014/main" id="{456F1AD3-B265-164B-A0AA-55089F7D54A8}"/>
+              </a:ext>
+            </a:extLst>
+          </p:cNvPr>
+          <p:cNvSpPr/>
+          <p:nvPr/>
+        </p:nvSpPr>
+        <p:spPr>
+          <a:xfrm>
+            <a:off x="3715657" y="1237064"/>
+            <a:ext cx="188686" cy="188685"/>
+          </a:xfrm>
+          <a:prstGeom prst="ellipse">
+            <a:avLst/>
+          </a:prstGeom>
+          <a:noFill/>
+        </p:spPr>
+        <p:style>
+          <a:lnRef idx="2">
+            <a:schemeClr val="accent1">
+              <a:shade val="50000"/>
+            </a:schemeClr>
+          </a:lnRef>
+          <a:fillRef idx="1">
+            <a:schemeClr val="accent1"/>
+          </a:fillRef>
+          <a:effectRef idx="0">
+            <a:schemeClr val="accent1"/>
+          </a:effectRef>
+          <a:fontRef idx="minor">
+            <a:schemeClr val="lt1"/>
+          </a:fontRef>
+        </p:style>
+        <p:txBody>
+          <a:bodyPr rtlCol="0" anchor="ctr"/>
+          <a:lstStyle/>
+          <a:p>
+            <a:pPr algn="ctr"/>
+            <a:endParaRPr lang="en-US"/>
+          </a:p>
+        </p:txBody>
+      </p:sp>
+      <p:sp>
+        <p:nvSpPr>
+          <p:cNvPr id="18" name="Oval 17">
+            <a:extLst>
+              <a:ext uri="{FF2B5EF4-FFF2-40B4-BE49-F238E27FC236}">
+                <a16:creationId xmlns:a16="http://schemas.microsoft.com/office/drawing/2014/main" id="{99F162CE-0B20-A946-A1FC-EA3ADD8F14EA}"/>
+              </a:ext>
+            </a:extLst>
+          </p:cNvPr>
+          <p:cNvSpPr/>
+          <p:nvPr/>
+        </p:nvSpPr>
+        <p:spPr>
+          <a:xfrm>
+            <a:off x="3715657" y="315407"/>
+            <a:ext cx="188686" cy="188685"/>
+          </a:xfrm>
+          <a:prstGeom prst="ellipse">
+            <a:avLst/>
+          </a:prstGeom>
+        </p:spPr>
+        <p:style>
+          <a:lnRef idx="2">
+            <a:schemeClr val="accent1">
+              <a:shade val="50000"/>
+            </a:schemeClr>
+          </a:lnRef>
+          <a:fillRef idx="1">
+            <a:schemeClr val="accent1"/>
+          </a:fillRef>
+          <a:effectRef idx="0">
+            <a:schemeClr val="accent1"/>
+          </a:effectRef>
+          <a:fontRef idx="minor">
+            <a:schemeClr val="lt1"/>
+          </a:fontRef>
+        </p:style>
+        <p:txBody>
+          <a:bodyPr rtlCol="0" anchor="ctr"/>
+          <a:lstStyle/>
+          <a:p>
+            <a:pPr algn="ctr"/>
+            <a:endParaRPr lang="en-US"/>
+          </a:p>
+        </p:txBody>
+      </p:sp>
+      <p:sp>
+        <p:nvSpPr>
+          <p:cNvPr id="19" name="Oval 18">
+            <a:extLst>
+              <a:ext uri="{FF2B5EF4-FFF2-40B4-BE49-F238E27FC236}">
+                <a16:creationId xmlns:a16="http://schemas.microsoft.com/office/drawing/2014/main" id="{DA4CD70C-9F04-F044-9E07-203EB38F280A}"/>
+              </a:ext>
+            </a:extLst>
+          </p:cNvPr>
+          <p:cNvSpPr/>
+          <p:nvPr/>
+        </p:nvSpPr>
+        <p:spPr>
+          <a:xfrm>
+            <a:off x="4622800" y="3960361"/>
+            <a:ext cx="188686" cy="188685"/>
+          </a:xfrm>
+          <a:prstGeom prst="ellipse">
+            <a:avLst/>
+          </a:prstGeom>
+          <a:solidFill>
+            <a:schemeClr val="accent1"/>
+          </a:solidFill>
+        </p:spPr>
+        <p:style>
+          <a:lnRef idx="2">
+            <a:schemeClr val="accent1">
+              <a:shade val="50000"/>
+            </a:schemeClr>
+          </a:lnRef>
+          <a:fillRef idx="1">
+            <a:schemeClr val="accent1"/>
+          </a:fillRef>
+          <a:effectRef idx="0">
+            <a:schemeClr val="accent1"/>
+          </a:effectRef>
+          <a:fontRef idx="minor">
+            <a:schemeClr val="lt1"/>
+          </a:fontRef>
+        </p:style>
+        <p:txBody>
+          <a:bodyPr rtlCol="0" anchor="ctr"/>
+          <a:lstStyle/>
+          <a:p>
+            <a:pPr algn="ctr"/>
+            <a:endParaRPr lang="en-US"/>
+          </a:p>
+        </p:txBody>
+      </p:sp>
+      <p:sp>
+        <p:nvSpPr>
+          <p:cNvPr id="20" name="Oval 19">
+            <a:extLst>
+              <a:ext uri="{FF2B5EF4-FFF2-40B4-BE49-F238E27FC236}">
+                <a16:creationId xmlns:a16="http://schemas.microsoft.com/office/drawing/2014/main" id="{8F11403C-24E9-BD48-819A-10BF080BB39D}"/>
+              </a:ext>
+            </a:extLst>
+          </p:cNvPr>
+          <p:cNvSpPr/>
+          <p:nvPr/>
+        </p:nvSpPr>
+        <p:spPr>
+          <a:xfrm>
+            <a:off x="4622800" y="3050981"/>
+            <a:ext cx="188686" cy="188685"/>
+          </a:xfrm>
+          <a:prstGeom prst="ellipse">
+            <a:avLst/>
+          </a:prstGeom>
+          <a:noFill/>
+        </p:spPr>
+        <p:style>
+          <a:lnRef idx="2">
+            <a:schemeClr val="accent1">
+              <a:shade val="50000"/>
+            </a:schemeClr>
+          </a:lnRef>
+          <a:fillRef idx="1">
+            <a:schemeClr val="accent1"/>
+          </a:fillRef>
+          <a:effectRef idx="0">
+            <a:schemeClr val="accent1"/>
+          </a:effectRef>
+          <a:fontRef idx="minor">
+            <a:schemeClr val="lt1"/>
+          </a:fontRef>
+        </p:style>
+        <p:txBody>
+          <a:bodyPr rtlCol="0" anchor="ctr"/>
+          <a:lstStyle/>
+          <a:p>
+            <a:pPr algn="ctr"/>
+            <a:endParaRPr lang="en-US"/>
+          </a:p>
+        </p:txBody>
+      </p:sp>
+      <p:sp>
+        <p:nvSpPr>
+          <p:cNvPr id="21" name="Oval 20">
+            <a:extLst>
+              <a:ext uri="{FF2B5EF4-FFF2-40B4-BE49-F238E27FC236}">
+                <a16:creationId xmlns:a16="http://schemas.microsoft.com/office/drawing/2014/main" id="{7BB41E08-3843-C643-8C2B-81782FBB7228}"/>
+              </a:ext>
+            </a:extLst>
+          </p:cNvPr>
+          <p:cNvSpPr/>
+          <p:nvPr/>
+        </p:nvSpPr>
+        <p:spPr>
+          <a:xfrm>
+            <a:off x="4622800" y="2129323"/>
+            <a:ext cx="188686" cy="188685"/>
+          </a:xfrm>
+          <a:prstGeom prst="ellipse">
+            <a:avLst/>
+          </a:prstGeom>
+          <a:noFill/>
+        </p:spPr>
+        <p:style>
+          <a:lnRef idx="2">
+            <a:schemeClr val="accent1">
+              <a:shade val="50000"/>
+            </a:schemeClr>
+          </a:lnRef>
+          <a:fillRef idx="1">
+            <a:schemeClr val="accent1"/>
+          </a:fillRef>
+          <a:effectRef idx="0">
+            <a:schemeClr val="accent1"/>
+          </a:effectRef>
+          <a:fontRef idx="minor">
+            <a:schemeClr val="lt1"/>
+          </a:fontRef>
+        </p:style>
+        <p:txBody>
+          <a:bodyPr rtlCol="0" anchor="ctr"/>
+          <a:lstStyle/>
+          <a:p>
+            <a:pPr algn="ctr"/>
+            <a:endParaRPr lang="en-US"/>
+          </a:p>
+        </p:txBody>
+      </p:sp>
+      <p:sp>
+        <p:nvSpPr>
+          <p:cNvPr id="22" name="Oval 21">
+            <a:extLst>
+              <a:ext uri="{FF2B5EF4-FFF2-40B4-BE49-F238E27FC236}">
+                <a16:creationId xmlns:a16="http://schemas.microsoft.com/office/drawing/2014/main" id="{E8ACE6D9-6F3D-E641-A735-004324B00C3D}"/>
+              </a:ext>
+            </a:extLst>
+          </p:cNvPr>
+          <p:cNvSpPr/>
+          <p:nvPr/>
+        </p:nvSpPr>
+        <p:spPr>
+          <a:xfrm>
+            <a:off x="4622800" y="1237064"/>
+            <a:ext cx="188686" cy="188685"/>
+          </a:xfrm>
+          <a:prstGeom prst="ellipse">
+            <a:avLst/>
+          </a:prstGeom>
+        </p:spPr>
+        <p:style>
+          <a:lnRef idx="2">
+            <a:schemeClr val="accent1">
+              <a:shade val="50000"/>
+            </a:schemeClr>
+          </a:lnRef>
+          <a:fillRef idx="1">
+            <a:schemeClr val="accent1"/>
+          </a:fillRef>
+          <a:effectRef idx="0">
+            <a:schemeClr val="accent1"/>
+          </a:effectRef>
+          <a:fontRef idx="minor">
+            <a:schemeClr val="lt1"/>
+          </a:fontRef>
+        </p:style>
+        <p:txBody>
+          <a:bodyPr rtlCol="0" anchor="ctr"/>
+          <a:lstStyle/>
+          <a:p>
+            <a:pPr algn="ctr"/>
+            <a:endParaRPr lang="en-US"/>
+          </a:p>
+        </p:txBody>
+      </p:sp>
+      <p:sp>
+        <p:nvSpPr>
+          <p:cNvPr id="23" name="Oval 22">
+            <a:extLst>
+              <a:ext uri="{FF2B5EF4-FFF2-40B4-BE49-F238E27FC236}">
+                <a16:creationId xmlns:a16="http://schemas.microsoft.com/office/drawing/2014/main" id="{465E04CE-D285-064F-B173-DC265840801F}"/>
+              </a:ext>
+            </a:extLst>
+          </p:cNvPr>
+          <p:cNvSpPr/>
+          <p:nvPr/>
+        </p:nvSpPr>
+        <p:spPr>
+          <a:xfrm>
+            <a:off x="5421086" y="2683101"/>
+            <a:ext cx="188686" cy="188685"/>
+          </a:xfrm>
+          <a:prstGeom prst="ellipse">
+            <a:avLst/>
+          </a:prstGeom>
+        </p:spPr>
+        <p:style>
+          <a:lnRef idx="2">
+            <a:schemeClr val="accent1">
+              <a:shade val="50000"/>
+            </a:schemeClr>
+          </a:lnRef>
+          <a:fillRef idx="1">
+            <a:schemeClr val="accent1"/>
+          </a:fillRef>
+          <a:effectRef idx="0">
+            <a:schemeClr val="accent1"/>
+          </a:effectRef>
+          <a:fontRef idx="minor">
+            <a:schemeClr val="lt1"/>
+          </a:fontRef>
+        </p:style>
+        <p:txBody>
+          <a:bodyPr rtlCol="0" anchor="ctr"/>
+          <a:lstStyle/>
+          <a:p>
+            <a:pPr algn="ctr"/>
+            <a:endParaRPr lang="en-US"/>
+          </a:p>
+        </p:txBody>
+      </p:sp>
+      <p:pic>
+        <p:nvPicPr>
+          <p:cNvPr id="25" name="Picture 24">
+            <a:extLst>
+              <a:ext uri="{FF2B5EF4-FFF2-40B4-BE49-F238E27FC236}">
+                <a16:creationId xmlns:a16="http://schemas.microsoft.com/office/drawing/2014/main" id="{F6548FD8-4F84-EF4B-BCF8-6DA0B36BC1AC}"/>
+              </a:ext>
+            </a:extLst>
+          </p:cNvPr>
+          <p:cNvPicPr>
+            <a:picLocks noChangeAspect="1"/>
+          </p:cNvPicPr>
+          <p:nvPr/>
+        </p:nvPicPr>
+        <p:blipFill>
+          <a:blip r:embed="rId2"/>
+          <a:stretch>
+            <a:fillRect/>
+          </a:stretch>
+        </p:blipFill>
+        <p:spPr>
+          <a:xfrm>
+            <a:off x="1453639" y="6187073"/>
+            <a:ext cx="4621465" cy="562070"/>
+          </a:xfrm>
+          <a:prstGeom prst="rect">
+            <a:avLst/>
+          </a:prstGeom>
+        </p:spPr>
+      </p:pic>
+      <p:pic>
+        <p:nvPicPr>
+          <p:cNvPr id="8" name="Picture 7">
+            <a:extLst>
+              <a:ext uri="{FF2B5EF4-FFF2-40B4-BE49-F238E27FC236}">
+                <a16:creationId xmlns:a16="http://schemas.microsoft.com/office/drawing/2014/main" id="{83E161FB-B983-1040-A321-AFA77867B522}"/>
+              </a:ext>
+            </a:extLst>
+          </p:cNvPr>
+          <p:cNvPicPr>
+            <a:picLocks noChangeAspect="1"/>
+          </p:cNvPicPr>
+          <p:nvPr/>
+        </p:nvPicPr>
+        <p:blipFill>
+          <a:blip r:embed="rId3"/>
+          <a:stretch>
+            <a:fillRect/>
+          </a:stretch>
+        </p:blipFill>
+        <p:spPr>
+          <a:xfrm>
+            <a:off x="1518953" y="5545838"/>
+            <a:ext cx="4621465" cy="589974"/>
+          </a:xfrm>
+          <a:prstGeom prst="rect">
+            <a:avLst/>
+          </a:prstGeom>
+        </p:spPr>
+      </p:pic>
+      <p:sp>
+        <p:nvSpPr>
+          <p:cNvPr id="9" name="TextBox 8">
+            <a:extLst>
+              <a:ext uri="{FF2B5EF4-FFF2-40B4-BE49-F238E27FC236}">
+                <a16:creationId xmlns:a16="http://schemas.microsoft.com/office/drawing/2014/main" id="{59FEDA23-1151-DD41-8F63-338A1AD216AB}"/>
+              </a:ext>
+            </a:extLst>
+          </p:cNvPr>
+          <p:cNvSpPr txBox="1"/>
+          <p:nvPr/>
+        </p:nvSpPr>
+        <p:spPr>
+          <a:xfrm>
+            <a:off x="2746314" y="1463042"/>
+            <a:ext cx="301686" cy="369332"/>
+          </a:xfrm>
+          <a:prstGeom prst="rect">
+            <a:avLst/>
+          </a:prstGeom>
+          <a:noFill/>
+        </p:spPr>
+        <p:txBody>
+          <a:bodyPr wrap="none" rtlCol="0">
+            <a:spAutoFit/>
+          </a:bodyPr>
+          <a:lstStyle/>
+          <a:p>
+            <a:r>
+              <a:rPr lang="en-US" dirty="0"/>
+              <a:t>1</a:t>
+            </a:r>
+          </a:p>
+        </p:txBody>
+      </p:sp>
+      <p:sp>
+        <p:nvSpPr>
+          <p:cNvPr id="24" name="TextBox 23">
+            <a:extLst>
+              <a:ext uri="{FF2B5EF4-FFF2-40B4-BE49-F238E27FC236}">
+                <a16:creationId xmlns:a16="http://schemas.microsoft.com/office/drawing/2014/main" id="{C4195872-0505-C54C-900D-89AFBF3DD554}"/>
+              </a:ext>
+            </a:extLst>
+          </p:cNvPr>
+          <p:cNvSpPr txBox="1"/>
+          <p:nvPr/>
+        </p:nvSpPr>
+        <p:spPr>
+          <a:xfrm>
+            <a:off x="2746314" y="2313769"/>
+            <a:ext cx="301686" cy="369332"/>
+          </a:xfrm>
+          <a:prstGeom prst="rect">
+            <a:avLst/>
+          </a:prstGeom>
+          <a:noFill/>
+        </p:spPr>
+        <p:txBody>
+          <a:bodyPr wrap="none" rtlCol="0">
+            <a:spAutoFit/>
+          </a:bodyPr>
+          <a:lstStyle/>
+          <a:p>
+            <a:r>
+              <a:rPr lang="en-US" dirty="0"/>
+              <a:t>2</a:t>
+            </a:r>
+          </a:p>
+        </p:txBody>
+      </p:sp>
+      <p:sp>
+        <p:nvSpPr>
+          <p:cNvPr id="26" name="TextBox 25">
+            <a:extLst>
+              <a:ext uri="{FF2B5EF4-FFF2-40B4-BE49-F238E27FC236}">
+                <a16:creationId xmlns:a16="http://schemas.microsoft.com/office/drawing/2014/main" id="{92F6E003-5497-B543-B873-3637C7C0C055}"/>
+              </a:ext>
+            </a:extLst>
+          </p:cNvPr>
+          <p:cNvSpPr txBox="1"/>
+          <p:nvPr/>
+        </p:nvSpPr>
+        <p:spPr>
+          <a:xfrm>
+            <a:off x="2746314" y="3290487"/>
+            <a:ext cx="301686" cy="369332"/>
+          </a:xfrm>
+          <a:prstGeom prst="rect">
+            <a:avLst/>
+          </a:prstGeom>
+          <a:noFill/>
+        </p:spPr>
+        <p:txBody>
+          <a:bodyPr wrap="none" rtlCol="0">
+            <a:spAutoFit/>
+          </a:bodyPr>
+          <a:lstStyle/>
+          <a:p>
+            <a:r>
+              <a:rPr lang="en-US" dirty="0"/>
+              <a:t>3</a:t>
+            </a:r>
+          </a:p>
+        </p:txBody>
+      </p:sp>
+      <p:sp>
+        <p:nvSpPr>
+          <p:cNvPr id="27" name="TextBox 26">
+            <a:extLst>
+              <a:ext uri="{FF2B5EF4-FFF2-40B4-BE49-F238E27FC236}">
+                <a16:creationId xmlns:a16="http://schemas.microsoft.com/office/drawing/2014/main" id="{E357C6B6-372C-0A4E-9C68-0864D7E82EEC}"/>
+              </a:ext>
+            </a:extLst>
+          </p:cNvPr>
+          <p:cNvSpPr txBox="1"/>
+          <p:nvPr/>
+        </p:nvSpPr>
+        <p:spPr>
+          <a:xfrm>
+            <a:off x="2746314" y="4242551"/>
+            <a:ext cx="301686" cy="369332"/>
+          </a:xfrm>
+          <a:prstGeom prst="rect">
+            <a:avLst/>
+          </a:prstGeom>
+          <a:noFill/>
+        </p:spPr>
+        <p:txBody>
+          <a:bodyPr wrap="none" rtlCol="0">
+            <a:spAutoFit/>
+          </a:bodyPr>
+          <a:lstStyle/>
+          <a:p>
+            <a:r>
+              <a:rPr lang="en-US" dirty="0"/>
+              <a:t>4</a:t>
+            </a:r>
+          </a:p>
+        </p:txBody>
+      </p:sp>
+      <p:sp>
+        <p:nvSpPr>
+          <p:cNvPr id="28" name="TextBox 27">
+            <a:extLst>
+              <a:ext uri="{FF2B5EF4-FFF2-40B4-BE49-F238E27FC236}">
+                <a16:creationId xmlns:a16="http://schemas.microsoft.com/office/drawing/2014/main" id="{9613BE0E-3289-024E-A2F8-86E6BE75A3CD}"/>
+              </a:ext>
+            </a:extLst>
+          </p:cNvPr>
+          <p:cNvSpPr txBox="1"/>
+          <p:nvPr/>
+        </p:nvSpPr>
+        <p:spPr>
+          <a:xfrm>
+            <a:off x="3506758" y="604463"/>
+            <a:ext cx="529312" cy="369332"/>
+          </a:xfrm>
+          <a:prstGeom prst="rect">
+            <a:avLst/>
+          </a:prstGeom>
+          <a:noFill/>
+        </p:spPr>
+        <p:txBody>
+          <a:bodyPr wrap="none" rtlCol="0">
+            <a:spAutoFit/>
+          </a:bodyPr>
+          <a:lstStyle/>
+          <a:p>
+            <a:r>
+              <a:rPr lang="en-US" dirty="0"/>
+              <a:t>1, 2</a:t>
+            </a:r>
+          </a:p>
+        </p:txBody>
+      </p:sp>
+      <p:sp>
+        <p:nvSpPr>
+          <p:cNvPr id="29" name="TextBox 28">
+            <a:extLst>
+              <a:ext uri="{FF2B5EF4-FFF2-40B4-BE49-F238E27FC236}">
+                <a16:creationId xmlns:a16="http://schemas.microsoft.com/office/drawing/2014/main" id="{E96E6EB9-7BEE-5B43-8725-0B76D020A159}"/>
+              </a:ext>
+            </a:extLst>
+          </p:cNvPr>
+          <p:cNvSpPr txBox="1"/>
+          <p:nvPr/>
+        </p:nvSpPr>
+        <p:spPr>
+          <a:xfrm>
+            <a:off x="3506758" y="1511168"/>
+            <a:ext cx="529312" cy="369332"/>
+          </a:xfrm>
+          <a:prstGeom prst="rect">
+            <a:avLst/>
+          </a:prstGeom>
+          <a:noFill/>
+        </p:spPr>
+        <p:txBody>
+          <a:bodyPr wrap="none" rtlCol="0">
+            <a:spAutoFit/>
+          </a:bodyPr>
+          <a:lstStyle/>
+          <a:p>
+            <a:r>
+              <a:rPr lang="en-US" dirty="0"/>
+              <a:t>1, 3</a:t>
+            </a:r>
+          </a:p>
+        </p:txBody>
+      </p:sp>
+      <p:sp>
+        <p:nvSpPr>
+          <p:cNvPr id="30" name="TextBox 29">
+            <a:extLst>
+              <a:ext uri="{FF2B5EF4-FFF2-40B4-BE49-F238E27FC236}">
+                <a16:creationId xmlns:a16="http://schemas.microsoft.com/office/drawing/2014/main" id="{5977D927-2A88-0143-9B7F-B08CB8523CD9}"/>
+              </a:ext>
+            </a:extLst>
+          </p:cNvPr>
+          <p:cNvSpPr txBox="1"/>
+          <p:nvPr/>
+        </p:nvSpPr>
+        <p:spPr>
+          <a:xfrm>
+            <a:off x="3506758" y="2398667"/>
+            <a:ext cx="529312" cy="369332"/>
+          </a:xfrm>
+          <a:prstGeom prst="rect">
+            <a:avLst/>
+          </a:prstGeom>
+          <a:noFill/>
+        </p:spPr>
+        <p:txBody>
+          <a:bodyPr wrap="none" rtlCol="0">
+            <a:spAutoFit/>
+          </a:bodyPr>
+          <a:lstStyle/>
+          <a:p>
+            <a:r>
+              <a:rPr lang="en-US" dirty="0"/>
+              <a:t>1, 4</a:t>
+            </a:r>
+          </a:p>
+        </p:txBody>
+      </p:sp>
+      <p:sp>
+        <p:nvSpPr>
+          <p:cNvPr id="31" name="TextBox 30">
+            <a:extLst>
+              <a:ext uri="{FF2B5EF4-FFF2-40B4-BE49-F238E27FC236}">
+                <a16:creationId xmlns:a16="http://schemas.microsoft.com/office/drawing/2014/main" id="{DF98A959-92D0-964C-B6DF-56EE633A894C}"/>
+              </a:ext>
+            </a:extLst>
+          </p:cNvPr>
+          <p:cNvSpPr txBox="1"/>
+          <p:nvPr/>
+        </p:nvSpPr>
+        <p:spPr>
+          <a:xfrm>
+            <a:off x="3506758" y="3255962"/>
+            <a:ext cx="529312" cy="369332"/>
+          </a:xfrm>
+          <a:prstGeom prst="rect">
+            <a:avLst/>
+          </a:prstGeom>
+          <a:noFill/>
+        </p:spPr>
+        <p:txBody>
+          <a:bodyPr wrap="none" rtlCol="0">
+            <a:spAutoFit/>
+          </a:bodyPr>
+          <a:lstStyle/>
+          <a:p>
+            <a:r>
+              <a:rPr lang="en-US" dirty="0"/>
+              <a:t>2, 3</a:t>
+            </a:r>
+          </a:p>
+        </p:txBody>
+      </p:sp>
+      <p:sp>
+        <p:nvSpPr>
+          <p:cNvPr id="32" name="TextBox 31">
+            <a:extLst>
+              <a:ext uri="{FF2B5EF4-FFF2-40B4-BE49-F238E27FC236}">
+                <a16:creationId xmlns:a16="http://schemas.microsoft.com/office/drawing/2014/main" id="{9CDE1B08-CEED-A14D-8350-59E8CE2E240B}"/>
+              </a:ext>
+            </a:extLst>
+          </p:cNvPr>
+          <p:cNvSpPr txBox="1"/>
+          <p:nvPr/>
+        </p:nvSpPr>
+        <p:spPr>
+          <a:xfrm>
+            <a:off x="3506758" y="4226162"/>
+            <a:ext cx="529312" cy="369332"/>
+          </a:xfrm>
+          <a:prstGeom prst="rect">
+            <a:avLst/>
+          </a:prstGeom>
+          <a:noFill/>
+        </p:spPr>
+        <p:txBody>
+          <a:bodyPr wrap="none" rtlCol="0">
+            <a:spAutoFit/>
+          </a:bodyPr>
+          <a:lstStyle/>
+          <a:p>
+            <a:r>
+              <a:rPr lang="en-US" dirty="0"/>
+              <a:t>2, 4</a:t>
+            </a:r>
+          </a:p>
+        </p:txBody>
+      </p:sp>
+      <p:sp>
+        <p:nvSpPr>
+          <p:cNvPr id="33" name="TextBox 32">
+            <a:extLst>
+              <a:ext uri="{FF2B5EF4-FFF2-40B4-BE49-F238E27FC236}">
+                <a16:creationId xmlns:a16="http://schemas.microsoft.com/office/drawing/2014/main" id="{86D14C35-A95B-C24E-81EB-10A79CA6A80F}"/>
+              </a:ext>
+            </a:extLst>
+          </p:cNvPr>
+          <p:cNvSpPr txBox="1"/>
+          <p:nvPr/>
+        </p:nvSpPr>
+        <p:spPr>
+          <a:xfrm>
+            <a:off x="3506758" y="5103849"/>
+            <a:ext cx="529312" cy="369332"/>
+          </a:xfrm>
+          <a:prstGeom prst="rect">
+            <a:avLst/>
+          </a:prstGeom>
+          <a:noFill/>
+        </p:spPr>
+        <p:txBody>
+          <a:bodyPr wrap="none" rtlCol="0">
+            <a:spAutoFit/>
+          </a:bodyPr>
+          <a:lstStyle/>
+          <a:p>
+            <a:r>
+              <a:rPr lang="en-US" dirty="0"/>
+              <a:t>3, 4</a:t>
+            </a:r>
+          </a:p>
+        </p:txBody>
+      </p:sp>
+      <p:sp>
+        <p:nvSpPr>
+          <p:cNvPr id="35" name="TextBox 34">
+            <a:extLst>
+              <a:ext uri="{FF2B5EF4-FFF2-40B4-BE49-F238E27FC236}">
+                <a16:creationId xmlns:a16="http://schemas.microsoft.com/office/drawing/2014/main" id="{E05DFA98-E357-3140-BB70-052F475B81CE}"/>
+              </a:ext>
+            </a:extLst>
+          </p:cNvPr>
+          <p:cNvSpPr txBox="1"/>
+          <p:nvPr/>
+        </p:nvSpPr>
+        <p:spPr>
+          <a:xfrm>
+            <a:off x="4358144" y="1511168"/>
+            <a:ext cx="756938" cy="369332"/>
+          </a:xfrm>
+          <a:prstGeom prst="rect">
+            <a:avLst/>
+          </a:prstGeom>
+          <a:noFill/>
+        </p:spPr>
+        <p:txBody>
+          <a:bodyPr wrap="none" rtlCol="0">
+            <a:spAutoFit/>
+          </a:bodyPr>
+          <a:lstStyle/>
+          <a:p>
+            <a:r>
+              <a:rPr lang="en-US" dirty="0"/>
+              <a:t>1, 2, 3</a:t>
+            </a:r>
+          </a:p>
+        </p:txBody>
+      </p:sp>
+      <p:sp>
+        <p:nvSpPr>
+          <p:cNvPr id="36" name="TextBox 35">
+            <a:extLst>
+              <a:ext uri="{FF2B5EF4-FFF2-40B4-BE49-F238E27FC236}">
+                <a16:creationId xmlns:a16="http://schemas.microsoft.com/office/drawing/2014/main" id="{47DB59F9-3441-8846-BC39-8282CFE586F9}"/>
+              </a:ext>
+            </a:extLst>
+          </p:cNvPr>
+          <p:cNvSpPr txBox="1"/>
+          <p:nvPr/>
+        </p:nvSpPr>
+        <p:spPr>
+          <a:xfrm>
+            <a:off x="4358144" y="2386776"/>
+            <a:ext cx="756938" cy="369332"/>
+          </a:xfrm>
+          <a:prstGeom prst="rect">
+            <a:avLst/>
+          </a:prstGeom>
+          <a:noFill/>
+        </p:spPr>
+        <p:txBody>
+          <a:bodyPr wrap="none" rtlCol="0">
+            <a:spAutoFit/>
+          </a:bodyPr>
+          <a:lstStyle/>
+          <a:p>
+            <a:r>
+              <a:rPr lang="en-US" dirty="0"/>
+              <a:t>1, 2, 4</a:t>
+            </a:r>
+          </a:p>
+        </p:txBody>
+      </p:sp>
+      <p:sp>
+        <p:nvSpPr>
+          <p:cNvPr id="37" name="TextBox 36">
+            <a:extLst>
+              <a:ext uri="{FF2B5EF4-FFF2-40B4-BE49-F238E27FC236}">
+                <a16:creationId xmlns:a16="http://schemas.microsoft.com/office/drawing/2014/main" id="{BB0B1B24-8517-F04A-825F-86A2E6ADCED7}"/>
+              </a:ext>
+            </a:extLst>
+          </p:cNvPr>
+          <p:cNvSpPr txBox="1"/>
+          <p:nvPr/>
+        </p:nvSpPr>
+        <p:spPr>
+          <a:xfrm>
+            <a:off x="4358144" y="3295305"/>
+            <a:ext cx="756938" cy="369332"/>
+          </a:xfrm>
+          <a:prstGeom prst="rect">
+            <a:avLst/>
+          </a:prstGeom>
+          <a:noFill/>
+        </p:spPr>
+        <p:txBody>
+          <a:bodyPr wrap="none" rtlCol="0">
+            <a:spAutoFit/>
+          </a:bodyPr>
+          <a:lstStyle/>
+          <a:p>
+            <a:r>
+              <a:rPr lang="en-US" dirty="0"/>
+              <a:t>1, 3, 4</a:t>
+            </a:r>
+          </a:p>
+        </p:txBody>
+      </p:sp>
+      <p:sp>
+        <p:nvSpPr>
+          <p:cNvPr id="38" name="TextBox 37">
+            <a:extLst>
+              <a:ext uri="{FF2B5EF4-FFF2-40B4-BE49-F238E27FC236}">
+                <a16:creationId xmlns:a16="http://schemas.microsoft.com/office/drawing/2014/main" id="{5220E8DE-4E34-EC4D-B630-0AC4ECC5B4F3}"/>
+              </a:ext>
+            </a:extLst>
+          </p:cNvPr>
+          <p:cNvSpPr txBox="1"/>
+          <p:nvPr/>
+        </p:nvSpPr>
+        <p:spPr>
+          <a:xfrm>
+            <a:off x="4338674" y="4247509"/>
+            <a:ext cx="756938" cy="369332"/>
+          </a:xfrm>
+          <a:prstGeom prst="rect">
+            <a:avLst/>
+          </a:prstGeom>
+          <a:noFill/>
+        </p:spPr>
+        <p:txBody>
+          <a:bodyPr wrap="none" rtlCol="0">
+            <a:spAutoFit/>
+          </a:bodyPr>
+          <a:lstStyle/>
+          <a:p>
+            <a:r>
+              <a:rPr lang="en-US" dirty="0"/>
+              <a:t>2, 3, 4</a:t>
+            </a:r>
+          </a:p>
+        </p:txBody>
+      </p:sp>
+      <p:sp>
+        <p:nvSpPr>
+          <p:cNvPr id="39" name="TextBox 38">
+            <a:extLst>
+              <a:ext uri="{FF2B5EF4-FFF2-40B4-BE49-F238E27FC236}">
+                <a16:creationId xmlns:a16="http://schemas.microsoft.com/office/drawing/2014/main" id="{84789C5B-1021-8F45-9A04-778C2615A6B6}"/>
+              </a:ext>
+            </a:extLst>
+          </p:cNvPr>
+          <p:cNvSpPr txBox="1"/>
+          <p:nvPr/>
+        </p:nvSpPr>
+        <p:spPr>
+          <a:xfrm>
+            <a:off x="5115082" y="3027822"/>
+            <a:ext cx="984565" cy="369332"/>
+          </a:xfrm>
+          <a:prstGeom prst="rect">
+            <a:avLst/>
+          </a:prstGeom>
+          <a:noFill/>
+        </p:spPr>
+        <p:txBody>
+          <a:bodyPr wrap="none" rtlCol="0">
+            <a:spAutoFit/>
+          </a:bodyPr>
+          <a:lstStyle/>
+          <a:p>
+            <a:r>
+              <a:rPr lang="en-US" dirty="0"/>
+              <a:t>1, 2, 3, 4</a:t>
+            </a:r>
+          </a:p>
+        </p:txBody>
+      </p:sp>
+      <p:cxnSp>
+        <p:nvCxnSpPr>
+          <p:cNvPr id="41" name="Straight Arrow Connector 40">
+            <a:extLst>
+              <a:ext uri="{FF2B5EF4-FFF2-40B4-BE49-F238E27FC236}">
+                <a16:creationId xmlns:a16="http://schemas.microsoft.com/office/drawing/2014/main" id="{743FB58A-34FD-6B40-A6B3-CBFF57FB58DD}"/>
               </a:ext>
             </a:extLst>
           </p:cNvPr>
@@ -5134,10 +8914,10 @@
       </p:cxnSp>
       <p:cxnSp>
         <p:nvCxnSpPr>
-          <p:cNvPr id="24" name="Straight Arrow Connector 23">
-            <a:extLst>
-              <a:ext uri="{FF2B5EF4-FFF2-40B4-BE49-F238E27FC236}">
-                <a16:creationId xmlns:a16="http://schemas.microsoft.com/office/drawing/2014/main" id="{0913D35B-6061-5B44-A9EF-E558A06F5A84}"/>
+          <p:cNvPr id="42" name="Straight Arrow Connector 41">
+            <a:extLst>
+              <a:ext uri="{FF2B5EF4-FFF2-40B4-BE49-F238E27FC236}">
+                <a16:creationId xmlns:a16="http://schemas.microsoft.com/office/drawing/2014/main" id="{816FC772-914D-5945-8964-96EB709ADACB}"/>
               </a:ext>
             </a:extLst>
           </p:cNvPr>
@@ -5148,8 +8928,1423 @@
         </p:nvCxnSpPr>
         <p:spPr>
           <a:xfrm>
-            <a:off x="3045914" y="2208280"/>
-            <a:ext cx="669743" cy="15385"/>
+            <a:off x="3048000" y="2313769"/>
+            <a:ext cx="667657" cy="737212"/>
+          </a:xfrm>
+          <a:prstGeom prst="straightConnector1">
+            <a:avLst/>
+          </a:prstGeom>
+          <a:ln>
+            <a:tailEnd type="triangle"/>
+          </a:ln>
+        </p:spPr>
+        <p:style>
+          <a:lnRef idx="1">
+            <a:schemeClr val="accent1"/>
+          </a:lnRef>
+          <a:fillRef idx="0">
+            <a:schemeClr val="accent1"/>
+          </a:fillRef>
+          <a:effectRef idx="0">
+            <a:schemeClr val="accent1"/>
+          </a:effectRef>
+          <a:fontRef idx="minor">
+            <a:schemeClr val="tx1"/>
+          </a:fontRef>
+        </p:style>
+      </p:cxnSp>
+    </p:spTree>
+    <p:extLst>
+      <p:ext uri="{BB962C8B-B14F-4D97-AF65-F5344CB8AC3E}">
+        <p14:creationId xmlns:p14="http://schemas.microsoft.com/office/powerpoint/2010/main" val="3227186707"/>
+      </p:ext>
+    </p:extLst>
+  </p:cSld>
+  <p:clrMapOvr>
+    <a:masterClrMapping/>
+  </p:clrMapOvr>
+</p:sld>
+</file>
+
+<file path=ppt/slides/slide6.xml><?xml version="1.0" encoding="utf-8"?>
+<p:sld xmlns:a="http://schemas.openxmlformats.org/drawingml/2006/main" xmlns:r="http://schemas.openxmlformats.org/officeDocument/2006/relationships" xmlns:p="http://schemas.openxmlformats.org/presentationml/2006/main">
+  <p:cSld>
+    <p:spTree>
+      <p:nvGrpSpPr>
+        <p:cNvPr id="1" name=""/>
+        <p:cNvGrpSpPr/>
+        <p:nvPr/>
+      </p:nvGrpSpPr>
+      <p:grpSpPr>
+        <a:xfrm>
+          <a:off x="0" y="0"/>
+          <a:ext cx="0" cy="0"/>
+          <a:chOff x="0" y="0"/>
+          <a:chExt cx="0" cy="0"/>
+        </a:xfrm>
+      </p:grpSpPr>
+      <p:sp>
+        <p:nvSpPr>
+          <p:cNvPr id="4" name="Oval 3">
+            <a:extLst>
+              <a:ext uri="{FF2B5EF4-FFF2-40B4-BE49-F238E27FC236}">
+                <a16:creationId xmlns:a16="http://schemas.microsoft.com/office/drawing/2014/main" id="{9F2E6200-F5CF-6E42-B2D1-421514B39192}"/>
+              </a:ext>
+            </a:extLst>
+          </p:cNvPr>
+          <p:cNvSpPr/>
+          <p:nvPr/>
+        </p:nvSpPr>
+        <p:spPr>
+          <a:xfrm>
+            <a:off x="1901371" y="2644210"/>
+            <a:ext cx="188686" cy="188685"/>
+          </a:xfrm>
+          <a:prstGeom prst="ellipse">
+            <a:avLst/>
+          </a:prstGeom>
+          <a:solidFill>
+            <a:schemeClr val="accent2"/>
+          </a:solidFill>
+        </p:spPr>
+        <p:style>
+          <a:lnRef idx="2">
+            <a:schemeClr val="accent1">
+              <a:shade val="50000"/>
+            </a:schemeClr>
+          </a:lnRef>
+          <a:fillRef idx="1">
+            <a:schemeClr val="accent1"/>
+          </a:fillRef>
+          <a:effectRef idx="0">
+            <a:schemeClr val="accent1"/>
+          </a:effectRef>
+          <a:fontRef idx="minor">
+            <a:schemeClr val="lt1"/>
+          </a:fontRef>
+        </p:style>
+        <p:txBody>
+          <a:bodyPr rtlCol="0" anchor="ctr"/>
+          <a:lstStyle/>
+          <a:p>
+            <a:pPr algn="ctr"/>
+            <a:endParaRPr lang="en-US"/>
+          </a:p>
+        </p:txBody>
+      </p:sp>
+      <p:sp>
+        <p:nvSpPr>
+          <p:cNvPr id="5" name="Oval 4">
+            <a:extLst>
+              <a:ext uri="{FF2B5EF4-FFF2-40B4-BE49-F238E27FC236}">
+                <a16:creationId xmlns:a16="http://schemas.microsoft.com/office/drawing/2014/main" id="{4D48FAF7-A436-3944-9E8C-8C2F4128E2F8}"/>
+              </a:ext>
+            </a:extLst>
+          </p:cNvPr>
+          <p:cNvSpPr/>
+          <p:nvPr/>
+        </p:nvSpPr>
+        <p:spPr>
+          <a:xfrm>
+            <a:off x="2808514" y="3960361"/>
+            <a:ext cx="188686" cy="188685"/>
+          </a:xfrm>
+          <a:prstGeom prst="ellipse">
+            <a:avLst/>
+          </a:prstGeom>
+        </p:spPr>
+        <p:style>
+          <a:lnRef idx="2">
+            <a:schemeClr val="accent1">
+              <a:shade val="50000"/>
+            </a:schemeClr>
+          </a:lnRef>
+          <a:fillRef idx="1">
+            <a:schemeClr val="accent1"/>
+          </a:fillRef>
+          <a:effectRef idx="0">
+            <a:schemeClr val="accent1"/>
+          </a:effectRef>
+          <a:fontRef idx="minor">
+            <a:schemeClr val="lt1"/>
+          </a:fontRef>
+        </p:style>
+        <p:txBody>
+          <a:bodyPr rtlCol="0" anchor="ctr"/>
+          <a:lstStyle/>
+          <a:p>
+            <a:pPr algn="ctr"/>
+            <a:endParaRPr lang="en-US"/>
+          </a:p>
+        </p:txBody>
+      </p:sp>
+      <p:sp>
+        <p:nvSpPr>
+          <p:cNvPr id="6" name="Oval 5">
+            <a:extLst>
+              <a:ext uri="{FF2B5EF4-FFF2-40B4-BE49-F238E27FC236}">
+                <a16:creationId xmlns:a16="http://schemas.microsoft.com/office/drawing/2014/main" id="{0543B7DE-038E-6E40-AD92-197F055AD6A9}"/>
+              </a:ext>
+            </a:extLst>
+          </p:cNvPr>
+          <p:cNvSpPr/>
+          <p:nvPr/>
+        </p:nvSpPr>
+        <p:spPr>
+          <a:xfrm>
+            <a:off x="2808514" y="3050981"/>
+            <a:ext cx="188686" cy="188685"/>
+          </a:xfrm>
+          <a:prstGeom prst="ellipse">
+            <a:avLst/>
+          </a:prstGeom>
+        </p:spPr>
+        <p:style>
+          <a:lnRef idx="2">
+            <a:schemeClr val="accent1">
+              <a:shade val="50000"/>
+            </a:schemeClr>
+          </a:lnRef>
+          <a:fillRef idx="1">
+            <a:schemeClr val="accent1"/>
+          </a:fillRef>
+          <a:effectRef idx="0">
+            <a:schemeClr val="accent1"/>
+          </a:effectRef>
+          <a:fontRef idx="minor">
+            <a:schemeClr val="lt1"/>
+          </a:fontRef>
+        </p:style>
+        <p:txBody>
+          <a:bodyPr rtlCol="0" anchor="ctr"/>
+          <a:lstStyle/>
+          <a:p>
+            <a:pPr algn="ctr"/>
+            <a:endParaRPr lang="en-US"/>
+          </a:p>
+        </p:txBody>
+      </p:sp>
+      <p:sp>
+        <p:nvSpPr>
+          <p:cNvPr id="7" name="Oval 6">
+            <a:extLst>
+              <a:ext uri="{FF2B5EF4-FFF2-40B4-BE49-F238E27FC236}">
+                <a16:creationId xmlns:a16="http://schemas.microsoft.com/office/drawing/2014/main" id="{2C76E0C7-DA47-454B-8A10-2E82455F627E}"/>
+              </a:ext>
+            </a:extLst>
+          </p:cNvPr>
+          <p:cNvSpPr/>
+          <p:nvPr/>
+        </p:nvSpPr>
+        <p:spPr>
+          <a:xfrm>
+            <a:off x="2808514" y="2129323"/>
+            <a:ext cx="188686" cy="188685"/>
+          </a:xfrm>
+          <a:prstGeom prst="ellipse">
+            <a:avLst/>
+          </a:prstGeom>
+          <a:solidFill>
+            <a:schemeClr val="accent2"/>
+          </a:solidFill>
+        </p:spPr>
+        <p:style>
+          <a:lnRef idx="2">
+            <a:schemeClr val="accent1">
+              <a:shade val="50000"/>
+            </a:schemeClr>
+          </a:lnRef>
+          <a:fillRef idx="1">
+            <a:schemeClr val="accent1"/>
+          </a:fillRef>
+          <a:effectRef idx="0">
+            <a:schemeClr val="accent1"/>
+          </a:effectRef>
+          <a:fontRef idx="minor">
+            <a:schemeClr val="lt1"/>
+          </a:fontRef>
+        </p:style>
+        <p:txBody>
+          <a:bodyPr rtlCol="0" anchor="ctr"/>
+          <a:lstStyle/>
+          <a:p>
+            <a:pPr algn="ctr"/>
+            <a:endParaRPr lang="en-US"/>
+          </a:p>
+        </p:txBody>
+      </p:sp>
+      <p:sp>
+        <p:nvSpPr>
+          <p:cNvPr id="10" name="Oval 9">
+            <a:extLst>
+              <a:ext uri="{FF2B5EF4-FFF2-40B4-BE49-F238E27FC236}">
+                <a16:creationId xmlns:a16="http://schemas.microsoft.com/office/drawing/2014/main" id="{C2759916-CB85-1C43-B3A1-F0072DA044AE}"/>
+              </a:ext>
+            </a:extLst>
+          </p:cNvPr>
+          <p:cNvSpPr/>
+          <p:nvPr/>
+        </p:nvSpPr>
+        <p:spPr>
+          <a:xfrm>
+            <a:off x="3715657" y="4864897"/>
+            <a:ext cx="188686" cy="188685"/>
+          </a:xfrm>
+          <a:prstGeom prst="ellipse">
+            <a:avLst/>
+          </a:prstGeom>
+          <a:noFill/>
+        </p:spPr>
+        <p:style>
+          <a:lnRef idx="2">
+            <a:schemeClr val="accent1">
+              <a:shade val="50000"/>
+            </a:schemeClr>
+          </a:lnRef>
+          <a:fillRef idx="1">
+            <a:schemeClr val="accent1"/>
+          </a:fillRef>
+          <a:effectRef idx="0">
+            <a:schemeClr val="accent1"/>
+          </a:effectRef>
+          <a:fontRef idx="minor">
+            <a:schemeClr val="lt1"/>
+          </a:fontRef>
+        </p:style>
+        <p:txBody>
+          <a:bodyPr rtlCol="0" anchor="ctr"/>
+          <a:lstStyle/>
+          <a:p>
+            <a:pPr algn="ctr"/>
+            <a:endParaRPr lang="en-US"/>
+          </a:p>
+        </p:txBody>
+      </p:sp>
+      <p:sp>
+        <p:nvSpPr>
+          <p:cNvPr id="11" name="Oval 10">
+            <a:extLst>
+              <a:ext uri="{FF2B5EF4-FFF2-40B4-BE49-F238E27FC236}">
+                <a16:creationId xmlns:a16="http://schemas.microsoft.com/office/drawing/2014/main" id="{CBFF0B1F-1B25-6041-B968-1B305C713F63}"/>
+              </a:ext>
+            </a:extLst>
+          </p:cNvPr>
+          <p:cNvSpPr/>
+          <p:nvPr/>
+        </p:nvSpPr>
+        <p:spPr>
+          <a:xfrm>
+            <a:off x="3715657" y="3943240"/>
+            <a:ext cx="188686" cy="188685"/>
+          </a:xfrm>
+          <a:prstGeom prst="ellipse">
+            <a:avLst/>
+          </a:prstGeom>
+          <a:solidFill>
+            <a:schemeClr val="accent1"/>
+          </a:solidFill>
+        </p:spPr>
+        <p:style>
+          <a:lnRef idx="2">
+            <a:schemeClr val="accent1">
+              <a:shade val="50000"/>
+            </a:schemeClr>
+          </a:lnRef>
+          <a:fillRef idx="1">
+            <a:schemeClr val="accent1"/>
+          </a:fillRef>
+          <a:effectRef idx="0">
+            <a:schemeClr val="accent1"/>
+          </a:effectRef>
+          <a:fontRef idx="minor">
+            <a:schemeClr val="lt1"/>
+          </a:fontRef>
+        </p:style>
+        <p:txBody>
+          <a:bodyPr rtlCol="0" anchor="ctr"/>
+          <a:lstStyle/>
+          <a:p>
+            <a:pPr algn="ctr"/>
+            <a:endParaRPr lang="en-US"/>
+          </a:p>
+        </p:txBody>
+      </p:sp>
+      <p:sp>
+        <p:nvSpPr>
+          <p:cNvPr id="12" name="Oval 11">
+            <a:extLst>
+              <a:ext uri="{FF2B5EF4-FFF2-40B4-BE49-F238E27FC236}">
+                <a16:creationId xmlns:a16="http://schemas.microsoft.com/office/drawing/2014/main" id="{8B620498-F09B-2045-A4DA-07A5D28CF8BD}"/>
+              </a:ext>
+            </a:extLst>
+          </p:cNvPr>
+          <p:cNvSpPr/>
+          <p:nvPr/>
+        </p:nvSpPr>
+        <p:spPr>
+          <a:xfrm>
+            <a:off x="3715657" y="3021583"/>
+            <a:ext cx="188686" cy="188685"/>
+          </a:xfrm>
+          <a:prstGeom prst="ellipse">
+            <a:avLst/>
+          </a:prstGeom>
+          <a:solidFill>
+            <a:schemeClr val="accent2"/>
+          </a:solidFill>
+        </p:spPr>
+        <p:style>
+          <a:lnRef idx="2">
+            <a:schemeClr val="accent1">
+              <a:shade val="50000"/>
+            </a:schemeClr>
+          </a:lnRef>
+          <a:fillRef idx="1">
+            <a:schemeClr val="accent1"/>
+          </a:fillRef>
+          <a:effectRef idx="0">
+            <a:schemeClr val="accent1"/>
+          </a:effectRef>
+          <a:fontRef idx="minor">
+            <a:schemeClr val="lt1"/>
+          </a:fontRef>
+        </p:style>
+        <p:txBody>
+          <a:bodyPr rtlCol="0" anchor="ctr"/>
+          <a:lstStyle/>
+          <a:p>
+            <a:pPr algn="ctr"/>
+            <a:endParaRPr lang="en-US"/>
+          </a:p>
+        </p:txBody>
+      </p:sp>
+      <p:sp>
+        <p:nvSpPr>
+          <p:cNvPr id="15" name="Oval 14">
+            <a:extLst>
+              <a:ext uri="{FF2B5EF4-FFF2-40B4-BE49-F238E27FC236}">
+                <a16:creationId xmlns:a16="http://schemas.microsoft.com/office/drawing/2014/main" id="{B0FE5E1A-DD30-3D45-AF8A-309F12D0E00B}"/>
+              </a:ext>
+            </a:extLst>
+          </p:cNvPr>
+          <p:cNvSpPr/>
+          <p:nvPr/>
+        </p:nvSpPr>
+        <p:spPr>
+          <a:xfrm>
+            <a:off x="2808514" y="1237064"/>
+            <a:ext cx="188686" cy="188685"/>
+          </a:xfrm>
+          <a:prstGeom prst="ellipse">
+            <a:avLst/>
+          </a:prstGeom>
+          <a:solidFill>
+            <a:schemeClr val="accent1"/>
+          </a:solidFill>
+        </p:spPr>
+        <p:style>
+          <a:lnRef idx="2">
+            <a:schemeClr val="accent1">
+              <a:shade val="50000"/>
+            </a:schemeClr>
+          </a:lnRef>
+          <a:fillRef idx="1">
+            <a:schemeClr val="accent1"/>
+          </a:fillRef>
+          <a:effectRef idx="0">
+            <a:schemeClr val="accent1"/>
+          </a:effectRef>
+          <a:fontRef idx="minor">
+            <a:schemeClr val="lt1"/>
+          </a:fontRef>
+        </p:style>
+        <p:txBody>
+          <a:bodyPr rtlCol="0" anchor="ctr"/>
+          <a:lstStyle/>
+          <a:p>
+            <a:pPr algn="ctr"/>
+            <a:endParaRPr lang="en-US"/>
+          </a:p>
+        </p:txBody>
+      </p:sp>
+      <p:sp>
+        <p:nvSpPr>
+          <p:cNvPr id="16" name="Oval 15">
+            <a:extLst>
+              <a:ext uri="{FF2B5EF4-FFF2-40B4-BE49-F238E27FC236}">
+                <a16:creationId xmlns:a16="http://schemas.microsoft.com/office/drawing/2014/main" id="{5A053BF6-4E4D-5B4E-88BB-38ECA8DB51D3}"/>
+              </a:ext>
+            </a:extLst>
+          </p:cNvPr>
+          <p:cNvSpPr/>
+          <p:nvPr/>
+        </p:nvSpPr>
+        <p:spPr>
+          <a:xfrm>
+            <a:off x="3715657" y="2158721"/>
+            <a:ext cx="188686" cy="188685"/>
+          </a:xfrm>
+          <a:prstGeom prst="ellipse">
+            <a:avLst/>
+          </a:prstGeom>
+          <a:noFill/>
+        </p:spPr>
+        <p:style>
+          <a:lnRef idx="2">
+            <a:schemeClr val="accent1">
+              <a:shade val="50000"/>
+            </a:schemeClr>
+          </a:lnRef>
+          <a:fillRef idx="1">
+            <a:schemeClr val="accent1"/>
+          </a:fillRef>
+          <a:effectRef idx="0">
+            <a:schemeClr val="accent1"/>
+          </a:effectRef>
+          <a:fontRef idx="minor">
+            <a:schemeClr val="lt1"/>
+          </a:fontRef>
+        </p:style>
+        <p:txBody>
+          <a:bodyPr rtlCol="0" anchor="ctr"/>
+          <a:lstStyle/>
+          <a:p>
+            <a:pPr algn="ctr"/>
+            <a:endParaRPr lang="en-US"/>
+          </a:p>
+        </p:txBody>
+      </p:sp>
+      <p:sp>
+        <p:nvSpPr>
+          <p:cNvPr id="17" name="Oval 16">
+            <a:extLst>
+              <a:ext uri="{FF2B5EF4-FFF2-40B4-BE49-F238E27FC236}">
+                <a16:creationId xmlns:a16="http://schemas.microsoft.com/office/drawing/2014/main" id="{456F1AD3-B265-164B-A0AA-55089F7D54A8}"/>
+              </a:ext>
+            </a:extLst>
+          </p:cNvPr>
+          <p:cNvSpPr/>
+          <p:nvPr/>
+        </p:nvSpPr>
+        <p:spPr>
+          <a:xfrm>
+            <a:off x="3715657" y="1237064"/>
+            <a:ext cx="188686" cy="188685"/>
+          </a:xfrm>
+          <a:prstGeom prst="ellipse">
+            <a:avLst/>
+          </a:prstGeom>
+          <a:noFill/>
+        </p:spPr>
+        <p:style>
+          <a:lnRef idx="2">
+            <a:schemeClr val="accent1">
+              <a:shade val="50000"/>
+            </a:schemeClr>
+          </a:lnRef>
+          <a:fillRef idx="1">
+            <a:schemeClr val="accent1"/>
+          </a:fillRef>
+          <a:effectRef idx="0">
+            <a:schemeClr val="accent1"/>
+          </a:effectRef>
+          <a:fontRef idx="minor">
+            <a:schemeClr val="lt1"/>
+          </a:fontRef>
+        </p:style>
+        <p:txBody>
+          <a:bodyPr rtlCol="0" anchor="ctr"/>
+          <a:lstStyle/>
+          <a:p>
+            <a:pPr algn="ctr"/>
+            <a:endParaRPr lang="en-US"/>
+          </a:p>
+        </p:txBody>
+      </p:sp>
+      <p:sp>
+        <p:nvSpPr>
+          <p:cNvPr id="18" name="Oval 17">
+            <a:extLst>
+              <a:ext uri="{FF2B5EF4-FFF2-40B4-BE49-F238E27FC236}">
+                <a16:creationId xmlns:a16="http://schemas.microsoft.com/office/drawing/2014/main" id="{99F162CE-0B20-A946-A1FC-EA3ADD8F14EA}"/>
+              </a:ext>
+            </a:extLst>
+          </p:cNvPr>
+          <p:cNvSpPr/>
+          <p:nvPr/>
+        </p:nvSpPr>
+        <p:spPr>
+          <a:xfrm>
+            <a:off x="3715657" y="315407"/>
+            <a:ext cx="188686" cy="188685"/>
+          </a:xfrm>
+          <a:prstGeom prst="ellipse">
+            <a:avLst/>
+          </a:prstGeom>
+        </p:spPr>
+        <p:style>
+          <a:lnRef idx="2">
+            <a:schemeClr val="accent1">
+              <a:shade val="50000"/>
+            </a:schemeClr>
+          </a:lnRef>
+          <a:fillRef idx="1">
+            <a:schemeClr val="accent1"/>
+          </a:fillRef>
+          <a:effectRef idx="0">
+            <a:schemeClr val="accent1"/>
+          </a:effectRef>
+          <a:fontRef idx="minor">
+            <a:schemeClr val="lt1"/>
+          </a:fontRef>
+        </p:style>
+        <p:txBody>
+          <a:bodyPr rtlCol="0" anchor="ctr"/>
+          <a:lstStyle/>
+          <a:p>
+            <a:pPr algn="ctr"/>
+            <a:endParaRPr lang="en-US"/>
+          </a:p>
+        </p:txBody>
+      </p:sp>
+      <p:sp>
+        <p:nvSpPr>
+          <p:cNvPr id="19" name="Oval 18">
+            <a:extLst>
+              <a:ext uri="{FF2B5EF4-FFF2-40B4-BE49-F238E27FC236}">
+                <a16:creationId xmlns:a16="http://schemas.microsoft.com/office/drawing/2014/main" id="{DA4CD70C-9F04-F044-9E07-203EB38F280A}"/>
+              </a:ext>
+            </a:extLst>
+          </p:cNvPr>
+          <p:cNvSpPr/>
+          <p:nvPr/>
+        </p:nvSpPr>
+        <p:spPr>
+          <a:xfrm>
+            <a:off x="4622800" y="3960361"/>
+            <a:ext cx="188686" cy="188685"/>
+          </a:xfrm>
+          <a:prstGeom prst="ellipse">
+            <a:avLst/>
+          </a:prstGeom>
+          <a:solidFill>
+            <a:schemeClr val="accent2"/>
+          </a:solidFill>
+        </p:spPr>
+        <p:style>
+          <a:lnRef idx="2">
+            <a:schemeClr val="accent1">
+              <a:shade val="50000"/>
+            </a:schemeClr>
+          </a:lnRef>
+          <a:fillRef idx="1">
+            <a:schemeClr val="accent1"/>
+          </a:fillRef>
+          <a:effectRef idx="0">
+            <a:schemeClr val="accent1"/>
+          </a:effectRef>
+          <a:fontRef idx="minor">
+            <a:schemeClr val="lt1"/>
+          </a:fontRef>
+        </p:style>
+        <p:txBody>
+          <a:bodyPr rtlCol="0" anchor="ctr"/>
+          <a:lstStyle/>
+          <a:p>
+            <a:pPr algn="ctr"/>
+            <a:endParaRPr lang="en-US"/>
+          </a:p>
+        </p:txBody>
+      </p:sp>
+      <p:sp>
+        <p:nvSpPr>
+          <p:cNvPr id="20" name="Oval 19">
+            <a:extLst>
+              <a:ext uri="{FF2B5EF4-FFF2-40B4-BE49-F238E27FC236}">
+                <a16:creationId xmlns:a16="http://schemas.microsoft.com/office/drawing/2014/main" id="{8F11403C-24E9-BD48-819A-10BF080BB39D}"/>
+              </a:ext>
+            </a:extLst>
+          </p:cNvPr>
+          <p:cNvSpPr/>
+          <p:nvPr/>
+        </p:nvSpPr>
+        <p:spPr>
+          <a:xfrm>
+            <a:off x="4622800" y="3050981"/>
+            <a:ext cx="188686" cy="188685"/>
+          </a:xfrm>
+          <a:prstGeom prst="ellipse">
+            <a:avLst/>
+          </a:prstGeom>
+          <a:noFill/>
+        </p:spPr>
+        <p:style>
+          <a:lnRef idx="2">
+            <a:schemeClr val="accent1">
+              <a:shade val="50000"/>
+            </a:schemeClr>
+          </a:lnRef>
+          <a:fillRef idx="1">
+            <a:schemeClr val="accent1"/>
+          </a:fillRef>
+          <a:effectRef idx="0">
+            <a:schemeClr val="accent1"/>
+          </a:effectRef>
+          <a:fontRef idx="minor">
+            <a:schemeClr val="lt1"/>
+          </a:fontRef>
+        </p:style>
+        <p:txBody>
+          <a:bodyPr rtlCol="0" anchor="ctr"/>
+          <a:lstStyle/>
+          <a:p>
+            <a:pPr algn="ctr"/>
+            <a:endParaRPr lang="en-US"/>
+          </a:p>
+        </p:txBody>
+      </p:sp>
+      <p:sp>
+        <p:nvSpPr>
+          <p:cNvPr id="21" name="Oval 20">
+            <a:extLst>
+              <a:ext uri="{FF2B5EF4-FFF2-40B4-BE49-F238E27FC236}">
+                <a16:creationId xmlns:a16="http://schemas.microsoft.com/office/drawing/2014/main" id="{7BB41E08-3843-C643-8C2B-81782FBB7228}"/>
+              </a:ext>
+            </a:extLst>
+          </p:cNvPr>
+          <p:cNvSpPr/>
+          <p:nvPr/>
+        </p:nvSpPr>
+        <p:spPr>
+          <a:xfrm>
+            <a:off x="4622800" y="2129323"/>
+            <a:ext cx="188686" cy="188685"/>
+          </a:xfrm>
+          <a:prstGeom prst="ellipse">
+            <a:avLst/>
+          </a:prstGeom>
+          <a:noFill/>
+        </p:spPr>
+        <p:style>
+          <a:lnRef idx="2">
+            <a:schemeClr val="accent1">
+              <a:shade val="50000"/>
+            </a:schemeClr>
+          </a:lnRef>
+          <a:fillRef idx="1">
+            <a:schemeClr val="accent1"/>
+          </a:fillRef>
+          <a:effectRef idx="0">
+            <a:schemeClr val="accent1"/>
+          </a:effectRef>
+          <a:fontRef idx="minor">
+            <a:schemeClr val="lt1"/>
+          </a:fontRef>
+        </p:style>
+        <p:txBody>
+          <a:bodyPr rtlCol="0" anchor="ctr"/>
+          <a:lstStyle/>
+          <a:p>
+            <a:pPr algn="ctr"/>
+            <a:endParaRPr lang="en-US"/>
+          </a:p>
+        </p:txBody>
+      </p:sp>
+      <p:sp>
+        <p:nvSpPr>
+          <p:cNvPr id="22" name="Oval 21">
+            <a:extLst>
+              <a:ext uri="{FF2B5EF4-FFF2-40B4-BE49-F238E27FC236}">
+                <a16:creationId xmlns:a16="http://schemas.microsoft.com/office/drawing/2014/main" id="{E8ACE6D9-6F3D-E641-A735-004324B00C3D}"/>
+              </a:ext>
+            </a:extLst>
+          </p:cNvPr>
+          <p:cNvSpPr/>
+          <p:nvPr/>
+        </p:nvSpPr>
+        <p:spPr>
+          <a:xfrm>
+            <a:off x="4622800" y="1237064"/>
+            <a:ext cx="188686" cy="188685"/>
+          </a:xfrm>
+          <a:prstGeom prst="ellipse">
+            <a:avLst/>
+          </a:prstGeom>
+        </p:spPr>
+        <p:style>
+          <a:lnRef idx="2">
+            <a:schemeClr val="accent1">
+              <a:shade val="50000"/>
+            </a:schemeClr>
+          </a:lnRef>
+          <a:fillRef idx="1">
+            <a:schemeClr val="accent1"/>
+          </a:fillRef>
+          <a:effectRef idx="0">
+            <a:schemeClr val="accent1"/>
+          </a:effectRef>
+          <a:fontRef idx="minor">
+            <a:schemeClr val="lt1"/>
+          </a:fontRef>
+        </p:style>
+        <p:txBody>
+          <a:bodyPr rtlCol="0" anchor="ctr"/>
+          <a:lstStyle/>
+          <a:p>
+            <a:pPr algn="ctr"/>
+            <a:endParaRPr lang="en-US"/>
+          </a:p>
+        </p:txBody>
+      </p:sp>
+      <p:sp>
+        <p:nvSpPr>
+          <p:cNvPr id="23" name="Oval 22">
+            <a:extLst>
+              <a:ext uri="{FF2B5EF4-FFF2-40B4-BE49-F238E27FC236}">
+                <a16:creationId xmlns:a16="http://schemas.microsoft.com/office/drawing/2014/main" id="{465E04CE-D285-064F-B173-DC265840801F}"/>
+              </a:ext>
+            </a:extLst>
+          </p:cNvPr>
+          <p:cNvSpPr/>
+          <p:nvPr/>
+        </p:nvSpPr>
+        <p:spPr>
+          <a:xfrm>
+            <a:off x="5421086" y="2683101"/>
+            <a:ext cx="188686" cy="188685"/>
+          </a:xfrm>
+          <a:prstGeom prst="ellipse">
+            <a:avLst/>
+          </a:prstGeom>
+        </p:spPr>
+        <p:style>
+          <a:lnRef idx="2">
+            <a:schemeClr val="accent1">
+              <a:shade val="50000"/>
+            </a:schemeClr>
+          </a:lnRef>
+          <a:fillRef idx="1">
+            <a:schemeClr val="accent1"/>
+          </a:fillRef>
+          <a:effectRef idx="0">
+            <a:schemeClr val="accent1"/>
+          </a:effectRef>
+          <a:fontRef idx="minor">
+            <a:schemeClr val="lt1"/>
+          </a:fontRef>
+        </p:style>
+        <p:txBody>
+          <a:bodyPr rtlCol="0" anchor="ctr"/>
+          <a:lstStyle/>
+          <a:p>
+            <a:pPr algn="ctr"/>
+            <a:endParaRPr lang="en-US"/>
+          </a:p>
+        </p:txBody>
+      </p:sp>
+      <p:pic>
+        <p:nvPicPr>
+          <p:cNvPr id="25" name="Picture 24">
+            <a:extLst>
+              <a:ext uri="{FF2B5EF4-FFF2-40B4-BE49-F238E27FC236}">
+                <a16:creationId xmlns:a16="http://schemas.microsoft.com/office/drawing/2014/main" id="{F6548FD8-4F84-EF4B-BCF8-6DA0B36BC1AC}"/>
+              </a:ext>
+            </a:extLst>
+          </p:cNvPr>
+          <p:cNvPicPr>
+            <a:picLocks noChangeAspect="1"/>
+          </p:cNvPicPr>
+          <p:nvPr/>
+        </p:nvPicPr>
+        <p:blipFill>
+          <a:blip r:embed="rId2"/>
+          <a:stretch>
+            <a:fillRect/>
+          </a:stretch>
+        </p:blipFill>
+        <p:spPr>
+          <a:xfrm>
+            <a:off x="1453639" y="6187073"/>
+            <a:ext cx="4621465" cy="562070"/>
+          </a:xfrm>
+          <a:prstGeom prst="rect">
+            <a:avLst/>
+          </a:prstGeom>
+        </p:spPr>
+      </p:pic>
+      <p:pic>
+        <p:nvPicPr>
+          <p:cNvPr id="8" name="Picture 7">
+            <a:extLst>
+              <a:ext uri="{FF2B5EF4-FFF2-40B4-BE49-F238E27FC236}">
+                <a16:creationId xmlns:a16="http://schemas.microsoft.com/office/drawing/2014/main" id="{83E161FB-B983-1040-A321-AFA77867B522}"/>
+              </a:ext>
+            </a:extLst>
+          </p:cNvPr>
+          <p:cNvPicPr>
+            <a:picLocks noChangeAspect="1"/>
+          </p:cNvPicPr>
+          <p:nvPr/>
+        </p:nvPicPr>
+        <p:blipFill>
+          <a:blip r:embed="rId3"/>
+          <a:stretch>
+            <a:fillRect/>
+          </a:stretch>
+        </p:blipFill>
+        <p:spPr>
+          <a:xfrm>
+            <a:off x="1518953" y="5545838"/>
+            <a:ext cx="4621465" cy="589974"/>
+          </a:xfrm>
+          <a:prstGeom prst="rect">
+            <a:avLst/>
+          </a:prstGeom>
+        </p:spPr>
+      </p:pic>
+      <p:sp>
+        <p:nvSpPr>
+          <p:cNvPr id="9" name="TextBox 8">
+            <a:extLst>
+              <a:ext uri="{FF2B5EF4-FFF2-40B4-BE49-F238E27FC236}">
+                <a16:creationId xmlns:a16="http://schemas.microsoft.com/office/drawing/2014/main" id="{59FEDA23-1151-DD41-8F63-338A1AD216AB}"/>
+              </a:ext>
+            </a:extLst>
+          </p:cNvPr>
+          <p:cNvSpPr txBox="1"/>
+          <p:nvPr/>
+        </p:nvSpPr>
+        <p:spPr>
+          <a:xfrm>
+            <a:off x="2746314" y="1463042"/>
+            <a:ext cx="301686" cy="369332"/>
+          </a:xfrm>
+          <a:prstGeom prst="rect">
+            <a:avLst/>
+          </a:prstGeom>
+          <a:noFill/>
+        </p:spPr>
+        <p:txBody>
+          <a:bodyPr wrap="none" rtlCol="0">
+            <a:spAutoFit/>
+          </a:bodyPr>
+          <a:lstStyle/>
+          <a:p>
+            <a:r>
+              <a:rPr lang="en-US" dirty="0"/>
+              <a:t>1</a:t>
+            </a:r>
+          </a:p>
+        </p:txBody>
+      </p:sp>
+      <p:sp>
+        <p:nvSpPr>
+          <p:cNvPr id="24" name="TextBox 23">
+            <a:extLst>
+              <a:ext uri="{FF2B5EF4-FFF2-40B4-BE49-F238E27FC236}">
+                <a16:creationId xmlns:a16="http://schemas.microsoft.com/office/drawing/2014/main" id="{C4195872-0505-C54C-900D-89AFBF3DD554}"/>
+              </a:ext>
+            </a:extLst>
+          </p:cNvPr>
+          <p:cNvSpPr txBox="1"/>
+          <p:nvPr/>
+        </p:nvSpPr>
+        <p:spPr>
+          <a:xfrm>
+            <a:off x="2746314" y="2313769"/>
+            <a:ext cx="301686" cy="369332"/>
+          </a:xfrm>
+          <a:prstGeom prst="rect">
+            <a:avLst/>
+          </a:prstGeom>
+          <a:noFill/>
+        </p:spPr>
+        <p:txBody>
+          <a:bodyPr wrap="none" rtlCol="0">
+            <a:spAutoFit/>
+          </a:bodyPr>
+          <a:lstStyle/>
+          <a:p>
+            <a:r>
+              <a:rPr lang="en-US" dirty="0"/>
+              <a:t>2</a:t>
+            </a:r>
+          </a:p>
+        </p:txBody>
+      </p:sp>
+      <p:sp>
+        <p:nvSpPr>
+          <p:cNvPr id="26" name="TextBox 25">
+            <a:extLst>
+              <a:ext uri="{FF2B5EF4-FFF2-40B4-BE49-F238E27FC236}">
+                <a16:creationId xmlns:a16="http://schemas.microsoft.com/office/drawing/2014/main" id="{92F6E003-5497-B543-B873-3637C7C0C055}"/>
+              </a:ext>
+            </a:extLst>
+          </p:cNvPr>
+          <p:cNvSpPr txBox="1"/>
+          <p:nvPr/>
+        </p:nvSpPr>
+        <p:spPr>
+          <a:xfrm>
+            <a:off x="2746314" y="3290487"/>
+            <a:ext cx="301686" cy="369332"/>
+          </a:xfrm>
+          <a:prstGeom prst="rect">
+            <a:avLst/>
+          </a:prstGeom>
+          <a:noFill/>
+        </p:spPr>
+        <p:txBody>
+          <a:bodyPr wrap="none" rtlCol="0">
+            <a:spAutoFit/>
+          </a:bodyPr>
+          <a:lstStyle/>
+          <a:p>
+            <a:r>
+              <a:rPr lang="en-US" dirty="0"/>
+              <a:t>3</a:t>
+            </a:r>
+          </a:p>
+        </p:txBody>
+      </p:sp>
+      <p:sp>
+        <p:nvSpPr>
+          <p:cNvPr id="27" name="TextBox 26">
+            <a:extLst>
+              <a:ext uri="{FF2B5EF4-FFF2-40B4-BE49-F238E27FC236}">
+                <a16:creationId xmlns:a16="http://schemas.microsoft.com/office/drawing/2014/main" id="{E357C6B6-372C-0A4E-9C68-0864D7E82EEC}"/>
+              </a:ext>
+            </a:extLst>
+          </p:cNvPr>
+          <p:cNvSpPr txBox="1"/>
+          <p:nvPr/>
+        </p:nvSpPr>
+        <p:spPr>
+          <a:xfrm>
+            <a:off x="2746314" y="4242551"/>
+            <a:ext cx="301686" cy="369332"/>
+          </a:xfrm>
+          <a:prstGeom prst="rect">
+            <a:avLst/>
+          </a:prstGeom>
+          <a:noFill/>
+        </p:spPr>
+        <p:txBody>
+          <a:bodyPr wrap="none" rtlCol="0">
+            <a:spAutoFit/>
+          </a:bodyPr>
+          <a:lstStyle/>
+          <a:p>
+            <a:r>
+              <a:rPr lang="en-US" dirty="0"/>
+              <a:t>4</a:t>
+            </a:r>
+          </a:p>
+        </p:txBody>
+      </p:sp>
+      <p:sp>
+        <p:nvSpPr>
+          <p:cNvPr id="28" name="TextBox 27">
+            <a:extLst>
+              <a:ext uri="{FF2B5EF4-FFF2-40B4-BE49-F238E27FC236}">
+                <a16:creationId xmlns:a16="http://schemas.microsoft.com/office/drawing/2014/main" id="{9613BE0E-3289-024E-A2F8-86E6BE75A3CD}"/>
+              </a:ext>
+            </a:extLst>
+          </p:cNvPr>
+          <p:cNvSpPr txBox="1"/>
+          <p:nvPr/>
+        </p:nvSpPr>
+        <p:spPr>
+          <a:xfrm>
+            <a:off x="3506758" y="604463"/>
+            <a:ext cx="529312" cy="369332"/>
+          </a:xfrm>
+          <a:prstGeom prst="rect">
+            <a:avLst/>
+          </a:prstGeom>
+          <a:noFill/>
+        </p:spPr>
+        <p:txBody>
+          <a:bodyPr wrap="none" rtlCol="0">
+            <a:spAutoFit/>
+          </a:bodyPr>
+          <a:lstStyle/>
+          <a:p>
+            <a:r>
+              <a:rPr lang="en-US" dirty="0"/>
+              <a:t>1, 2</a:t>
+            </a:r>
+          </a:p>
+        </p:txBody>
+      </p:sp>
+      <p:sp>
+        <p:nvSpPr>
+          <p:cNvPr id="29" name="TextBox 28">
+            <a:extLst>
+              <a:ext uri="{FF2B5EF4-FFF2-40B4-BE49-F238E27FC236}">
+                <a16:creationId xmlns:a16="http://schemas.microsoft.com/office/drawing/2014/main" id="{E96E6EB9-7BEE-5B43-8725-0B76D020A159}"/>
+              </a:ext>
+            </a:extLst>
+          </p:cNvPr>
+          <p:cNvSpPr txBox="1"/>
+          <p:nvPr/>
+        </p:nvSpPr>
+        <p:spPr>
+          <a:xfrm>
+            <a:off x="3506758" y="1511168"/>
+            <a:ext cx="529312" cy="369332"/>
+          </a:xfrm>
+          <a:prstGeom prst="rect">
+            <a:avLst/>
+          </a:prstGeom>
+          <a:noFill/>
+        </p:spPr>
+        <p:txBody>
+          <a:bodyPr wrap="none" rtlCol="0">
+            <a:spAutoFit/>
+          </a:bodyPr>
+          <a:lstStyle/>
+          <a:p>
+            <a:r>
+              <a:rPr lang="en-US" dirty="0"/>
+              <a:t>1, 3</a:t>
+            </a:r>
+          </a:p>
+        </p:txBody>
+      </p:sp>
+      <p:sp>
+        <p:nvSpPr>
+          <p:cNvPr id="30" name="TextBox 29">
+            <a:extLst>
+              <a:ext uri="{FF2B5EF4-FFF2-40B4-BE49-F238E27FC236}">
+                <a16:creationId xmlns:a16="http://schemas.microsoft.com/office/drawing/2014/main" id="{5977D927-2A88-0143-9B7F-B08CB8523CD9}"/>
+              </a:ext>
+            </a:extLst>
+          </p:cNvPr>
+          <p:cNvSpPr txBox="1"/>
+          <p:nvPr/>
+        </p:nvSpPr>
+        <p:spPr>
+          <a:xfrm>
+            <a:off x="3506758" y="2398667"/>
+            <a:ext cx="529312" cy="369332"/>
+          </a:xfrm>
+          <a:prstGeom prst="rect">
+            <a:avLst/>
+          </a:prstGeom>
+          <a:noFill/>
+        </p:spPr>
+        <p:txBody>
+          <a:bodyPr wrap="none" rtlCol="0">
+            <a:spAutoFit/>
+          </a:bodyPr>
+          <a:lstStyle/>
+          <a:p>
+            <a:r>
+              <a:rPr lang="en-US" dirty="0"/>
+              <a:t>1, 4</a:t>
+            </a:r>
+          </a:p>
+        </p:txBody>
+      </p:sp>
+      <p:sp>
+        <p:nvSpPr>
+          <p:cNvPr id="31" name="TextBox 30">
+            <a:extLst>
+              <a:ext uri="{FF2B5EF4-FFF2-40B4-BE49-F238E27FC236}">
+                <a16:creationId xmlns:a16="http://schemas.microsoft.com/office/drawing/2014/main" id="{DF98A959-92D0-964C-B6DF-56EE633A894C}"/>
+              </a:ext>
+            </a:extLst>
+          </p:cNvPr>
+          <p:cNvSpPr txBox="1"/>
+          <p:nvPr/>
+        </p:nvSpPr>
+        <p:spPr>
+          <a:xfrm>
+            <a:off x="3506758" y="3255962"/>
+            <a:ext cx="529312" cy="369332"/>
+          </a:xfrm>
+          <a:prstGeom prst="rect">
+            <a:avLst/>
+          </a:prstGeom>
+          <a:noFill/>
+        </p:spPr>
+        <p:txBody>
+          <a:bodyPr wrap="none" rtlCol="0">
+            <a:spAutoFit/>
+          </a:bodyPr>
+          <a:lstStyle/>
+          <a:p>
+            <a:r>
+              <a:rPr lang="en-US" dirty="0"/>
+              <a:t>2, 3</a:t>
+            </a:r>
+          </a:p>
+        </p:txBody>
+      </p:sp>
+      <p:sp>
+        <p:nvSpPr>
+          <p:cNvPr id="32" name="TextBox 31">
+            <a:extLst>
+              <a:ext uri="{FF2B5EF4-FFF2-40B4-BE49-F238E27FC236}">
+                <a16:creationId xmlns:a16="http://schemas.microsoft.com/office/drawing/2014/main" id="{9CDE1B08-CEED-A14D-8350-59E8CE2E240B}"/>
+              </a:ext>
+            </a:extLst>
+          </p:cNvPr>
+          <p:cNvSpPr txBox="1"/>
+          <p:nvPr/>
+        </p:nvSpPr>
+        <p:spPr>
+          <a:xfrm>
+            <a:off x="3506758" y="4226162"/>
+            <a:ext cx="529312" cy="369332"/>
+          </a:xfrm>
+          <a:prstGeom prst="rect">
+            <a:avLst/>
+          </a:prstGeom>
+          <a:noFill/>
+        </p:spPr>
+        <p:txBody>
+          <a:bodyPr wrap="none" rtlCol="0">
+            <a:spAutoFit/>
+          </a:bodyPr>
+          <a:lstStyle/>
+          <a:p>
+            <a:r>
+              <a:rPr lang="en-US" dirty="0"/>
+              <a:t>2, 4</a:t>
+            </a:r>
+          </a:p>
+        </p:txBody>
+      </p:sp>
+      <p:sp>
+        <p:nvSpPr>
+          <p:cNvPr id="33" name="TextBox 32">
+            <a:extLst>
+              <a:ext uri="{FF2B5EF4-FFF2-40B4-BE49-F238E27FC236}">
+                <a16:creationId xmlns:a16="http://schemas.microsoft.com/office/drawing/2014/main" id="{86D14C35-A95B-C24E-81EB-10A79CA6A80F}"/>
+              </a:ext>
+            </a:extLst>
+          </p:cNvPr>
+          <p:cNvSpPr txBox="1"/>
+          <p:nvPr/>
+        </p:nvSpPr>
+        <p:spPr>
+          <a:xfrm>
+            <a:off x="3506758" y="5103849"/>
+            <a:ext cx="529312" cy="369332"/>
+          </a:xfrm>
+          <a:prstGeom prst="rect">
+            <a:avLst/>
+          </a:prstGeom>
+          <a:noFill/>
+        </p:spPr>
+        <p:txBody>
+          <a:bodyPr wrap="none" rtlCol="0">
+            <a:spAutoFit/>
+          </a:bodyPr>
+          <a:lstStyle/>
+          <a:p>
+            <a:r>
+              <a:rPr lang="en-US" dirty="0"/>
+              <a:t>3, 4</a:t>
+            </a:r>
+          </a:p>
+        </p:txBody>
+      </p:sp>
+      <p:sp>
+        <p:nvSpPr>
+          <p:cNvPr id="35" name="TextBox 34">
+            <a:extLst>
+              <a:ext uri="{FF2B5EF4-FFF2-40B4-BE49-F238E27FC236}">
+                <a16:creationId xmlns:a16="http://schemas.microsoft.com/office/drawing/2014/main" id="{E05DFA98-E357-3140-BB70-052F475B81CE}"/>
+              </a:ext>
+            </a:extLst>
+          </p:cNvPr>
+          <p:cNvSpPr txBox="1"/>
+          <p:nvPr/>
+        </p:nvSpPr>
+        <p:spPr>
+          <a:xfrm>
+            <a:off x="4358144" y="1511168"/>
+            <a:ext cx="756938" cy="369332"/>
+          </a:xfrm>
+          <a:prstGeom prst="rect">
+            <a:avLst/>
+          </a:prstGeom>
+          <a:noFill/>
+        </p:spPr>
+        <p:txBody>
+          <a:bodyPr wrap="none" rtlCol="0">
+            <a:spAutoFit/>
+          </a:bodyPr>
+          <a:lstStyle/>
+          <a:p>
+            <a:r>
+              <a:rPr lang="en-US" dirty="0"/>
+              <a:t>1, 2, 3</a:t>
+            </a:r>
+          </a:p>
+        </p:txBody>
+      </p:sp>
+      <p:sp>
+        <p:nvSpPr>
+          <p:cNvPr id="36" name="TextBox 35">
+            <a:extLst>
+              <a:ext uri="{FF2B5EF4-FFF2-40B4-BE49-F238E27FC236}">
+                <a16:creationId xmlns:a16="http://schemas.microsoft.com/office/drawing/2014/main" id="{47DB59F9-3441-8846-BC39-8282CFE586F9}"/>
+              </a:ext>
+            </a:extLst>
+          </p:cNvPr>
+          <p:cNvSpPr txBox="1"/>
+          <p:nvPr/>
+        </p:nvSpPr>
+        <p:spPr>
+          <a:xfrm>
+            <a:off x="4358144" y="2386776"/>
+            <a:ext cx="756938" cy="369332"/>
+          </a:xfrm>
+          <a:prstGeom prst="rect">
+            <a:avLst/>
+          </a:prstGeom>
+          <a:noFill/>
+        </p:spPr>
+        <p:txBody>
+          <a:bodyPr wrap="none" rtlCol="0">
+            <a:spAutoFit/>
+          </a:bodyPr>
+          <a:lstStyle/>
+          <a:p>
+            <a:r>
+              <a:rPr lang="en-US" dirty="0"/>
+              <a:t>1, 2, 4</a:t>
+            </a:r>
+          </a:p>
+        </p:txBody>
+      </p:sp>
+      <p:sp>
+        <p:nvSpPr>
+          <p:cNvPr id="37" name="TextBox 36">
+            <a:extLst>
+              <a:ext uri="{FF2B5EF4-FFF2-40B4-BE49-F238E27FC236}">
+                <a16:creationId xmlns:a16="http://schemas.microsoft.com/office/drawing/2014/main" id="{BB0B1B24-8517-F04A-825F-86A2E6ADCED7}"/>
+              </a:ext>
+            </a:extLst>
+          </p:cNvPr>
+          <p:cNvSpPr txBox="1"/>
+          <p:nvPr/>
+        </p:nvSpPr>
+        <p:spPr>
+          <a:xfrm>
+            <a:off x="4358144" y="3295305"/>
+            <a:ext cx="756938" cy="369332"/>
+          </a:xfrm>
+          <a:prstGeom prst="rect">
+            <a:avLst/>
+          </a:prstGeom>
+          <a:noFill/>
+        </p:spPr>
+        <p:txBody>
+          <a:bodyPr wrap="none" rtlCol="0">
+            <a:spAutoFit/>
+          </a:bodyPr>
+          <a:lstStyle/>
+          <a:p>
+            <a:r>
+              <a:rPr lang="en-US" dirty="0"/>
+              <a:t>1, 3, 4</a:t>
+            </a:r>
+          </a:p>
+        </p:txBody>
+      </p:sp>
+      <p:sp>
+        <p:nvSpPr>
+          <p:cNvPr id="38" name="TextBox 37">
+            <a:extLst>
+              <a:ext uri="{FF2B5EF4-FFF2-40B4-BE49-F238E27FC236}">
+                <a16:creationId xmlns:a16="http://schemas.microsoft.com/office/drawing/2014/main" id="{5220E8DE-4E34-EC4D-B630-0AC4ECC5B4F3}"/>
+              </a:ext>
+            </a:extLst>
+          </p:cNvPr>
+          <p:cNvSpPr txBox="1"/>
+          <p:nvPr/>
+        </p:nvSpPr>
+        <p:spPr>
+          <a:xfrm>
+            <a:off x="4338674" y="4247509"/>
+            <a:ext cx="756938" cy="369332"/>
+          </a:xfrm>
+          <a:prstGeom prst="rect">
+            <a:avLst/>
+          </a:prstGeom>
+          <a:noFill/>
+        </p:spPr>
+        <p:txBody>
+          <a:bodyPr wrap="none" rtlCol="0">
+            <a:spAutoFit/>
+          </a:bodyPr>
+          <a:lstStyle/>
+          <a:p>
+            <a:r>
+              <a:rPr lang="en-US" dirty="0"/>
+              <a:t>2, 3, 4</a:t>
+            </a:r>
+          </a:p>
+        </p:txBody>
+      </p:sp>
+      <p:sp>
+        <p:nvSpPr>
+          <p:cNvPr id="39" name="TextBox 38">
+            <a:extLst>
+              <a:ext uri="{FF2B5EF4-FFF2-40B4-BE49-F238E27FC236}">
+                <a16:creationId xmlns:a16="http://schemas.microsoft.com/office/drawing/2014/main" id="{84789C5B-1021-8F45-9A04-778C2615A6B6}"/>
+              </a:ext>
+            </a:extLst>
+          </p:cNvPr>
+          <p:cNvSpPr txBox="1"/>
+          <p:nvPr/>
+        </p:nvSpPr>
+        <p:spPr>
+          <a:xfrm>
+            <a:off x="5115082" y="3027822"/>
+            <a:ext cx="984565" cy="369332"/>
+          </a:xfrm>
+          <a:prstGeom prst="rect">
+            <a:avLst/>
+          </a:prstGeom>
+          <a:noFill/>
+        </p:spPr>
+        <p:txBody>
+          <a:bodyPr wrap="none" rtlCol="0">
+            <a:spAutoFit/>
+          </a:bodyPr>
+          <a:lstStyle/>
+          <a:p>
+            <a:r>
+              <a:rPr lang="en-US" dirty="0"/>
+              <a:t>1, 2, 3, 4</a:t>
+            </a:r>
+          </a:p>
+        </p:txBody>
+      </p:sp>
+      <p:cxnSp>
+        <p:nvCxnSpPr>
+          <p:cNvPr id="40" name="Straight Arrow Connector 39">
+            <a:extLst>
+              <a:ext uri="{FF2B5EF4-FFF2-40B4-BE49-F238E27FC236}">
+                <a16:creationId xmlns:a16="http://schemas.microsoft.com/office/drawing/2014/main" id="{23EF7CC6-D0D4-CD46-88BA-33CE28F39857}"/>
+              </a:ext>
+            </a:extLst>
+          </p:cNvPr>
+          <p:cNvCxnSpPr>
+            <a:cxnSpLocks/>
+          </p:cNvCxnSpPr>
+          <p:nvPr/>
+        </p:nvCxnSpPr>
+        <p:spPr>
+          <a:xfrm flipV="1">
+            <a:off x="2090057" y="2318008"/>
+            <a:ext cx="718457" cy="326202"/>
           </a:xfrm>
           <a:prstGeom prst="straightConnector1">
             <a:avLst/>
@@ -5175,10 +10370,10 @@
       </p:cxnSp>
       <p:cxnSp>
         <p:nvCxnSpPr>
-          <p:cNvPr id="26" name="Straight Arrow Connector 25">
-            <a:extLst>
-              <a:ext uri="{FF2B5EF4-FFF2-40B4-BE49-F238E27FC236}">
-                <a16:creationId xmlns:a16="http://schemas.microsoft.com/office/drawing/2014/main" id="{564CDC59-448B-7844-97AE-6AC4F32E4215}"/>
+          <p:cNvPr id="41" name="Straight Arrow Connector 40">
+            <a:extLst>
+              <a:ext uri="{FF2B5EF4-FFF2-40B4-BE49-F238E27FC236}">
+                <a16:creationId xmlns:a16="http://schemas.microsoft.com/office/drawing/2014/main" id="{67A4298A-3B91-FD41-88BB-E69C547CCA53}"/>
               </a:ext>
             </a:extLst>
           </p:cNvPr>
@@ -5188,9 +10383,9 @@
           <p:nvPr/>
         </p:nvCxnSpPr>
         <p:spPr>
-          <a:xfrm flipV="1">
-            <a:off x="3953057" y="1451446"/>
-            <a:ext cx="669743" cy="764526"/>
+          <a:xfrm>
+            <a:off x="3048000" y="2313769"/>
+            <a:ext cx="667657" cy="737212"/>
           </a:xfrm>
           <a:prstGeom prst="straightConnector1">
             <a:avLst/>
@@ -5216,10 +10411,10 @@
       </p:cxnSp>
       <p:cxnSp>
         <p:nvCxnSpPr>
-          <p:cNvPr id="28" name="Straight Arrow Connector 27">
-            <a:extLst>
-              <a:ext uri="{FF2B5EF4-FFF2-40B4-BE49-F238E27FC236}">
-                <a16:creationId xmlns:a16="http://schemas.microsoft.com/office/drawing/2014/main" id="{2044DF51-FA0C-DC43-9748-4ACAB2866929}"/>
+          <p:cNvPr id="44" name="Straight Arrow Connector 43">
+            <a:extLst>
+              <a:ext uri="{FF2B5EF4-FFF2-40B4-BE49-F238E27FC236}">
+                <a16:creationId xmlns:a16="http://schemas.microsoft.com/office/drawing/2014/main" id="{3D9750D7-1362-C645-9092-DE054CFD0381}"/>
               </a:ext>
             </a:extLst>
           </p:cNvPr>
@@ -5230,8 +10425,8 @@
         </p:nvCxnSpPr>
         <p:spPr>
           <a:xfrm>
-            <a:off x="4860200" y="1336533"/>
-            <a:ext cx="560886" cy="1307677"/>
+            <a:off x="3938559" y="3219547"/>
+            <a:ext cx="667657" cy="737212"/>
           </a:xfrm>
           <a:prstGeom prst="straightConnector1">
             <a:avLst/>
@@ -5255,12 +10450,804 @@
           </a:fontRef>
         </p:style>
       </p:cxnSp>
+    </p:spTree>
+    <p:extLst>
+      <p:ext uri="{BB962C8B-B14F-4D97-AF65-F5344CB8AC3E}">
+        <p14:creationId xmlns:p14="http://schemas.microsoft.com/office/powerpoint/2010/main" val="3832341787"/>
+      </p:ext>
+    </p:extLst>
+  </p:cSld>
+  <p:clrMapOvr>
+    <a:masterClrMapping/>
+  </p:clrMapOvr>
+</p:sld>
+</file>
+
+<file path=ppt/slides/slide7.xml><?xml version="1.0" encoding="utf-8"?>
+<p:sld xmlns:a="http://schemas.openxmlformats.org/drawingml/2006/main" xmlns:r="http://schemas.openxmlformats.org/officeDocument/2006/relationships" xmlns:p="http://schemas.openxmlformats.org/presentationml/2006/main">
+  <p:cSld>
+    <p:spTree>
+      <p:nvGrpSpPr>
+        <p:cNvPr id="1" name=""/>
+        <p:cNvGrpSpPr/>
+        <p:nvPr/>
+      </p:nvGrpSpPr>
+      <p:grpSpPr>
+        <a:xfrm>
+          <a:off x="0" y="0"/>
+          <a:ext cx="0" cy="0"/>
+          <a:chOff x="0" y="0"/>
+          <a:chExt cx="0" cy="0"/>
+        </a:xfrm>
+      </p:grpSpPr>
+      <p:sp>
+        <p:nvSpPr>
+          <p:cNvPr id="4" name="Oval 3">
+            <a:extLst>
+              <a:ext uri="{FF2B5EF4-FFF2-40B4-BE49-F238E27FC236}">
+                <a16:creationId xmlns:a16="http://schemas.microsoft.com/office/drawing/2014/main" id="{9F2E6200-F5CF-6E42-B2D1-421514B39192}"/>
+              </a:ext>
+            </a:extLst>
+          </p:cNvPr>
+          <p:cNvSpPr/>
+          <p:nvPr/>
+        </p:nvSpPr>
+        <p:spPr>
+          <a:xfrm>
+            <a:off x="1901371" y="2644210"/>
+            <a:ext cx="188686" cy="188685"/>
+          </a:xfrm>
+          <a:prstGeom prst="ellipse">
+            <a:avLst/>
+          </a:prstGeom>
+          <a:solidFill>
+            <a:schemeClr val="accent2"/>
+          </a:solidFill>
+        </p:spPr>
+        <p:style>
+          <a:lnRef idx="2">
+            <a:schemeClr val="accent1">
+              <a:shade val="50000"/>
+            </a:schemeClr>
+          </a:lnRef>
+          <a:fillRef idx="1">
+            <a:schemeClr val="accent1"/>
+          </a:fillRef>
+          <a:effectRef idx="0">
+            <a:schemeClr val="accent1"/>
+          </a:effectRef>
+          <a:fontRef idx="minor">
+            <a:schemeClr val="lt1"/>
+          </a:fontRef>
+        </p:style>
+        <p:txBody>
+          <a:bodyPr rtlCol="0" anchor="ctr"/>
+          <a:lstStyle/>
+          <a:p>
+            <a:pPr algn="ctr"/>
+            <a:endParaRPr lang="en-US"/>
+          </a:p>
+        </p:txBody>
+      </p:sp>
+      <p:sp>
+        <p:nvSpPr>
+          <p:cNvPr id="5" name="Oval 4">
+            <a:extLst>
+              <a:ext uri="{FF2B5EF4-FFF2-40B4-BE49-F238E27FC236}">
+                <a16:creationId xmlns:a16="http://schemas.microsoft.com/office/drawing/2014/main" id="{4D48FAF7-A436-3944-9E8C-8C2F4128E2F8}"/>
+              </a:ext>
+            </a:extLst>
+          </p:cNvPr>
+          <p:cNvSpPr/>
+          <p:nvPr/>
+        </p:nvSpPr>
+        <p:spPr>
+          <a:xfrm>
+            <a:off x="2808514" y="3960361"/>
+            <a:ext cx="188686" cy="188685"/>
+          </a:xfrm>
+          <a:prstGeom prst="ellipse">
+            <a:avLst/>
+          </a:prstGeom>
+        </p:spPr>
+        <p:style>
+          <a:lnRef idx="2">
+            <a:schemeClr val="accent1">
+              <a:shade val="50000"/>
+            </a:schemeClr>
+          </a:lnRef>
+          <a:fillRef idx="1">
+            <a:schemeClr val="accent1"/>
+          </a:fillRef>
+          <a:effectRef idx="0">
+            <a:schemeClr val="accent1"/>
+          </a:effectRef>
+          <a:fontRef idx="minor">
+            <a:schemeClr val="lt1"/>
+          </a:fontRef>
+        </p:style>
+        <p:txBody>
+          <a:bodyPr rtlCol="0" anchor="ctr"/>
+          <a:lstStyle/>
+          <a:p>
+            <a:pPr algn="ctr"/>
+            <a:endParaRPr lang="en-US"/>
+          </a:p>
+        </p:txBody>
+      </p:sp>
+      <p:sp>
+        <p:nvSpPr>
+          <p:cNvPr id="6" name="Oval 5">
+            <a:extLst>
+              <a:ext uri="{FF2B5EF4-FFF2-40B4-BE49-F238E27FC236}">
+                <a16:creationId xmlns:a16="http://schemas.microsoft.com/office/drawing/2014/main" id="{0543B7DE-038E-6E40-AD92-197F055AD6A9}"/>
+              </a:ext>
+            </a:extLst>
+          </p:cNvPr>
+          <p:cNvSpPr/>
+          <p:nvPr/>
+        </p:nvSpPr>
+        <p:spPr>
+          <a:xfrm>
+            <a:off x="2808514" y="3050981"/>
+            <a:ext cx="188686" cy="188685"/>
+          </a:xfrm>
+          <a:prstGeom prst="ellipse">
+            <a:avLst/>
+          </a:prstGeom>
+        </p:spPr>
+        <p:style>
+          <a:lnRef idx="2">
+            <a:schemeClr val="accent1">
+              <a:shade val="50000"/>
+            </a:schemeClr>
+          </a:lnRef>
+          <a:fillRef idx="1">
+            <a:schemeClr val="accent1"/>
+          </a:fillRef>
+          <a:effectRef idx="0">
+            <a:schemeClr val="accent1"/>
+          </a:effectRef>
+          <a:fontRef idx="minor">
+            <a:schemeClr val="lt1"/>
+          </a:fontRef>
+        </p:style>
+        <p:txBody>
+          <a:bodyPr rtlCol="0" anchor="ctr"/>
+          <a:lstStyle/>
+          <a:p>
+            <a:pPr algn="ctr"/>
+            <a:endParaRPr lang="en-US"/>
+          </a:p>
+        </p:txBody>
+      </p:sp>
+      <p:sp>
+        <p:nvSpPr>
+          <p:cNvPr id="7" name="Oval 6">
+            <a:extLst>
+              <a:ext uri="{FF2B5EF4-FFF2-40B4-BE49-F238E27FC236}">
+                <a16:creationId xmlns:a16="http://schemas.microsoft.com/office/drawing/2014/main" id="{2C76E0C7-DA47-454B-8A10-2E82455F627E}"/>
+              </a:ext>
+            </a:extLst>
+          </p:cNvPr>
+          <p:cNvSpPr/>
+          <p:nvPr/>
+        </p:nvSpPr>
+        <p:spPr>
+          <a:xfrm>
+            <a:off x="2808514" y="2129323"/>
+            <a:ext cx="188686" cy="188685"/>
+          </a:xfrm>
+          <a:prstGeom prst="ellipse">
+            <a:avLst/>
+          </a:prstGeom>
+          <a:solidFill>
+            <a:schemeClr val="accent2"/>
+          </a:solidFill>
+        </p:spPr>
+        <p:style>
+          <a:lnRef idx="2">
+            <a:schemeClr val="accent1">
+              <a:shade val="50000"/>
+            </a:schemeClr>
+          </a:lnRef>
+          <a:fillRef idx="1">
+            <a:schemeClr val="accent1"/>
+          </a:fillRef>
+          <a:effectRef idx="0">
+            <a:schemeClr val="accent1"/>
+          </a:effectRef>
+          <a:fontRef idx="minor">
+            <a:schemeClr val="lt1"/>
+          </a:fontRef>
+        </p:style>
+        <p:txBody>
+          <a:bodyPr rtlCol="0" anchor="ctr"/>
+          <a:lstStyle/>
+          <a:p>
+            <a:pPr algn="ctr"/>
+            <a:endParaRPr lang="en-US"/>
+          </a:p>
+        </p:txBody>
+      </p:sp>
+      <p:sp>
+        <p:nvSpPr>
+          <p:cNvPr id="10" name="Oval 9">
+            <a:extLst>
+              <a:ext uri="{FF2B5EF4-FFF2-40B4-BE49-F238E27FC236}">
+                <a16:creationId xmlns:a16="http://schemas.microsoft.com/office/drawing/2014/main" id="{C2759916-CB85-1C43-B3A1-F0072DA044AE}"/>
+              </a:ext>
+            </a:extLst>
+          </p:cNvPr>
+          <p:cNvSpPr/>
+          <p:nvPr/>
+        </p:nvSpPr>
+        <p:spPr>
+          <a:xfrm>
+            <a:off x="3715657" y="4864897"/>
+            <a:ext cx="188686" cy="188685"/>
+          </a:xfrm>
+          <a:prstGeom prst="ellipse">
+            <a:avLst/>
+          </a:prstGeom>
+          <a:noFill/>
+        </p:spPr>
+        <p:style>
+          <a:lnRef idx="2">
+            <a:schemeClr val="accent1">
+              <a:shade val="50000"/>
+            </a:schemeClr>
+          </a:lnRef>
+          <a:fillRef idx="1">
+            <a:schemeClr val="accent1"/>
+          </a:fillRef>
+          <a:effectRef idx="0">
+            <a:schemeClr val="accent1"/>
+          </a:effectRef>
+          <a:fontRef idx="minor">
+            <a:schemeClr val="lt1"/>
+          </a:fontRef>
+        </p:style>
+        <p:txBody>
+          <a:bodyPr rtlCol="0" anchor="ctr"/>
+          <a:lstStyle/>
+          <a:p>
+            <a:pPr algn="ctr"/>
+            <a:endParaRPr lang="en-US"/>
+          </a:p>
+        </p:txBody>
+      </p:sp>
+      <p:sp>
+        <p:nvSpPr>
+          <p:cNvPr id="11" name="Oval 10">
+            <a:extLst>
+              <a:ext uri="{FF2B5EF4-FFF2-40B4-BE49-F238E27FC236}">
+                <a16:creationId xmlns:a16="http://schemas.microsoft.com/office/drawing/2014/main" id="{CBFF0B1F-1B25-6041-B968-1B305C713F63}"/>
+              </a:ext>
+            </a:extLst>
+          </p:cNvPr>
+          <p:cNvSpPr/>
+          <p:nvPr/>
+        </p:nvSpPr>
+        <p:spPr>
+          <a:xfrm>
+            <a:off x="3715657" y="3943240"/>
+            <a:ext cx="188686" cy="188685"/>
+          </a:xfrm>
+          <a:prstGeom prst="ellipse">
+            <a:avLst/>
+          </a:prstGeom>
+          <a:solidFill>
+            <a:schemeClr val="accent1"/>
+          </a:solidFill>
+        </p:spPr>
+        <p:style>
+          <a:lnRef idx="2">
+            <a:schemeClr val="accent1">
+              <a:shade val="50000"/>
+            </a:schemeClr>
+          </a:lnRef>
+          <a:fillRef idx="1">
+            <a:schemeClr val="accent1"/>
+          </a:fillRef>
+          <a:effectRef idx="0">
+            <a:schemeClr val="accent1"/>
+          </a:effectRef>
+          <a:fontRef idx="minor">
+            <a:schemeClr val="lt1"/>
+          </a:fontRef>
+        </p:style>
+        <p:txBody>
+          <a:bodyPr rtlCol="0" anchor="ctr"/>
+          <a:lstStyle/>
+          <a:p>
+            <a:pPr algn="ctr"/>
+            <a:endParaRPr lang="en-US"/>
+          </a:p>
+        </p:txBody>
+      </p:sp>
+      <p:sp>
+        <p:nvSpPr>
+          <p:cNvPr id="12" name="Oval 11">
+            <a:extLst>
+              <a:ext uri="{FF2B5EF4-FFF2-40B4-BE49-F238E27FC236}">
+                <a16:creationId xmlns:a16="http://schemas.microsoft.com/office/drawing/2014/main" id="{8B620498-F09B-2045-A4DA-07A5D28CF8BD}"/>
+              </a:ext>
+            </a:extLst>
+          </p:cNvPr>
+          <p:cNvSpPr/>
+          <p:nvPr/>
+        </p:nvSpPr>
+        <p:spPr>
+          <a:xfrm>
+            <a:off x="3715657" y="3021583"/>
+            <a:ext cx="188686" cy="188685"/>
+          </a:xfrm>
+          <a:prstGeom prst="ellipse">
+            <a:avLst/>
+          </a:prstGeom>
+          <a:solidFill>
+            <a:schemeClr val="accent2"/>
+          </a:solidFill>
+        </p:spPr>
+        <p:style>
+          <a:lnRef idx="2">
+            <a:schemeClr val="accent1">
+              <a:shade val="50000"/>
+            </a:schemeClr>
+          </a:lnRef>
+          <a:fillRef idx="1">
+            <a:schemeClr val="accent1"/>
+          </a:fillRef>
+          <a:effectRef idx="0">
+            <a:schemeClr val="accent1"/>
+          </a:effectRef>
+          <a:fontRef idx="minor">
+            <a:schemeClr val="lt1"/>
+          </a:fontRef>
+        </p:style>
+        <p:txBody>
+          <a:bodyPr rtlCol="0" anchor="ctr"/>
+          <a:lstStyle/>
+          <a:p>
+            <a:pPr algn="ctr"/>
+            <a:endParaRPr lang="en-US"/>
+          </a:p>
+        </p:txBody>
+      </p:sp>
+      <p:sp>
+        <p:nvSpPr>
+          <p:cNvPr id="15" name="Oval 14">
+            <a:extLst>
+              <a:ext uri="{FF2B5EF4-FFF2-40B4-BE49-F238E27FC236}">
+                <a16:creationId xmlns:a16="http://schemas.microsoft.com/office/drawing/2014/main" id="{B0FE5E1A-DD30-3D45-AF8A-309F12D0E00B}"/>
+              </a:ext>
+            </a:extLst>
+          </p:cNvPr>
+          <p:cNvSpPr/>
+          <p:nvPr/>
+        </p:nvSpPr>
+        <p:spPr>
+          <a:xfrm>
+            <a:off x="2808514" y="1237064"/>
+            <a:ext cx="188686" cy="188685"/>
+          </a:xfrm>
+          <a:prstGeom prst="ellipse">
+            <a:avLst/>
+          </a:prstGeom>
+          <a:solidFill>
+            <a:schemeClr val="accent1"/>
+          </a:solidFill>
+        </p:spPr>
+        <p:style>
+          <a:lnRef idx="2">
+            <a:schemeClr val="accent1">
+              <a:shade val="50000"/>
+            </a:schemeClr>
+          </a:lnRef>
+          <a:fillRef idx="1">
+            <a:schemeClr val="accent1"/>
+          </a:fillRef>
+          <a:effectRef idx="0">
+            <a:schemeClr val="accent1"/>
+          </a:effectRef>
+          <a:fontRef idx="minor">
+            <a:schemeClr val="lt1"/>
+          </a:fontRef>
+        </p:style>
+        <p:txBody>
+          <a:bodyPr rtlCol="0" anchor="ctr"/>
+          <a:lstStyle/>
+          <a:p>
+            <a:pPr algn="ctr"/>
+            <a:endParaRPr lang="en-US"/>
+          </a:p>
+        </p:txBody>
+      </p:sp>
+      <p:sp>
+        <p:nvSpPr>
+          <p:cNvPr id="16" name="Oval 15">
+            <a:extLst>
+              <a:ext uri="{FF2B5EF4-FFF2-40B4-BE49-F238E27FC236}">
+                <a16:creationId xmlns:a16="http://schemas.microsoft.com/office/drawing/2014/main" id="{5A053BF6-4E4D-5B4E-88BB-38ECA8DB51D3}"/>
+              </a:ext>
+            </a:extLst>
+          </p:cNvPr>
+          <p:cNvSpPr/>
+          <p:nvPr/>
+        </p:nvSpPr>
+        <p:spPr>
+          <a:xfrm>
+            <a:off x="3715657" y="2158721"/>
+            <a:ext cx="188686" cy="188685"/>
+          </a:xfrm>
+          <a:prstGeom prst="ellipse">
+            <a:avLst/>
+          </a:prstGeom>
+          <a:noFill/>
+        </p:spPr>
+        <p:style>
+          <a:lnRef idx="2">
+            <a:schemeClr val="accent1">
+              <a:shade val="50000"/>
+            </a:schemeClr>
+          </a:lnRef>
+          <a:fillRef idx="1">
+            <a:schemeClr val="accent1"/>
+          </a:fillRef>
+          <a:effectRef idx="0">
+            <a:schemeClr val="accent1"/>
+          </a:effectRef>
+          <a:fontRef idx="minor">
+            <a:schemeClr val="lt1"/>
+          </a:fontRef>
+        </p:style>
+        <p:txBody>
+          <a:bodyPr rtlCol="0" anchor="ctr"/>
+          <a:lstStyle/>
+          <a:p>
+            <a:pPr algn="ctr"/>
+            <a:endParaRPr lang="en-US"/>
+          </a:p>
+        </p:txBody>
+      </p:sp>
+      <p:sp>
+        <p:nvSpPr>
+          <p:cNvPr id="17" name="Oval 16">
+            <a:extLst>
+              <a:ext uri="{FF2B5EF4-FFF2-40B4-BE49-F238E27FC236}">
+                <a16:creationId xmlns:a16="http://schemas.microsoft.com/office/drawing/2014/main" id="{456F1AD3-B265-164B-A0AA-55089F7D54A8}"/>
+              </a:ext>
+            </a:extLst>
+          </p:cNvPr>
+          <p:cNvSpPr/>
+          <p:nvPr/>
+        </p:nvSpPr>
+        <p:spPr>
+          <a:xfrm>
+            <a:off x="3715657" y="1237064"/>
+            <a:ext cx="188686" cy="188685"/>
+          </a:xfrm>
+          <a:prstGeom prst="ellipse">
+            <a:avLst/>
+          </a:prstGeom>
+          <a:noFill/>
+        </p:spPr>
+        <p:style>
+          <a:lnRef idx="2">
+            <a:schemeClr val="accent1">
+              <a:shade val="50000"/>
+            </a:schemeClr>
+          </a:lnRef>
+          <a:fillRef idx="1">
+            <a:schemeClr val="accent1"/>
+          </a:fillRef>
+          <a:effectRef idx="0">
+            <a:schemeClr val="accent1"/>
+          </a:effectRef>
+          <a:fontRef idx="minor">
+            <a:schemeClr val="lt1"/>
+          </a:fontRef>
+        </p:style>
+        <p:txBody>
+          <a:bodyPr rtlCol="0" anchor="ctr"/>
+          <a:lstStyle/>
+          <a:p>
+            <a:pPr algn="ctr"/>
+            <a:endParaRPr lang="en-US"/>
+          </a:p>
+        </p:txBody>
+      </p:sp>
+      <p:sp>
+        <p:nvSpPr>
+          <p:cNvPr id="18" name="Oval 17">
+            <a:extLst>
+              <a:ext uri="{FF2B5EF4-FFF2-40B4-BE49-F238E27FC236}">
+                <a16:creationId xmlns:a16="http://schemas.microsoft.com/office/drawing/2014/main" id="{99F162CE-0B20-A946-A1FC-EA3ADD8F14EA}"/>
+              </a:ext>
+            </a:extLst>
+          </p:cNvPr>
+          <p:cNvSpPr/>
+          <p:nvPr/>
+        </p:nvSpPr>
+        <p:spPr>
+          <a:xfrm>
+            <a:off x="3715657" y="315407"/>
+            <a:ext cx="188686" cy="188685"/>
+          </a:xfrm>
+          <a:prstGeom prst="ellipse">
+            <a:avLst/>
+          </a:prstGeom>
+        </p:spPr>
+        <p:style>
+          <a:lnRef idx="2">
+            <a:schemeClr val="accent1">
+              <a:shade val="50000"/>
+            </a:schemeClr>
+          </a:lnRef>
+          <a:fillRef idx="1">
+            <a:schemeClr val="accent1"/>
+          </a:fillRef>
+          <a:effectRef idx="0">
+            <a:schemeClr val="accent1"/>
+          </a:effectRef>
+          <a:fontRef idx="minor">
+            <a:schemeClr val="lt1"/>
+          </a:fontRef>
+        </p:style>
+        <p:txBody>
+          <a:bodyPr rtlCol="0" anchor="ctr"/>
+          <a:lstStyle/>
+          <a:p>
+            <a:pPr algn="ctr"/>
+            <a:endParaRPr lang="en-US"/>
+          </a:p>
+        </p:txBody>
+      </p:sp>
+      <p:sp>
+        <p:nvSpPr>
+          <p:cNvPr id="19" name="Oval 18">
+            <a:extLst>
+              <a:ext uri="{FF2B5EF4-FFF2-40B4-BE49-F238E27FC236}">
+                <a16:creationId xmlns:a16="http://schemas.microsoft.com/office/drawing/2014/main" id="{DA4CD70C-9F04-F044-9E07-203EB38F280A}"/>
+              </a:ext>
+            </a:extLst>
+          </p:cNvPr>
+          <p:cNvSpPr/>
+          <p:nvPr/>
+        </p:nvSpPr>
+        <p:spPr>
+          <a:xfrm>
+            <a:off x="4622800" y="3960361"/>
+            <a:ext cx="188686" cy="188685"/>
+          </a:xfrm>
+          <a:prstGeom prst="ellipse">
+            <a:avLst/>
+          </a:prstGeom>
+          <a:solidFill>
+            <a:schemeClr val="accent2"/>
+          </a:solidFill>
+        </p:spPr>
+        <p:style>
+          <a:lnRef idx="2">
+            <a:schemeClr val="accent1">
+              <a:shade val="50000"/>
+            </a:schemeClr>
+          </a:lnRef>
+          <a:fillRef idx="1">
+            <a:schemeClr val="accent1"/>
+          </a:fillRef>
+          <a:effectRef idx="0">
+            <a:schemeClr val="accent1"/>
+          </a:effectRef>
+          <a:fontRef idx="minor">
+            <a:schemeClr val="lt1"/>
+          </a:fontRef>
+        </p:style>
+        <p:txBody>
+          <a:bodyPr rtlCol="0" anchor="ctr"/>
+          <a:lstStyle/>
+          <a:p>
+            <a:pPr algn="ctr"/>
+            <a:endParaRPr lang="en-US"/>
+          </a:p>
+        </p:txBody>
+      </p:sp>
+      <p:sp>
+        <p:nvSpPr>
+          <p:cNvPr id="20" name="Oval 19">
+            <a:extLst>
+              <a:ext uri="{FF2B5EF4-FFF2-40B4-BE49-F238E27FC236}">
+                <a16:creationId xmlns:a16="http://schemas.microsoft.com/office/drawing/2014/main" id="{8F11403C-24E9-BD48-819A-10BF080BB39D}"/>
+              </a:ext>
+            </a:extLst>
+          </p:cNvPr>
+          <p:cNvSpPr/>
+          <p:nvPr/>
+        </p:nvSpPr>
+        <p:spPr>
+          <a:xfrm>
+            <a:off x="4622800" y="3050981"/>
+            <a:ext cx="188686" cy="188685"/>
+          </a:xfrm>
+          <a:prstGeom prst="ellipse">
+            <a:avLst/>
+          </a:prstGeom>
+          <a:noFill/>
+        </p:spPr>
+        <p:style>
+          <a:lnRef idx="2">
+            <a:schemeClr val="accent1">
+              <a:shade val="50000"/>
+            </a:schemeClr>
+          </a:lnRef>
+          <a:fillRef idx="1">
+            <a:schemeClr val="accent1"/>
+          </a:fillRef>
+          <a:effectRef idx="0">
+            <a:schemeClr val="accent1"/>
+          </a:effectRef>
+          <a:fontRef idx="minor">
+            <a:schemeClr val="lt1"/>
+          </a:fontRef>
+        </p:style>
+        <p:txBody>
+          <a:bodyPr rtlCol="0" anchor="ctr"/>
+          <a:lstStyle/>
+          <a:p>
+            <a:pPr algn="ctr"/>
+            <a:endParaRPr lang="en-US"/>
+          </a:p>
+        </p:txBody>
+      </p:sp>
+      <p:sp>
+        <p:nvSpPr>
+          <p:cNvPr id="21" name="Oval 20">
+            <a:extLst>
+              <a:ext uri="{FF2B5EF4-FFF2-40B4-BE49-F238E27FC236}">
+                <a16:creationId xmlns:a16="http://schemas.microsoft.com/office/drawing/2014/main" id="{7BB41E08-3843-C643-8C2B-81782FBB7228}"/>
+              </a:ext>
+            </a:extLst>
+          </p:cNvPr>
+          <p:cNvSpPr/>
+          <p:nvPr/>
+        </p:nvSpPr>
+        <p:spPr>
+          <a:xfrm>
+            <a:off x="4622800" y="2129323"/>
+            <a:ext cx="188686" cy="188685"/>
+          </a:xfrm>
+          <a:prstGeom prst="ellipse">
+            <a:avLst/>
+          </a:prstGeom>
+          <a:noFill/>
+        </p:spPr>
+        <p:style>
+          <a:lnRef idx="2">
+            <a:schemeClr val="accent1">
+              <a:shade val="50000"/>
+            </a:schemeClr>
+          </a:lnRef>
+          <a:fillRef idx="1">
+            <a:schemeClr val="accent1"/>
+          </a:fillRef>
+          <a:effectRef idx="0">
+            <a:schemeClr val="accent1"/>
+          </a:effectRef>
+          <a:fontRef idx="minor">
+            <a:schemeClr val="lt1"/>
+          </a:fontRef>
+        </p:style>
+        <p:txBody>
+          <a:bodyPr rtlCol="0" anchor="ctr"/>
+          <a:lstStyle/>
+          <a:p>
+            <a:pPr algn="ctr"/>
+            <a:endParaRPr lang="en-US"/>
+          </a:p>
+        </p:txBody>
+      </p:sp>
+      <p:sp>
+        <p:nvSpPr>
+          <p:cNvPr id="22" name="Oval 21">
+            <a:extLst>
+              <a:ext uri="{FF2B5EF4-FFF2-40B4-BE49-F238E27FC236}">
+                <a16:creationId xmlns:a16="http://schemas.microsoft.com/office/drawing/2014/main" id="{E8ACE6D9-6F3D-E641-A735-004324B00C3D}"/>
+              </a:ext>
+            </a:extLst>
+          </p:cNvPr>
+          <p:cNvSpPr/>
+          <p:nvPr/>
+        </p:nvSpPr>
+        <p:spPr>
+          <a:xfrm>
+            <a:off x="4622800" y="1237064"/>
+            <a:ext cx="188686" cy="188685"/>
+          </a:xfrm>
+          <a:prstGeom prst="ellipse">
+            <a:avLst/>
+          </a:prstGeom>
+        </p:spPr>
+        <p:style>
+          <a:lnRef idx="2">
+            <a:schemeClr val="accent1">
+              <a:shade val="50000"/>
+            </a:schemeClr>
+          </a:lnRef>
+          <a:fillRef idx="1">
+            <a:schemeClr val="accent1"/>
+          </a:fillRef>
+          <a:effectRef idx="0">
+            <a:schemeClr val="accent1"/>
+          </a:effectRef>
+          <a:fontRef idx="minor">
+            <a:schemeClr val="lt1"/>
+          </a:fontRef>
+        </p:style>
+        <p:txBody>
+          <a:bodyPr rtlCol="0" anchor="ctr"/>
+          <a:lstStyle/>
+          <a:p>
+            <a:pPr algn="ctr"/>
+            <a:endParaRPr lang="en-US"/>
+          </a:p>
+        </p:txBody>
+      </p:sp>
+      <p:sp>
+        <p:nvSpPr>
+          <p:cNvPr id="23" name="Oval 22">
+            <a:extLst>
+              <a:ext uri="{FF2B5EF4-FFF2-40B4-BE49-F238E27FC236}">
+                <a16:creationId xmlns:a16="http://schemas.microsoft.com/office/drawing/2014/main" id="{465E04CE-D285-064F-B173-DC265840801F}"/>
+              </a:ext>
+            </a:extLst>
+          </p:cNvPr>
+          <p:cNvSpPr/>
+          <p:nvPr/>
+        </p:nvSpPr>
+        <p:spPr>
+          <a:xfrm>
+            <a:off x="5421086" y="2683101"/>
+            <a:ext cx="188686" cy="188685"/>
+          </a:xfrm>
+          <a:prstGeom prst="ellipse">
+            <a:avLst/>
+          </a:prstGeom>
+          <a:solidFill>
+            <a:schemeClr val="accent2"/>
+          </a:solidFill>
+        </p:spPr>
+        <p:style>
+          <a:lnRef idx="2">
+            <a:schemeClr val="accent1">
+              <a:shade val="50000"/>
+            </a:schemeClr>
+          </a:lnRef>
+          <a:fillRef idx="1">
+            <a:schemeClr val="accent1"/>
+          </a:fillRef>
+          <a:effectRef idx="0">
+            <a:schemeClr val="accent1"/>
+          </a:effectRef>
+          <a:fontRef idx="minor">
+            <a:schemeClr val="lt1"/>
+          </a:fontRef>
+        </p:style>
+        <p:txBody>
+          <a:bodyPr rtlCol="0" anchor="ctr"/>
+          <a:lstStyle/>
+          <a:p>
+            <a:pPr algn="ctr"/>
+            <a:endParaRPr lang="en-US"/>
+          </a:p>
+        </p:txBody>
+      </p:sp>
       <p:pic>
         <p:nvPicPr>
-          <p:cNvPr id="27" name="Picture 26">
-            <a:extLst>
-              <a:ext uri="{FF2B5EF4-FFF2-40B4-BE49-F238E27FC236}">
-                <a16:creationId xmlns:a16="http://schemas.microsoft.com/office/drawing/2014/main" id="{1731452E-E03B-7043-937C-252243C5F05D}"/>
+          <p:cNvPr id="25" name="Picture 24">
+            <a:extLst>
+              <a:ext uri="{FF2B5EF4-FFF2-40B4-BE49-F238E27FC236}">
+                <a16:creationId xmlns:a16="http://schemas.microsoft.com/office/drawing/2014/main" id="{F6548FD8-4F84-EF4B-BCF8-6DA0B36BC1AC}"/>
               </a:ext>
             </a:extLst>
           </p:cNvPr>
@@ -5277,7 +11264,7 @@
         </p:blipFill>
         <p:spPr>
           <a:xfrm>
-            <a:off x="1453639" y="5795188"/>
+            <a:off x="1453639" y="6187073"/>
             <a:ext cx="4621465" cy="562070"/>
           </a:xfrm>
           <a:prstGeom prst="rect">
@@ -5287,10 +11274,10 @@
       </p:pic>
       <p:pic>
         <p:nvPicPr>
-          <p:cNvPr id="29" name="Picture 28">
-            <a:extLst>
-              <a:ext uri="{FF2B5EF4-FFF2-40B4-BE49-F238E27FC236}">
-                <a16:creationId xmlns:a16="http://schemas.microsoft.com/office/drawing/2014/main" id="{997CFD0D-5459-5A42-8BC8-5BCE1DEE1171}"/>
+          <p:cNvPr id="8" name="Picture 7">
+            <a:extLst>
+              <a:ext uri="{FF2B5EF4-FFF2-40B4-BE49-F238E27FC236}">
+                <a16:creationId xmlns:a16="http://schemas.microsoft.com/office/drawing/2014/main" id="{83E161FB-B983-1040-A321-AFA77867B522}"/>
               </a:ext>
             </a:extLst>
           </p:cNvPr>
@@ -5307,7 +11294,7 @@
         </p:blipFill>
         <p:spPr>
           <a:xfrm>
-            <a:off x="1518953" y="5153953"/>
+            <a:off x="1518953" y="5545838"/>
             <a:ext cx="4621465" cy="589974"/>
           </a:xfrm>
           <a:prstGeom prst="rect">
@@ -5315,10 +11302,699 @@
           </a:prstGeom>
         </p:spPr>
       </p:pic>
+      <p:sp>
+        <p:nvSpPr>
+          <p:cNvPr id="9" name="TextBox 8">
+            <a:extLst>
+              <a:ext uri="{FF2B5EF4-FFF2-40B4-BE49-F238E27FC236}">
+                <a16:creationId xmlns:a16="http://schemas.microsoft.com/office/drawing/2014/main" id="{59FEDA23-1151-DD41-8F63-338A1AD216AB}"/>
+              </a:ext>
+            </a:extLst>
+          </p:cNvPr>
+          <p:cNvSpPr txBox="1"/>
+          <p:nvPr/>
+        </p:nvSpPr>
+        <p:spPr>
+          <a:xfrm>
+            <a:off x="2746314" y="1463042"/>
+            <a:ext cx="301686" cy="369332"/>
+          </a:xfrm>
+          <a:prstGeom prst="rect">
+            <a:avLst/>
+          </a:prstGeom>
+          <a:noFill/>
+        </p:spPr>
+        <p:txBody>
+          <a:bodyPr wrap="none" rtlCol="0">
+            <a:spAutoFit/>
+          </a:bodyPr>
+          <a:lstStyle/>
+          <a:p>
+            <a:r>
+              <a:rPr lang="en-US" dirty="0"/>
+              <a:t>1</a:t>
+            </a:r>
+          </a:p>
+        </p:txBody>
+      </p:sp>
+      <p:sp>
+        <p:nvSpPr>
+          <p:cNvPr id="24" name="TextBox 23">
+            <a:extLst>
+              <a:ext uri="{FF2B5EF4-FFF2-40B4-BE49-F238E27FC236}">
+                <a16:creationId xmlns:a16="http://schemas.microsoft.com/office/drawing/2014/main" id="{C4195872-0505-C54C-900D-89AFBF3DD554}"/>
+              </a:ext>
+            </a:extLst>
+          </p:cNvPr>
+          <p:cNvSpPr txBox="1"/>
+          <p:nvPr/>
+        </p:nvSpPr>
+        <p:spPr>
+          <a:xfrm>
+            <a:off x="2746314" y="2313769"/>
+            <a:ext cx="301686" cy="369332"/>
+          </a:xfrm>
+          <a:prstGeom prst="rect">
+            <a:avLst/>
+          </a:prstGeom>
+          <a:noFill/>
+        </p:spPr>
+        <p:txBody>
+          <a:bodyPr wrap="none" rtlCol="0">
+            <a:spAutoFit/>
+          </a:bodyPr>
+          <a:lstStyle/>
+          <a:p>
+            <a:r>
+              <a:rPr lang="en-US" dirty="0"/>
+              <a:t>2</a:t>
+            </a:r>
+          </a:p>
+        </p:txBody>
+      </p:sp>
+      <p:sp>
+        <p:nvSpPr>
+          <p:cNvPr id="26" name="TextBox 25">
+            <a:extLst>
+              <a:ext uri="{FF2B5EF4-FFF2-40B4-BE49-F238E27FC236}">
+                <a16:creationId xmlns:a16="http://schemas.microsoft.com/office/drawing/2014/main" id="{92F6E003-5497-B543-B873-3637C7C0C055}"/>
+              </a:ext>
+            </a:extLst>
+          </p:cNvPr>
+          <p:cNvSpPr txBox="1"/>
+          <p:nvPr/>
+        </p:nvSpPr>
+        <p:spPr>
+          <a:xfrm>
+            <a:off x="2746314" y="3290487"/>
+            <a:ext cx="301686" cy="369332"/>
+          </a:xfrm>
+          <a:prstGeom prst="rect">
+            <a:avLst/>
+          </a:prstGeom>
+          <a:noFill/>
+        </p:spPr>
+        <p:txBody>
+          <a:bodyPr wrap="none" rtlCol="0">
+            <a:spAutoFit/>
+          </a:bodyPr>
+          <a:lstStyle/>
+          <a:p>
+            <a:r>
+              <a:rPr lang="en-US" dirty="0"/>
+              <a:t>3</a:t>
+            </a:r>
+          </a:p>
+        </p:txBody>
+      </p:sp>
+      <p:sp>
+        <p:nvSpPr>
+          <p:cNvPr id="27" name="TextBox 26">
+            <a:extLst>
+              <a:ext uri="{FF2B5EF4-FFF2-40B4-BE49-F238E27FC236}">
+                <a16:creationId xmlns:a16="http://schemas.microsoft.com/office/drawing/2014/main" id="{E357C6B6-372C-0A4E-9C68-0864D7E82EEC}"/>
+              </a:ext>
+            </a:extLst>
+          </p:cNvPr>
+          <p:cNvSpPr txBox="1"/>
+          <p:nvPr/>
+        </p:nvSpPr>
+        <p:spPr>
+          <a:xfrm>
+            <a:off x="2746314" y="4242551"/>
+            <a:ext cx="301686" cy="369332"/>
+          </a:xfrm>
+          <a:prstGeom prst="rect">
+            <a:avLst/>
+          </a:prstGeom>
+          <a:noFill/>
+        </p:spPr>
+        <p:txBody>
+          <a:bodyPr wrap="none" rtlCol="0">
+            <a:spAutoFit/>
+          </a:bodyPr>
+          <a:lstStyle/>
+          <a:p>
+            <a:r>
+              <a:rPr lang="en-US" dirty="0"/>
+              <a:t>4</a:t>
+            </a:r>
+          </a:p>
+        </p:txBody>
+      </p:sp>
+      <p:sp>
+        <p:nvSpPr>
+          <p:cNvPr id="28" name="TextBox 27">
+            <a:extLst>
+              <a:ext uri="{FF2B5EF4-FFF2-40B4-BE49-F238E27FC236}">
+                <a16:creationId xmlns:a16="http://schemas.microsoft.com/office/drawing/2014/main" id="{9613BE0E-3289-024E-A2F8-86E6BE75A3CD}"/>
+              </a:ext>
+            </a:extLst>
+          </p:cNvPr>
+          <p:cNvSpPr txBox="1"/>
+          <p:nvPr/>
+        </p:nvSpPr>
+        <p:spPr>
+          <a:xfrm>
+            <a:off x="3506758" y="604463"/>
+            <a:ext cx="529312" cy="369332"/>
+          </a:xfrm>
+          <a:prstGeom prst="rect">
+            <a:avLst/>
+          </a:prstGeom>
+          <a:noFill/>
+        </p:spPr>
+        <p:txBody>
+          <a:bodyPr wrap="none" rtlCol="0">
+            <a:spAutoFit/>
+          </a:bodyPr>
+          <a:lstStyle/>
+          <a:p>
+            <a:r>
+              <a:rPr lang="en-US" dirty="0"/>
+              <a:t>1, 2</a:t>
+            </a:r>
+          </a:p>
+        </p:txBody>
+      </p:sp>
+      <p:sp>
+        <p:nvSpPr>
+          <p:cNvPr id="29" name="TextBox 28">
+            <a:extLst>
+              <a:ext uri="{FF2B5EF4-FFF2-40B4-BE49-F238E27FC236}">
+                <a16:creationId xmlns:a16="http://schemas.microsoft.com/office/drawing/2014/main" id="{E96E6EB9-7BEE-5B43-8725-0B76D020A159}"/>
+              </a:ext>
+            </a:extLst>
+          </p:cNvPr>
+          <p:cNvSpPr txBox="1"/>
+          <p:nvPr/>
+        </p:nvSpPr>
+        <p:spPr>
+          <a:xfrm>
+            <a:off x="3506758" y="1511168"/>
+            <a:ext cx="529312" cy="369332"/>
+          </a:xfrm>
+          <a:prstGeom prst="rect">
+            <a:avLst/>
+          </a:prstGeom>
+          <a:noFill/>
+        </p:spPr>
+        <p:txBody>
+          <a:bodyPr wrap="none" rtlCol="0">
+            <a:spAutoFit/>
+          </a:bodyPr>
+          <a:lstStyle/>
+          <a:p>
+            <a:r>
+              <a:rPr lang="en-US" dirty="0"/>
+              <a:t>1, 3</a:t>
+            </a:r>
+          </a:p>
+        </p:txBody>
+      </p:sp>
+      <p:sp>
+        <p:nvSpPr>
+          <p:cNvPr id="30" name="TextBox 29">
+            <a:extLst>
+              <a:ext uri="{FF2B5EF4-FFF2-40B4-BE49-F238E27FC236}">
+                <a16:creationId xmlns:a16="http://schemas.microsoft.com/office/drawing/2014/main" id="{5977D927-2A88-0143-9B7F-B08CB8523CD9}"/>
+              </a:ext>
+            </a:extLst>
+          </p:cNvPr>
+          <p:cNvSpPr txBox="1"/>
+          <p:nvPr/>
+        </p:nvSpPr>
+        <p:spPr>
+          <a:xfrm>
+            <a:off x="3506758" y="2398667"/>
+            <a:ext cx="529312" cy="369332"/>
+          </a:xfrm>
+          <a:prstGeom prst="rect">
+            <a:avLst/>
+          </a:prstGeom>
+          <a:noFill/>
+        </p:spPr>
+        <p:txBody>
+          <a:bodyPr wrap="none" rtlCol="0">
+            <a:spAutoFit/>
+          </a:bodyPr>
+          <a:lstStyle/>
+          <a:p>
+            <a:r>
+              <a:rPr lang="en-US" dirty="0"/>
+              <a:t>1, 4</a:t>
+            </a:r>
+          </a:p>
+        </p:txBody>
+      </p:sp>
+      <p:sp>
+        <p:nvSpPr>
+          <p:cNvPr id="31" name="TextBox 30">
+            <a:extLst>
+              <a:ext uri="{FF2B5EF4-FFF2-40B4-BE49-F238E27FC236}">
+                <a16:creationId xmlns:a16="http://schemas.microsoft.com/office/drawing/2014/main" id="{DF98A959-92D0-964C-B6DF-56EE633A894C}"/>
+              </a:ext>
+            </a:extLst>
+          </p:cNvPr>
+          <p:cNvSpPr txBox="1"/>
+          <p:nvPr/>
+        </p:nvSpPr>
+        <p:spPr>
+          <a:xfrm>
+            <a:off x="3506758" y="3255962"/>
+            <a:ext cx="529312" cy="369332"/>
+          </a:xfrm>
+          <a:prstGeom prst="rect">
+            <a:avLst/>
+          </a:prstGeom>
+          <a:noFill/>
+        </p:spPr>
+        <p:txBody>
+          <a:bodyPr wrap="none" rtlCol="0">
+            <a:spAutoFit/>
+          </a:bodyPr>
+          <a:lstStyle/>
+          <a:p>
+            <a:r>
+              <a:rPr lang="en-US" dirty="0"/>
+              <a:t>2, 3</a:t>
+            </a:r>
+          </a:p>
+        </p:txBody>
+      </p:sp>
+      <p:sp>
+        <p:nvSpPr>
+          <p:cNvPr id="32" name="TextBox 31">
+            <a:extLst>
+              <a:ext uri="{FF2B5EF4-FFF2-40B4-BE49-F238E27FC236}">
+                <a16:creationId xmlns:a16="http://schemas.microsoft.com/office/drawing/2014/main" id="{9CDE1B08-CEED-A14D-8350-59E8CE2E240B}"/>
+              </a:ext>
+            </a:extLst>
+          </p:cNvPr>
+          <p:cNvSpPr txBox="1"/>
+          <p:nvPr/>
+        </p:nvSpPr>
+        <p:spPr>
+          <a:xfrm>
+            <a:off x="3506758" y="4226162"/>
+            <a:ext cx="529312" cy="369332"/>
+          </a:xfrm>
+          <a:prstGeom prst="rect">
+            <a:avLst/>
+          </a:prstGeom>
+          <a:noFill/>
+        </p:spPr>
+        <p:txBody>
+          <a:bodyPr wrap="none" rtlCol="0">
+            <a:spAutoFit/>
+          </a:bodyPr>
+          <a:lstStyle/>
+          <a:p>
+            <a:r>
+              <a:rPr lang="en-US" dirty="0"/>
+              <a:t>2, 4</a:t>
+            </a:r>
+          </a:p>
+        </p:txBody>
+      </p:sp>
+      <p:sp>
+        <p:nvSpPr>
+          <p:cNvPr id="33" name="TextBox 32">
+            <a:extLst>
+              <a:ext uri="{FF2B5EF4-FFF2-40B4-BE49-F238E27FC236}">
+                <a16:creationId xmlns:a16="http://schemas.microsoft.com/office/drawing/2014/main" id="{86D14C35-A95B-C24E-81EB-10A79CA6A80F}"/>
+              </a:ext>
+            </a:extLst>
+          </p:cNvPr>
+          <p:cNvSpPr txBox="1"/>
+          <p:nvPr/>
+        </p:nvSpPr>
+        <p:spPr>
+          <a:xfrm>
+            <a:off x="3506758" y="5103849"/>
+            <a:ext cx="529312" cy="369332"/>
+          </a:xfrm>
+          <a:prstGeom prst="rect">
+            <a:avLst/>
+          </a:prstGeom>
+          <a:noFill/>
+        </p:spPr>
+        <p:txBody>
+          <a:bodyPr wrap="none" rtlCol="0">
+            <a:spAutoFit/>
+          </a:bodyPr>
+          <a:lstStyle/>
+          <a:p>
+            <a:r>
+              <a:rPr lang="en-US" dirty="0"/>
+              <a:t>3, 4</a:t>
+            </a:r>
+          </a:p>
+        </p:txBody>
+      </p:sp>
+      <p:sp>
+        <p:nvSpPr>
+          <p:cNvPr id="35" name="TextBox 34">
+            <a:extLst>
+              <a:ext uri="{FF2B5EF4-FFF2-40B4-BE49-F238E27FC236}">
+                <a16:creationId xmlns:a16="http://schemas.microsoft.com/office/drawing/2014/main" id="{E05DFA98-E357-3140-BB70-052F475B81CE}"/>
+              </a:ext>
+            </a:extLst>
+          </p:cNvPr>
+          <p:cNvSpPr txBox="1"/>
+          <p:nvPr/>
+        </p:nvSpPr>
+        <p:spPr>
+          <a:xfrm>
+            <a:off x="4358144" y="1511168"/>
+            <a:ext cx="756938" cy="369332"/>
+          </a:xfrm>
+          <a:prstGeom prst="rect">
+            <a:avLst/>
+          </a:prstGeom>
+          <a:noFill/>
+        </p:spPr>
+        <p:txBody>
+          <a:bodyPr wrap="none" rtlCol="0">
+            <a:spAutoFit/>
+          </a:bodyPr>
+          <a:lstStyle/>
+          <a:p>
+            <a:r>
+              <a:rPr lang="en-US" dirty="0"/>
+              <a:t>1, 2, 3</a:t>
+            </a:r>
+          </a:p>
+        </p:txBody>
+      </p:sp>
+      <p:sp>
+        <p:nvSpPr>
+          <p:cNvPr id="36" name="TextBox 35">
+            <a:extLst>
+              <a:ext uri="{FF2B5EF4-FFF2-40B4-BE49-F238E27FC236}">
+                <a16:creationId xmlns:a16="http://schemas.microsoft.com/office/drawing/2014/main" id="{47DB59F9-3441-8846-BC39-8282CFE586F9}"/>
+              </a:ext>
+            </a:extLst>
+          </p:cNvPr>
+          <p:cNvSpPr txBox="1"/>
+          <p:nvPr/>
+        </p:nvSpPr>
+        <p:spPr>
+          <a:xfrm>
+            <a:off x="4358144" y="2386776"/>
+            <a:ext cx="756938" cy="369332"/>
+          </a:xfrm>
+          <a:prstGeom prst="rect">
+            <a:avLst/>
+          </a:prstGeom>
+          <a:noFill/>
+        </p:spPr>
+        <p:txBody>
+          <a:bodyPr wrap="none" rtlCol="0">
+            <a:spAutoFit/>
+          </a:bodyPr>
+          <a:lstStyle/>
+          <a:p>
+            <a:r>
+              <a:rPr lang="en-US" dirty="0"/>
+              <a:t>1, 2, 4</a:t>
+            </a:r>
+          </a:p>
+        </p:txBody>
+      </p:sp>
+      <p:sp>
+        <p:nvSpPr>
+          <p:cNvPr id="37" name="TextBox 36">
+            <a:extLst>
+              <a:ext uri="{FF2B5EF4-FFF2-40B4-BE49-F238E27FC236}">
+                <a16:creationId xmlns:a16="http://schemas.microsoft.com/office/drawing/2014/main" id="{BB0B1B24-8517-F04A-825F-86A2E6ADCED7}"/>
+              </a:ext>
+            </a:extLst>
+          </p:cNvPr>
+          <p:cNvSpPr txBox="1"/>
+          <p:nvPr/>
+        </p:nvSpPr>
+        <p:spPr>
+          <a:xfrm>
+            <a:off x="4358144" y="3295305"/>
+            <a:ext cx="756938" cy="369332"/>
+          </a:xfrm>
+          <a:prstGeom prst="rect">
+            <a:avLst/>
+          </a:prstGeom>
+          <a:noFill/>
+        </p:spPr>
+        <p:txBody>
+          <a:bodyPr wrap="none" rtlCol="0">
+            <a:spAutoFit/>
+          </a:bodyPr>
+          <a:lstStyle/>
+          <a:p>
+            <a:r>
+              <a:rPr lang="en-US" dirty="0"/>
+              <a:t>1, 3, 4</a:t>
+            </a:r>
+          </a:p>
+        </p:txBody>
+      </p:sp>
+      <p:sp>
+        <p:nvSpPr>
+          <p:cNvPr id="38" name="TextBox 37">
+            <a:extLst>
+              <a:ext uri="{FF2B5EF4-FFF2-40B4-BE49-F238E27FC236}">
+                <a16:creationId xmlns:a16="http://schemas.microsoft.com/office/drawing/2014/main" id="{5220E8DE-4E34-EC4D-B630-0AC4ECC5B4F3}"/>
+              </a:ext>
+            </a:extLst>
+          </p:cNvPr>
+          <p:cNvSpPr txBox="1"/>
+          <p:nvPr/>
+        </p:nvSpPr>
+        <p:spPr>
+          <a:xfrm>
+            <a:off x="4338674" y="4247509"/>
+            <a:ext cx="756938" cy="369332"/>
+          </a:xfrm>
+          <a:prstGeom prst="rect">
+            <a:avLst/>
+          </a:prstGeom>
+          <a:noFill/>
+        </p:spPr>
+        <p:txBody>
+          <a:bodyPr wrap="none" rtlCol="0">
+            <a:spAutoFit/>
+          </a:bodyPr>
+          <a:lstStyle/>
+          <a:p>
+            <a:r>
+              <a:rPr lang="en-US" dirty="0"/>
+              <a:t>2, 3, 4</a:t>
+            </a:r>
+          </a:p>
+        </p:txBody>
+      </p:sp>
+      <p:sp>
+        <p:nvSpPr>
+          <p:cNvPr id="39" name="TextBox 38">
+            <a:extLst>
+              <a:ext uri="{FF2B5EF4-FFF2-40B4-BE49-F238E27FC236}">
+                <a16:creationId xmlns:a16="http://schemas.microsoft.com/office/drawing/2014/main" id="{84789C5B-1021-8F45-9A04-778C2615A6B6}"/>
+              </a:ext>
+            </a:extLst>
+          </p:cNvPr>
+          <p:cNvSpPr txBox="1"/>
+          <p:nvPr/>
+        </p:nvSpPr>
+        <p:spPr>
+          <a:xfrm>
+            <a:off x="5115082" y="3027822"/>
+            <a:ext cx="984565" cy="369332"/>
+          </a:xfrm>
+          <a:prstGeom prst="rect">
+            <a:avLst/>
+          </a:prstGeom>
+          <a:noFill/>
+        </p:spPr>
+        <p:txBody>
+          <a:bodyPr wrap="none" rtlCol="0">
+            <a:spAutoFit/>
+          </a:bodyPr>
+          <a:lstStyle/>
+          <a:p>
+            <a:r>
+              <a:rPr lang="en-US" dirty="0"/>
+              <a:t>1, 2, 3, 4</a:t>
+            </a:r>
+          </a:p>
+        </p:txBody>
+      </p:sp>
+      <p:cxnSp>
+        <p:nvCxnSpPr>
+          <p:cNvPr id="40" name="Straight Arrow Connector 39">
+            <a:extLst>
+              <a:ext uri="{FF2B5EF4-FFF2-40B4-BE49-F238E27FC236}">
+                <a16:creationId xmlns:a16="http://schemas.microsoft.com/office/drawing/2014/main" id="{23EF7CC6-D0D4-CD46-88BA-33CE28F39857}"/>
+              </a:ext>
+            </a:extLst>
+          </p:cNvPr>
+          <p:cNvCxnSpPr>
+            <a:cxnSpLocks/>
+          </p:cNvCxnSpPr>
+          <p:nvPr/>
+        </p:nvCxnSpPr>
+        <p:spPr>
+          <a:xfrm flipV="1">
+            <a:off x="2090057" y="2318008"/>
+            <a:ext cx="718457" cy="326202"/>
+          </a:xfrm>
+          <a:prstGeom prst="straightConnector1">
+            <a:avLst/>
+          </a:prstGeom>
+          <a:ln>
+            <a:tailEnd type="triangle"/>
+          </a:ln>
+        </p:spPr>
+        <p:style>
+          <a:lnRef idx="1">
+            <a:schemeClr val="accent1"/>
+          </a:lnRef>
+          <a:fillRef idx="0">
+            <a:schemeClr val="accent1"/>
+          </a:fillRef>
+          <a:effectRef idx="0">
+            <a:schemeClr val="accent1"/>
+          </a:effectRef>
+          <a:fontRef idx="minor">
+            <a:schemeClr val="tx1"/>
+          </a:fontRef>
+        </p:style>
+      </p:cxnSp>
+      <p:cxnSp>
+        <p:nvCxnSpPr>
+          <p:cNvPr id="41" name="Straight Arrow Connector 40">
+            <a:extLst>
+              <a:ext uri="{FF2B5EF4-FFF2-40B4-BE49-F238E27FC236}">
+                <a16:creationId xmlns:a16="http://schemas.microsoft.com/office/drawing/2014/main" id="{67A4298A-3B91-FD41-88BB-E69C547CCA53}"/>
+              </a:ext>
+            </a:extLst>
+          </p:cNvPr>
+          <p:cNvCxnSpPr>
+            <a:cxnSpLocks/>
+          </p:cNvCxnSpPr>
+          <p:nvPr/>
+        </p:nvCxnSpPr>
+        <p:spPr>
+          <a:xfrm>
+            <a:off x="3048000" y="2313769"/>
+            <a:ext cx="667657" cy="737212"/>
+          </a:xfrm>
+          <a:prstGeom prst="straightConnector1">
+            <a:avLst/>
+          </a:prstGeom>
+          <a:ln>
+            <a:tailEnd type="triangle"/>
+          </a:ln>
+        </p:spPr>
+        <p:style>
+          <a:lnRef idx="1">
+            <a:schemeClr val="accent1"/>
+          </a:lnRef>
+          <a:fillRef idx="0">
+            <a:schemeClr val="accent1"/>
+          </a:fillRef>
+          <a:effectRef idx="0">
+            <a:schemeClr val="accent1"/>
+          </a:effectRef>
+          <a:fontRef idx="minor">
+            <a:schemeClr val="tx1"/>
+          </a:fontRef>
+        </p:style>
+      </p:cxnSp>
+      <p:cxnSp>
+        <p:nvCxnSpPr>
+          <p:cNvPr id="44" name="Straight Arrow Connector 43">
+            <a:extLst>
+              <a:ext uri="{FF2B5EF4-FFF2-40B4-BE49-F238E27FC236}">
+                <a16:creationId xmlns:a16="http://schemas.microsoft.com/office/drawing/2014/main" id="{3D9750D7-1362-C645-9092-DE054CFD0381}"/>
+              </a:ext>
+            </a:extLst>
+          </p:cNvPr>
+          <p:cNvCxnSpPr>
+            <a:cxnSpLocks/>
+          </p:cNvCxnSpPr>
+          <p:nvPr/>
+        </p:nvCxnSpPr>
+        <p:spPr>
+          <a:xfrm>
+            <a:off x="3938559" y="3219547"/>
+            <a:ext cx="667657" cy="737212"/>
+          </a:xfrm>
+          <a:prstGeom prst="straightConnector1">
+            <a:avLst/>
+          </a:prstGeom>
+          <a:ln>
+            <a:tailEnd type="triangle"/>
+          </a:ln>
+        </p:spPr>
+        <p:style>
+          <a:lnRef idx="1">
+            <a:schemeClr val="accent1"/>
+          </a:lnRef>
+          <a:fillRef idx="0">
+            <a:schemeClr val="accent1"/>
+          </a:fillRef>
+          <a:effectRef idx="0">
+            <a:schemeClr val="accent1"/>
+          </a:effectRef>
+          <a:fontRef idx="minor">
+            <a:schemeClr val="tx1"/>
+          </a:fontRef>
+        </p:style>
+      </p:cxnSp>
+      <p:cxnSp>
+        <p:nvCxnSpPr>
+          <p:cNvPr id="42" name="Straight Arrow Connector 41">
+            <a:extLst>
+              <a:ext uri="{FF2B5EF4-FFF2-40B4-BE49-F238E27FC236}">
+                <a16:creationId xmlns:a16="http://schemas.microsoft.com/office/drawing/2014/main" id="{C7E784F5-96B2-CC41-BA45-AEA0156C934F}"/>
+              </a:ext>
+            </a:extLst>
+          </p:cNvPr>
+          <p:cNvCxnSpPr>
+            <a:cxnSpLocks/>
+          </p:cNvCxnSpPr>
+          <p:nvPr/>
+        </p:nvCxnSpPr>
+        <p:spPr>
+          <a:xfrm flipV="1">
+            <a:off x="4847772" y="2976561"/>
+            <a:ext cx="550444" cy="1029464"/>
+          </a:xfrm>
+          <a:prstGeom prst="straightConnector1">
+            <a:avLst/>
+          </a:prstGeom>
+          <a:ln>
+            <a:tailEnd type="triangle"/>
+          </a:ln>
+        </p:spPr>
+        <p:style>
+          <a:lnRef idx="1">
+            <a:schemeClr val="accent1"/>
+          </a:lnRef>
+          <a:fillRef idx="0">
+            <a:schemeClr val="accent1"/>
+          </a:fillRef>
+          <a:effectRef idx="0">
+            <a:schemeClr val="accent1"/>
+          </a:effectRef>
+          <a:fontRef idx="minor">
+            <a:schemeClr val="tx1"/>
+          </a:fontRef>
+        </p:style>
+      </p:cxnSp>
     </p:spTree>
     <p:extLst>
       <p:ext uri="{BB962C8B-B14F-4D97-AF65-F5344CB8AC3E}">
-        <p14:creationId xmlns:p14="http://schemas.microsoft.com/office/powerpoint/2010/main" val="3468181262"/>
+        <p14:creationId xmlns:p14="http://schemas.microsoft.com/office/powerpoint/2010/main" val="1603466046"/>
       </p:ext>
     </p:extLst>
   </p:cSld>
